--- a/Folien.pptx
+++ b/Folien.pptx
@@ -233,7 +233,7 @@
           <a:p>
             <a:fld id="{EFC34BA6-B73D-1D4F-865B-C3F4B53BB42A}" type="datetimeFigureOut">
               <a:rPr lang="de-DE" smtClean="0"/>
-              <a:t>26.03.2019</a:t>
+              <a:t>27.03.2019</a:t>
             </a:fld>
             <a:endParaRPr lang="de-DE"/>
           </a:p>
@@ -399,7 +399,7 @@
           <a:p>
             <a:fld id="{26041D66-D5E8-1E4B-8AB9-D9EB06DD8336}" type="datetimeFigureOut">
               <a:rPr lang="de-DE" smtClean="0"/>
-              <a:t>26.03.2019</a:t>
+              <a:t>27.03.2019</a:t>
             </a:fld>
             <a:endParaRPr lang="de-DE"/>
           </a:p>
@@ -712,10 +712,10 @@
           <a:bodyPr/>
           <a:lstStyle/>
           <a:p>
-            <a:pPr marL="171450" indent="-171450">
-              <a:buFont typeface="Arial" panose="020B0604020202020204" pitchFamily="34" charset="0"/>
-              <a:buChar char="•"/>
-            </a:pPr>
+            <a:r>
+              <a:rPr lang="de-AT" dirty="0" smtClean="0"/>
+              <a:t>https://hcp.bifie.at/u/-Cw_2YYsP97qLD_Z/Advanced_R?l</a:t>
+            </a:r>
             <a:endParaRPr lang="de-AT" dirty="0"/>
           </a:p>
         </p:txBody>
@@ -737,7 +737,7 @@
           <a:p>
             <a:fld id="{55A21A8E-1F06-3147-ADBB-3B92C6634279}" type="slidenum">
               <a:rPr lang="de-DE" smtClean="0"/>
-              <a:t>4</a:t>
+              <a:t>3</a:t>
             </a:fld>
             <a:endParaRPr lang="de-DE"/>
           </a:p>
@@ -746,7 +746,7 @@
     </p:spTree>
     <p:extLst>
       <p:ext uri="{BB962C8B-B14F-4D97-AF65-F5344CB8AC3E}">
-        <p14:creationId xmlns:p14="http://schemas.microsoft.com/office/powerpoint/2010/main" val="306255573"/>
+        <p14:creationId xmlns:p14="http://schemas.microsoft.com/office/powerpoint/2010/main" val="2415169647"/>
       </p:ext>
     </p:extLst>
   </p:cSld>
@@ -801,92 +801,138 @@
           <a:lstStyle/>
           <a:p>
             <a:r>
-              <a:rPr lang="de-AT" dirty="0" smtClean="0"/>
-              <a:t>zur fortgeschrittenen</a:t>
-            </a:r>
-            <a:r>
-              <a:rPr lang="de-AT" baseline="0" dirty="0" smtClean="0"/>
-              <a:t> Programmierung gehört auch ein stabiles Vokabular von Basis-Funktionen zu haben. </a:t>
-            </a:r>
-            <a:r>
-              <a:rPr lang="de-AT" dirty="0" smtClean="0"/>
-              <a:t>Hadley ist für</a:t>
-            </a:r>
-            <a:r>
-              <a:rPr lang="de-AT" baseline="0" dirty="0" smtClean="0"/>
-              <a:t> sein Buch die Base/</a:t>
-            </a:r>
-            <a:r>
-              <a:rPr lang="de-AT" baseline="0" dirty="0" err="1" smtClean="0"/>
-              <a:t>Stats</a:t>
-            </a:r>
-            <a:r>
-              <a:rPr lang="de-AT" baseline="0" dirty="0" smtClean="0"/>
-              <a:t> und </a:t>
-            </a:r>
-            <a:r>
-              <a:rPr lang="de-AT" baseline="0" dirty="0" err="1" smtClean="0"/>
-              <a:t>Utils</a:t>
-            </a:r>
-            <a:r>
-              <a:rPr lang="de-AT" baseline="0" dirty="0" smtClean="0"/>
-              <a:t>-Bibliothek durchgegangen und hat die für ihn wichtigsten Funktionen aufgelistet. Ich hatte auch angefangen, die für mich zentralen Funktionen in einem Dokument zu sammeln und die meisten davon hat Hadley mit seiner Arbeit hier abgedeckt. Ich hatte noch immer recht viel mit Matrix-Algebra zu tun; daher finde ich gehören </a:t>
-            </a:r>
-            <a:r>
-              <a:rPr lang="de-AT" baseline="0" dirty="0" err="1" smtClean="0"/>
-              <a:t>colSums</a:t>
-            </a:r>
-            <a:r>
-              <a:rPr lang="de-AT" baseline="0" dirty="0" smtClean="0"/>
-              <a:t>, </a:t>
-            </a:r>
-            <a:r>
-              <a:rPr lang="de-AT" baseline="0" dirty="0" err="1" smtClean="0"/>
-              <a:t>rowSums</a:t>
-            </a:r>
-            <a:r>
-              <a:rPr lang="de-AT" baseline="0" dirty="0" smtClean="0"/>
-              <a:t> und </a:t>
-            </a:r>
-            <a:r>
-              <a:rPr lang="de-AT" baseline="0" dirty="0" err="1" smtClean="0"/>
-              <a:t>rowsum</a:t>
-            </a:r>
-            <a:r>
-              <a:rPr lang="de-AT" baseline="0" dirty="0" smtClean="0"/>
-              <a:t> auch dazu.</a:t>
-            </a:r>
-          </a:p>
-          <a:p>
-            <a:r>
-              <a:rPr lang="de-AT" baseline="0" dirty="0" smtClean="0"/>
-              <a:t>Ein paar davon kannte ich auch nicht und es ist nicht wichtig die Funktionen im Detail zu kennen; wichtig ist zu wissen, dass es sie gibt. Die Funktionen, die ich nicht kannte, habe ich kurz in der Hilfe nachgesehen und versuche sie in Zukunft gezielter mal einzusetzen.</a:t>
-            </a:r>
-          </a:p>
-          <a:p>
-            <a:endParaRPr lang="de-AT" baseline="0" dirty="0" smtClean="0"/>
-          </a:p>
-          <a:p>
-            <a:r>
-              <a:rPr lang="de-AT" baseline="0" dirty="0" smtClean="0"/>
-              <a:t>Geht sie mal durch. Vielleicht finden wir ja die eine oder andere interessante Funktion, die wir hier kurz ansehen können.</a:t>
-            </a:r>
-          </a:p>
-          <a:p>
-            <a:endParaRPr lang="de-AT" baseline="0" dirty="0" smtClean="0"/>
-          </a:p>
-          <a:p>
-            <a:r>
-              <a:rPr lang="de-AT" baseline="0" dirty="0" smtClean="0"/>
-              <a:t>hier gilt, wie für den ganzen Workshop: man lernt irrsinnig viel, wenn man sich die R-Programme andere Entwickler anschaut. Auch wenn man deren Stil oder deren Programmierform nicht zustimmt, man denkt darüber nach und ertappt sich immer wieder </a:t>
-            </a:r>
-            <a:r>
-              <a:rPr lang="de-AT" baseline="0" dirty="0" err="1" smtClean="0"/>
-              <a:t>auf‘s</a:t>
-            </a:r>
-            <a:r>
-              <a:rPr lang="de-AT" baseline="0" dirty="0" smtClean="0"/>
-              <a:t> neue über Performanz, Stil und Funktionen nachzudenken und erkennt, wie andere über die gleichen Themen nachdenken und wie sie damit umgehen</a:t>
+              <a:rPr lang="de-AT" sz="1200" kern="1200" dirty="0" smtClean="0">
+                <a:solidFill>
+                  <a:schemeClr val="tx1"/>
+                </a:solidFill>
+                <a:effectLst/>
+                <a:latin typeface="+mn-lt"/>
+                <a:ea typeface="+mn-ea"/>
+                <a:cs typeface="+mn-cs"/>
+              </a:rPr>
+              <a:t>f1 &lt;- </a:t>
+            </a:r>
+            <a:r>
+              <a:rPr lang="de-AT" sz="1200" kern="1200" dirty="0" err="1" smtClean="0">
+                <a:solidFill>
+                  <a:schemeClr val="tx1"/>
+                </a:solidFill>
+                <a:effectLst/>
+                <a:latin typeface="+mn-lt"/>
+                <a:ea typeface="+mn-ea"/>
+                <a:cs typeface="+mn-cs"/>
+              </a:rPr>
+              <a:t>factor</a:t>
+            </a:r>
+            <a:r>
+              <a:rPr lang="de-AT" sz="1200" kern="1200" dirty="0" smtClean="0">
+                <a:solidFill>
+                  <a:schemeClr val="tx1"/>
+                </a:solidFill>
+                <a:effectLst/>
+                <a:latin typeface="+mn-lt"/>
+                <a:ea typeface="+mn-ea"/>
+                <a:cs typeface="+mn-cs"/>
+              </a:rPr>
+              <a:t>(</a:t>
+            </a:r>
+            <a:r>
+              <a:rPr lang="de-AT" sz="1200" kern="1200" dirty="0" err="1" smtClean="0">
+                <a:solidFill>
+                  <a:schemeClr val="tx1"/>
+                </a:solidFill>
+                <a:effectLst/>
+                <a:latin typeface="+mn-lt"/>
+                <a:ea typeface="+mn-ea"/>
+                <a:cs typeface="+mn-cs"/>
+              </a:rPr>
+              <a:t>letters</a:t>
+            </a:r>
+            <a:r>
+              <a:rPr lang="de-AT" sz="1200" kern="1200" dirty="0" smtClean="0">
+                <a:solidFill>
+                  <a:schemeClr val="tx1"/>
+                </a:solidFill>
+                <a:effectLst/>
+                <a:latin typeface="+mn-lt"/>
+                <a:ea typeface="+mn-ea"/>
+                <a:cs typeface="+mn-cs"/>
+              </a:rPr>
+              <a:t>)</a:t>
+            </a:r>
+          </a:p>
+          <a:p>
+            <a:r>
+              <a:rPr lang="de-AT" sz="1200" kern="1200" dirty="0" err="1" smtClean="0">
+                <a:solidFill>
+                  <a:schemeClr val="tx1"/>
+                </a:solidFill>
+                <a:effectLst/>
+                <a:latin typeface="+mn-lt"/>
+                <a:ea typeface="+mn-ea"/>
+                <a:cs typeface="+mn-cs"/>
+              </a:rPr>
+              <a:t>levels</a:t>
+            </a:r>
+            <a:r>
+              <a:rPr lang="de-AT" sz="1200" kern="1200" dirty="0" smtClean="0">
+                <a:solidFill>
+                  <a:schemeClr val="tx1"/>
+                </a:solidFill>
+                <a:effectLst/>
+                <a:latin typeface="+mn-lt"/>
+                <a:ea typeface="+mn-ea"/>
+                <a:cs typeface="+mn-cs"/>
+              </a:rPr>
+              <a:t>(f1) &lt;- </a:t>
+            </a:r>
+            <a:r>
+              <a:rPr lang="de-AT" sz="1200" kern="1200" dirty="0" err="1" smtClean="0">
+                <a:solidFill>
+                  <a:schemeClr val="tx1"/>
+                </a:solidFill>
+                <a:effectLst/>
+                <a:latin typeface="+mn-lt"/>
+                <a:ea typeface="+mn-ea"/>
+                <a:cs typeface="+mn-cs"/>
+              </a:rPr>
+              <a:t>rev</a:t>
+            </a:r>
+            <a:r>
+              <a:rPr lang="de-AT" sz="1200" kern="1200" dirty="0" smtClean="0">
+                <a:solidFill>
+                  <a:schemeClr val="tx1"/>
+                </a:solidFill>
+                <a:effectLst/>
+                <a:latin typeface="+mn-lt"/>
+                <a:ea typeface="+mn-ea"/>
+                <a:cs typeface="+mn-cs"/>
+              </a:rPr>
+              <a:t>(</a:t>
+            </a:r>
+            <a:r>
+              <a:rPr lang="de-AT" sz="1200" kern="1200" dirty="0" err="1" smtClean="0">
+                <a:solidFill>
+                  <a:schemeClr val="tx1"/>
+                </a:solidFill>
+                <a:effectLst/>
+                <a:latin typeface="+mn-lt"/>
+                <a:ea typeface="+mn-ea"/>
+                <a:cs typeface="+mn-cs"/>
+              </a:rPr>
+              <a:t>levels</a:t>
+            </a:r>
+            <a:r>
+              <a:rPr lang="de-AT" sz="1200" kern="1200" dirty="0" smtClean="0">
+                <a:solidFill>
+                  <a:schemeClr val="tx1"/>
+                </a:solidFill>
+                <a:effectLst/>
+                <a:latin typeface="+mn-lt"/>
+                <a:ea typeface="+mn-ea"/>
+                <a:cs typeface="+mn-cs"/>
+              </a:rPr>
+              <a:t>(f1))</a:t>
             </a:r>
             <a:endParaRPr lang="de-AT" dirty="0"/>
           </a:p>
@@ -909,7 +955,7 @@
           <a:p>
             <a:fld id="{55A21A8E-1F06-3147-ADBB-3B92C6634279}" type="slidenum">
               <a:rPr lang="de-DE" smtClean="0"/>
-              <a:t>13</a:t>
+              <a:t>12</a:t>
             </a:fld>
             <a:endParaRPr lang="de-DE"/>
           </a:p>
@@ -918,7 +964,7 @@
     </p:spTree>
     <p:extLst>
       <p:ext uri="{BB962C8B-B14F-4D97-AF65-F5344CB8AC3E}">
-        <p14:creationId xmlns:p14="http://schemas.microsoft.com/office/powerpoint/2010/main" val="1355471155"/>
+        <p14:creationId xmlns:p14="http://schemas.microsoft.com/office/powerpoint/2010/main" val="539327526"/>
       </p:ext>
     </p:extLst>
   </p:cSld>
@@ -972,296 +1018,7 @@
           <a:bodyPr/>
           <a:lstStyle/>
           <a:p>
-            <a:r>
-              <a:rPr lang="de-AT" dirty="0" smtClean="0"/>
-              <a:t>Sauberer </a:t>
-            </a:r>
-            <a:r>
-              <a:rPr lang="de-AT" dirty="0" err="1" smtClean="0"/>
-              <a:t>Coding</a:t>
-            </a:r>
-            <a:r>
-              <a:rPr lang="de-AT" dirty="0" smtClean="0"/>
-              <a:t>-Stil</a:t>
-            </a:r>
-            <a:r>
-              <a:rPr lang="de-AT" baseline="0" dirty="0" smtClean="0"/>
-              <a:t> ist nicht unbedingt notwendig; erleichtert aber die Kommunikation mit Kolleginnen und Kollegen; erspart ihnen und sich selbst Zeit beim Lesen/Debuggen und hat mit der Zeit auch etwas ästhetisches, wenn man einen </a:t>
-            </a:r>
-            <a:r>
-              <a:rPr lang="de-AT" baseline="0" dirty="0" err="1" smtClean="0"/>
-              <a:t>Coding</a:t>
-            </a:r>
-            <a:r>
-              <a:rPr lang="de-AT" baseline="0" dirty="0" smtClean="0"/>
-              <a:t>-Style erkennt. </a:t>
-            </a:r>
-          </a:p>
-          <a:p>
-            <a:endParaRPr lang="de-AT" dirty="0" smtClean="0"/>
-          </a:p>
-          <a:p>
-            <a:r>
-              <a:rPr lang="de-AT" dirty="0" smtClean="0"/>
-              <a:t>Das ist ebenfalls ein Kapitel in Hadleys Buch</a:t>
-            </a:r>
-            <a:r>
-              <a:rPr lang="de-AT" baseline="0" dirty="0" smtClean="0"/>
-              <a:t> und er erweitert die Google Style Guides. Ich habe euch mal die Style-Guides von Google ausgedruckt.</a:t>
-            </a:r>
-          </a:p>
-          <a:p>
-            <a:endParaRPr lang="de-AT" baseline="0" dirty="0" smtClean="0"/>
-          </a:p>
-          <a:p>
-            <a:r>
-              <a:rPr lang="de-AT" baseline="0" dirty="0" smtClean="0"/>
-              <a:t>Auch wenn man sich nicht vollständig an diesen Style-Guide hält, so sollte man im eigenen Stil wenigstens konsistent sein.</a:t>
-            </a:r>
-          </a:p>
-          <a:p>
-            <a:endParaRPr lang="de-AT" baseline="0" dirty="0" smtClean="0"/>
-          </a:p>
-          <a:p>
-            <a:r>
-              <a:rPr lang="de-AT" baseline="0" dirty="0" smtClean="0"/>
-              <a:t># im </a:t>
-            </a:r>
-            <a:r>
-              <a:rPr lang="de-AT" baseline="0" dirty="0" err="1" smtClean="0"/>
-              <a:t>files</a:t>
-            </a:r>
-            <a:r>
-              <a:rPr lang="de-AT" baseline="0" dirty="0" smtClean="0"/>
-              <a:t> </a:t>
-            </a:r>
-            <a:r>
-              <a:rPr lang="de-AT" baseline="0" dirty="0" err="1" smtClean="0"/>
-              <a:t>need</a:t>
-            </a:r>
-            <a:r>
-              <a:rPr lang="de-AT" baseline="0" dirty="0" smtClean="0"/>
-              <a:t> </a:t>
-            </a:r>
-            <a:r>
-              <a:rPr lang="de-AT" baseline="0" dirty="0" err="1" smtClean="0"/>
-              <a:t>to</a:t>
-            </a:r>
-            <a:r>
-              <a:rPr lang="de-AT" baseline="0" dirty="0" smtClean="0"/>
-              <a:t> </a:t>
-            </a:r>
-            <a:r>
-              <a:rPr lang="de-AT" baseline="0" dirty="0" err="1" smtClean="0"/>
-              <a:t>run</a:t>
-            </a:r>
-            <a:r>
-              <a:rPr lang="de-AT" baseline="0" dirty="0" smtClean="0"/>
-              <a:t> in </a:t>
-            </a:r>
-            <a:r>
-              <a:rPr lang="de-AT" baseline="0" dirty="0" err="1" smtClean="0"/>
-              <a:t>sequence</a:t>
-            </a:r>
-            <a:r>
-              <a:rPr lang="de-AT" baseline="0" dirty="0" smtClean="0"/>
-              <a:t>, I like </a:t>
-            </a:r>
-            <a:r>
-              <a:rPr lang="de-AT" baseline="0" dirty="0" err="1" smtClean="0"/>
-              <a:t>to</a:t>
-            </a:r>
-            <a:r>
-              <a:rPr lang="de-AT" baseline="0" dirty="0" smtClean="0"/>
-              <a:t> </a:t>
-            </a:r>
-            <a:r>
-              <a:rPr lang="de-AT" baseline="0" dirty="0" err="1" smtClean="0"/>
-              <a:t>add</a:t>
-            </a:r>
-            <a:r>
-              <a:rPr lang="de-AT" baseline="0" dirty="0" smtClean="0"/>
-              <a:t> </a:t>
-            </a:r>
-            <a:r>
-              <a:rPr lang="de-AT" baseline="0" dirty="0" err="1" smtClean="0"/>
-              <a:t>numbers</a:t>
-            </a:r>
-            <a:r>
-              <a:rPr lang="de-AT" baseline="0" dirty="0" smtClean="0"/>
-              <a:t> in front </a:t>
-            </a:r>
-            <a:r>
-              <a:rPr lang="de-AT" baseline="0" dirty="0" err="1" smtClean="0"/>
-              <a:t>of</a:t>
-            </a:r>
-            <a:r>
-              <a:rPr lang="de-AT" baseline="0" dirty="0" smtClean="0"/>
-              <a:t> </a:t>
-            </a:r>
-            <a:r>
-              <a:rPr lang="de-AT" baseline="0" dirty="0" err="1" smtClean="0"/>
-              <a:t>file</a:t>
-            </a:r>
-            <a:r>
-              <a:rPr lang="de-AT" baseline="0" dirty="0" smtClean="0"/>
-              <a:t> </a:t>
-            </a:r>
-            <a:r>
-              <a:rPr lang="de-AT" baseline="0" dirty="0" err="1" smtClean="0"/>
-              <a:t>name</a:t>
-            </a:r>
-            <a:endParaRPr lang="de-AT" baseline="0" dirty="0" smtClean="0"/>
-          </a:p>
-          <a:p>
-            <a:r>
-              <a:rPr lang="de-AT" baseline="0" dirty="0" smtClean="0"/>
-              <a:t># </a:t>
-            </a:r>
-            <a:r>
-              <a:rPr lang="de-AT" baseline="0" dirty="0" err="1" smtClean="0"/>
-              <a:t>identifiers</a:t>
-            </a:r>
-            <a:endParaRPr lang="de-AT" baseline="0" dirty="0" smtClean="0"/>
-          </a:p>
-          <a:p>
-            <a:r>
-              <a:rPr lang="de-AT" baseline="0" dirty="0" smtClean="0"/>
-              <a:t> variables </a:t>
-            </a:r>
-            <a:r>
-              <a:rPr lang="de-AT" baseline="0" dirty="0" err="1" smtClean="0"/>
-              <a:t>should</a:t>
-            </a:r>
-            <a:r>
-              <a:rPr lang="de-AT" baseline="0" dirty="0" smtClean="0"/>
-              <a:t> </a:t>
-            </a:r>
-            <a:r>
-              <a:rPr lang="de-AT" baseline="0" dirty="0" err="1" smtClean="0"/>
-              <a:t>be</a:t>
-            </a:r>
-            <a:r>
-              <a:rPr lang="de-AT" baseline="0" dirty="0" smtClean="0"/>
-              <a:t> </a:t>
-            </a:r>
-            <a:r>
-              <a:rPr lang="de-AT" baseline="0" dirty="0" err="1" smtClean="0"/>
-              <a:t>nouns</a:t>
-            </a:r>
-            <a:r>
-              <a:rPr lang="de-AT" baseline="0" dirty="0" smtClean="0"/>
-              <a:t> </a:t>
-            </a:r>
-            <a:r>
-              <a:rPr lang="de-AT" baseline="0" dirty="0" err="1" smtClean="0"/>
-              <a:t>functions</a:t>
-            </a:r>
-            <a:r>
-              <a:rPr lang="de-AT" baseline="0" dirty="0" smtClean="0"/>
-              <a:t> </a:t>
-            </a:r>
-            <a:r>
-              <a:rPr lang="de-AT" baseline="0" dirty="0" err="1" smtClean="0"/>
-              <a:t>should</a:t>
-            </a:r>
-            <a:r>
-              <a:rPr lang="de-AT" baseline="0" dirty="0" smtClean="0"/>
-              <a:t> </a:t>
-            </a:r>
-            <a:r>
-              <a:rPr lang="de-AT" baseline="0" dirty="0" err="1" smtClean="0"/>
-              <a:t>be</a:t>
-            </a:r>
-            <a:r>
-              <a:rPr lang="de-AT" baseline="0" dirty="0" smtClean="0"/>
-              <a:t> </a:t>
-            </a:r>
-            <a:r>
-              <a:rPr lang="de-AT" baseline="0" dirty="0" err="1" smtClean="0"/>
-              <a:t>verbs</a:t>
-            </a:r>
-            <a:endParaRPr lang="de-AT" baseline="0" dirty="0" smtClean="0"/>
-          </a:p>
-          <a:p>
-            <a:r>
-              <a:rPr lang="de-AT" baseline="0" dirty="0" smtClean="0"/>
-              <a:t> ich bin bei der Verwendung von Namens-Trennung nicht konsistent: </a:t>
-            </a:r>
-          </a:p>
-          <a:p>
-            <a:r>
-              <a:rPr lang="de-AT" baseline="0" dirty="0" smtClean="0"/>
-              <a:t>  die .-Notation hatte ich früher verwendet; mache ich jetzt aber nichtmehr gerne, weil die für mich zu nah an der S3-Notation ist</a:t>
-            </a:r>
-          </a:p>
-          <a:p>
-            <a:r>
-              <a:rPr lang="de-AT" baseline="0" dirty="0" smtClean="0"/>
-              <a:t>  </a:t>
-            </a:r>
-            <a:r>
-              <a:rPr lang="de-AT" baseline="0" dirty="0" err="1" smtClean="0"/>
-              <a:t>camelCase</a:t>
-            </a:r>
-            <a:r>
-              <a:rPr lang="de-AT" baseline="0" dirty="0" smtClean="0"/>
-              <a:t> habe ich eine Zeitlang probiert; das fand ich nie wirklich ästhetisch</a:t>
-            </a:r>
-          </a:p>
-          <a:p>
-            <a:r>
-              <a:rPr lang="de-AT" baseline="0" dirty="0" smtClean="0"/>
-              <a:t>  ich werde es jetzt doch mal mit _ probieren</a:t>
-            </a:r>
-          </a:p>
-          <a:p>
-            <a:endParaRPr lang="de-AT" baseline="0" dirty="0" smtClean="0"/>
-          </a:p>
-          <a:p>
-            <a:r>
-              <a:rPr lang="de-AT" baseline="0" dirty="0" smtClean="0"/>
-              <a:t># : und :: und ::: sind </a:t>
-            </a:r>
-            <a:r>
-              <a:rPr lang="de-AT" baseline="0" dirty="0" err="1" smtClean="0"/>
-              <a:t>infix</a:t>
-            </a:r>
-            <a:r>
-              <a:rPr lang="de-AT" baseline="0" dirty="0" smtClean="0"/>
-              <a:t>-Operatoren, die keine Leerzeichen drum rum brauchen</a:t>
-            </a:r>
-          </a:p>
-          <a:p>
-            <a:endParaRPr lang="de-AT" baseline="0" dirty="0" smtClean="0"/>
-          </a:p>
-          <a:p>
-            <a:r>
-              <a:rPr lang="de-AT" baseline="0" dirty="0" smtClean="0"/>
-              <a:t># das mit dem </a:t>
-            </a:r>
-            <a:r>
-              <a:rPr lang="de-AT" baseline="0" dirty="0" err="1" smtClean="0"/>
-              <a:t>if</a:t>
-            </a:r>
-            <a:r>
-              <a:rPr lang="de-AT" baseline="0" dirty="0" smtClean="0"/>
-              <a:t> (</a:t>
-            </a:r>
-            <a:r>
-              <a:rPr lang="de-AT" baseline="0" dirty="0" err="1" smtClean="0"/>
-              <a:t>cond</a:t>
-            </a:r>
-            <a:r>
-              <a:rPr lang="de-AT" baseline="0" dirty="0" smtClean="0"/>
-              <a:t>) muss ich mir erst angewöhnen</a:t>
-            </a:r>
-          </a:p>
-          <a:p>
-            <a:r>
-              <a:rPr lang="de-AT" baseline="0" dirty="0" smtClean="0"/>
-              <a:t> </a:t>
-            </a:r>
+            <a:endParaRPr lang="de-AT" dirty="0"/>
           </a:p>
         </p:txBody>
       </p:sp>
@@ -1282,7 +1039,7 @@
           <a:p>
             <a:fld id="{55A21A8E-1F06-3147-ADBB-3B92C6634279}" type="slidenum">
               <a:rPr lang="de-DE" smtClean="0"/>
-              <a:t>14</a:t>
+              <a:t>13</a:t>
             </a:fld>
             <a:endParaRPr lang="de-DE"/>
           </a:p>
@@ -1291,7 +1048,7 @@
     </p:spTree>
     <p:extLst>
       <p:ext uri="{BB962C8B-B14F-4D97-AF65-F5344CB8AC3E}">
-        <p14:creationId xmlns:p14="http://schemas.microsoft.com/office/powerpoint/2010/main" val="3857633046"/>
+        <p14:creationId xmlns:p14="http://schemas.microsoft.com/office/powerpoint/2010/main" val="1355471155"/>
       </p:ext>
     </p:extLst>
   </p:cSld>
@@ -1345,447 +1102,6 @@
           <a:bodyPr/>
           <a:lstStyle/>
           <a:p>
-            <a:r>
-              <a:rPr lang="de-AT" dirty="0" smtClean="0"/>
-              <a:t>erweitern mit </a:t>
-            </a:r>
-            <a:r>
-              <a:rPr lang="de-AT" dirty="0" err="1" smtClean="0"/>
-              <a:t>source</a:t>
-            </a:r>
-            <a:r>
-              <a:rPr lang="de-AT" dirty="0" smtClean="0"/>
-              <a:t>(…)</a:t>
-            </a:r>
-          </a:p>
-          <a:p>
-            <a:r>
-              <a:rPr lang="de-AT" dirty="0" err="1" smtClean="0"/>
-              <a:t>don‘t</a:t>
-            </a:r>
-            <a:r>
-              <a:rPr lang="de-AT" dirty="0" smtClean="0"/>
-              <a:t> </a:t>
-            </a:r>
-            <a:r>
-              <a:rPr lang="de-AT" dirty="0" err="1" smtClean="0"/>
-              <a:t>get</a:t>
-            </a:r>
-            <a:r>
-              <a:rPr lang="de-AT" dirty="0" smtClean="0"/>
-              <a:t> </a:t>
-            </a:r>
-            <a:r>
-              <a:rPr lang="de-AT" dirty="0" err="1" smtClean="0"/>
-              <a:t>me</a:t>
-            </a:r>
-            <a:r>
-              <a:rPr lang="de-AT" dirty="0" smtClean="0"/>
-              <a:t> </a:t>
-            </a:r>
-            <a:r>
-              <a:rPr lang="de-AT" dirty="0" err="1" smtClean="0"/>
-              <a:t>wrong</a:t>
-            </a:r>
-            <a:r>
-              <a:rPr lang="de-AT" dirty="0" smtClean="0"/>
-              <a:t>. </a:t>
-            </a:r>
-            <a:r>
-              <a:rPr lang="de-AT" dirty="0" err="1" smtClean="0"/>
-              <a:t>We</a:t>
-            </a:r>
-            <a:r>
-              <a:rPr lang="de-AT" dirty="0" smtClean="0"/>
-              <a:t> </a:t>
-            </a:r>
-            <a:r>
-              <a:rPr lang="de-AT" dirty="0" err="1" smtClean="0"/>
-              <a:t>have</a:t>
-            </a:r>
-            <a:r>
-              <a:rPr lang="de-AT" dirty="0" smtClean="0"/>
-              <a:t> </a:t>
-            </a:r>
-            <a:r>
-              <a:rPr lang="de-AT" dirty="0" err="1" smtClean="0"/>
-              <a:t>those</a:t>
-            </a:r>
-            <a:r>
-              <a:rPr lang="de-AT" dirty="0" smtClean="0"/>
-              <a:t> </a:t>
-            </a:r>
-            <a:r>
-              <a:rPr lang="de-AT" dirty="0" err="1" smtClean="0"/>
-              <a:t>script</a:t>
-            </a:r>
-            <a:r>
-              <a:rPr lang="de-AT" dirty="0" smtClean="0"/>
-              <a:t>… a </a:t>
-            </a:r>
-            <a:r>
-              <a:rPr lang="de-AT" dirty="0" err="1" smtClean="0"/>
-              <a:t>lot</a:t>
-            </a:r>
-            <a:r>
-              <a:rPr lang="de-AT" dirty="0" smtClean="0"/>
-              <a:t> </a:t>
-            </a:r>
-            <a:r>
-              <a:rPr lang="de-AT" dirty="0" err="1" smtClean="0"/>
-              <a:t>of</a:t>
-            </a:r>
-            <a:r>
-              <a:rPr lang="de-AT" dirty="0" smtClean="0"/>
-              <a:t> </a:t>
-            </a:r>
-            <a:r>
-              <a:rPr lang="de-AT" dirty="0" err="1" smtClean="0"/>
-              <a:t>them</a:t>
-            </a:r>
-            <a:r>
-              <a:rPr lang="de-AT" dirty="0" smtClean="0"/>
-              <a:t>! All </a:t>
-            </a:r>
-            <a:r>
-              <a:rPr lang="de-AT" dirty="0" err="1" smtClean="0"/>
-              <a:t>of</a:t>
-            </a:r>
-            <a:r>
-              <a:rPr lang="de-AT" dirty="0" smtClean="0"/>
-              <a:t> </a:t>
-            </a:r>
-            <a:r>
-              <a:rPr lang="de-AT" dirty="0" err="1" smtClean="0"/>
-              <a:t>them</a:t>
-            </a:r>
-            <a:r>
-              <a:rPr lang="de-AT" dirty="0" smtClean="0"/>
-              <a:t>… </a:t>
-            </a:r>
-          </a:p>
-          <a:p>
-            <a:endParaRPr lang="de-AT" dirty="0" smtClean="0"/>
-          </a:p>
-          <a:p>
-            <a:r>
-              <a:rPr lang="de-AT" dirty="0" smtClean="0"/>
-              <a:t>zeige R-Project</a:t>
-            </a:r>
-          </a:p>
-          <a:p>
-            <a:r>
-              <a:rPr lang="de-AT" dirty="0" smtClean="0"/>
-              <a:t>zeige</a:t>
-            </a:r>
-            <a:r>
-              <a:rPr lang="de-AT" baseline="0" dirty="0" smtClean="0"/>
-              <a:t> </a:t>
-            </a:r>
-            <a:r>
-              <a:rPr lang="de-AT" baseline="0" dirty="0" err="1" smtClean="0"/>
-              <a:t>here</a:t>
-            </a:r>
-            <a:r>
-              <a:rPr lang="de-AT" baseline="0" dirty="0" smtClean="0"/>
-              <a:t>()</a:t>
-            </a:r>
-          </a:p>
-          <a:p>
-            <a:r>
-              <a:rPr lang="de-AT" baseline="0" dirty="0" smtClean="0"/>
-              <a:t>zeige .</a:t>
-            </a:r>
-            <a:r>
-              <a:rPr lang="de-AT" baseline="0" dirty="0" err="1" smtClean="0"/>
-              <a:t>Rprofile</a:t>
-            </a:r>
-            <a:endParaRPr lang="de-AT" baseline="0" dirty="0" smtClean="0"/>
-          </a:p>
-          <a:p>
-            <a:r>
-              <a:rPr lang="de-AT" baseline="0" dirty="0" err="1" smtClean="0"/>
-              <a:t>use</a:t>
-            </a:r>
-            <a:r>
-              <a:rPr lang="de-AT" baseline="0" dirty="0" smtClean="0"/>
-              <a:t> str+shift+F10</a:t>
-            </a:r>
-          </a:p>
-          <a:p>
-            <a:r>
-              <a:rPr lang="de-AT" baseline="0" dirty="0" err="1" smtClean="0"/>
-              <a:t>git</a:t>
-            </a:r>
-            <a:endParaRPr lang="de-AT" baseline="0" dirty="0" smtClean="0"/>
-          </a:p>
-          <a:p>
-            <a:r>
-              <a:rPr lang="de-AT" baseline="0" dirty="0" smtClean="0"/>
-              <a:t>verzeichnis-struktur</a:t>
-            </a:r>
-          </a:p>
-          <a:p>
-            <a:r>
-              <a:rPr lang="de-AT" baseline="0" dirty="0" smtClean="0"/>
-              <a:t>Abschnittsnamen im R-Script</a:t>
-            </a:r>
-          </a:p>
-          <a:p>
-            <a:endParaRPr lang="de-AT" baseline="0" dirty="0" smtClean="0"/>
-          </a:p>
-          <a:p>
-            <a:r>
-              <a:rPr lang="de-AT" baseline="0" dirty="0" smtClean="0"/>
-              <a:t>roh -&gt; </a:t>
-            </a:r>
-            <a:r>
-              <a:rPr lang="de-AT" baseline="0" dirty="0" err="1" smtClean="0"/>
-              <a:t>data_cleaning</a:t>
-            </a:r>
-            <a:r>
-              <a:rPr lang="de-AT" baseline="0" dirty="0" smtClean="0"/>
-              <a:t> -&gt; aufbereitet</a:t>
-            </a:r>
-          </a:p>
-          <a:p>
-            <a:r>
-              <a:rPr lang="de-AT" baseline="0" dirty="0" smtClean="0"/>
-              <a:t>aufbereitet -&gt; </a:t>
-            </a:r>
-            <a:r>
-              <a:rPr lang="de-AT" baseline="0" dirty="0" err="1" smtClean="0"/>
-              <a:t>modellierung</a:t>
-            </a:r>
-            <a:r>
-              <a:rPr lang="de-AT" baseline="0" dirty="0" smtClean="0"/>
-              <a:t>/</a:t>
-            </a:r>
-            <a:r>
-              <a:rPr lang="de-AT" baseline="0" dirty="0" err="1" smtClean="0"/>
-              <a:t>analyse</a:t>
-            </a:r>
-            <a:r>
-              <a:rPr lang="de-AT" baseline="0" dirty="0" smtClean="0"/>
-              <a:t>/</a:t>
-            </a:r>
-            <a:r>
-              <a:rPr lang="de-AT" baseline="0" dirty="0" err="1" smtClean="0"/>
-              <a:t>prediktion</a:t>
-            </a:r>
-            <a:r>
-              <a:rPr lang="de-AT" baseline="0" dirty="0" smtClean="0"/>
-              <a:t>/</a:t>
-            </a:r>
-            <a:r>
-              <a:rPr lang="de-AT" baseline="0" dirty="0" err="1" smtClean="0"/>
-              <a:t>verifikation</a:t>
-            </a:r>
-            <a:r>
-              <a:rPr lang="de-AT" baseline="0" dirty="0" smtClean="0"/>
-              <a:t>/</a:t>
-            </a:r>
-            <a:r>
-              <a:rPr lang="de-AT" baseline="0" dirty="0" err="1" smtClean="0"/>
-              <a:t>visualisierung</a:t>
-            </a:r>
-            <a:r>
-              <a:rPr lang="de-AT" baseline="0" dirty="0" smtClean="0"/>
-              <a:t> -&gt; deskriptives/</a:t>
-            </a:r>
-            <a:r>
-              <a:rPr lang="de-AT" baseline="0" dirty="0" err="1" smtClean="0"/>
-              <a:t>ergebnisse</a:t>
-            </a:r>
-            <a:endParaRPr lang="de-AT" baseline="0" dirty="0" smtClean="0"/>
-          </a:p>
-          <a:p>
-            <a:pPr marL="0" marR="0" lvl="0" indent="0" algn="l" defTabSz="457200" rtl="0" eaLnBrk="1" fontAlgn="auto" latinLnBrk="0" hangingPunct="1">
-              <a:lnSpc>
-                <a:spcPct val="100000"/>
-              </a:lnSpc>
-              <a:spcBef>
-                <a:spcPts val="0"/>
-              </a:spcBef>
-              <a:spcAft>
-                <a:spcPts val="0"/>
-              </a:spcAft>
-              <a:buClrTx/>
-              <a:buSzTx/>
-              <a:buFontTx/>
-              <a:buNone/>
-              <a:tabLst/>
-              <a:defRPr/>
-            </a:pPr>
-            <a:r>
-              <a:rPr lang="de-AT" baseline="0" dirty="0" smtClean="0"/>
-              <a:t>deskriptives/</a:t>
-            </a:r>
-            <a:r>
-              <a:rPr lang="de-AT" baseline="0" dirty="0" err="1" smtClean="0"/>
-              <a:t>ergebnisse</a:t>
-            </a:r>
-            <a:r>
-              <a:rPr lang="de-AT" baseline="0" dirty="0" smtClean="0"/>
-              <a:t> -&gt; </a:t>
-            </a:r>
-            <a:r>
-              <a:rPr lang="de-AT" baseline="0" dirty="0" err="1" smtClean="0"/>
-              <a:t>reporting</a:t>
-            </a:r>
-            <a:endParaRPr lang="de-AT" baseline="0" dirty="0" smtClean="0"/>
-          </a:p>
-          <a:p>
-            <a:endParaRPr lang="de-AT" baseline="0" dirty="0" smtClean="0"/>
-          </a:p>
-          <a:p>
-            <a:endParaRPr lang="de-AT" baseline="0" dirty="0" smtClean="0"/>
-          </a:p>
-          <a:p>
-            <a:r>
-              <a:rPr lang="en-US" dirty="0" smtClean="0"/>
-              <a:t>User-level setup: Do not save .</a:t>
-            </a:r>
-            <a:r>
-              <a:rPr lang="en-US" dirty="0" err="1" smtClean="0"/>
-              <a:t>RData</a:t>
-            </a:r>
-            <a:r>
-              <a:rPr lang="en-US" dirty="0" smtClean="0"/>
-              <a:t> when you quit R and don’t load .</a:t>
-            </a:r>
-            <a:r>
-              <a:rPr lang="en-US" dirty="0" err="1" smtClean="0"/>
-              <a:t>RData</a:t>
-            </a:r>
-            <a:r>
-              <a:rPr lang="en-US" dirty="0" smtClean="0"/>
-              <a:t> when you fire up R. </a:t>
-            </a:r>
-          </a:p>
-          <a:p>
-            <a:r>
-              <a:rPr lang="en-US" dirty="0" smtClean="0"/>
-              <a:t>Don’t do things in </a:t>
-            </a:r>
-            <a:r>
-              <a:rPr lang="en-US" b="1" dirty="0" smtClean="0"/>
-              <a:t>your</a:t>
-            </a:r>
-            <a:r>
-              <a:rPr lang="en-US" dirty="0" smtClean="0"/>
-              <a:t> .</a:t>
-            </a:r>
-            <a:r>
-              <a:rPr lang="en-US" dirty="0" err="1" smtClean="0"/>
-              <a:t>Rprofile</a:t>
-            </a:r>
-            <a:r>
-              <a:rPr lang="en-US" dirty="0" smtClean="0"/>
-              <a:t> that affect how R code runs, such as loading a package like </a:t>
-            </a:r>
-            <a:r>
-              <a:rPr lang="en-US" dirty="0" err="1" smtClean="0"/>
-              <a:t>dplyr</a:t>
-            </a:r>
-            <a:r>
-              <a:rPr lang="en-US" dirty="0" smtClean="0"/>
-              <a:t> or </a:t>
-            </a:r>
-            <a:r>
-              <a:rPr lang="en-US" dirty="0" err="1" smtClean="0"/>
-              <a:t>ggplot</a:t>
-            </a:r>
-            <a:r>
-              <a:rPr lang="en-US" dirty="0" smtClean="0"/>
-              <a:t> or setting an option such as </a:t>
-            </a:r>
-            <a:r>
-              <a:rPr lang="en-US" dirty="0" err="1" smtClean="0"/>
-              <a:t>stringsAsFactors</a:t>
-            </a:r>
-            <a:r>
-              <a:rPr lang="en-US" dirty="0" smtClean="0"/>
-              <a:t> = FALSE.</a:t>
-            </a:r>
-            <a:r>
-              <a:rPr lang="de-AT" dirty="0" smtClean="0"/>
-              <a:t>an R </a:t>
-            </a:r>
-            <a:r>
-              <a:rPr lang="de-AT" dirty="0" err="1" smtClean="0"/>
-              <a:t>configuration</a:t>
-            </a:r>
-            <a:r>
-              <a:rPr lang="de-AT" dirty="0" smtClean="0"/>
-              <a:t> </a:t>
-            </a:r>
-            <a:r>
-              <a:rPr lang="de-AT" dirty="0" err="1" smtClean="0"/>
-              <a:t>file</a:t>
-            </a:r>
-            <a:r>
-              <a:rPr lang="de-AT" dirty="0" smtClean="0"/>
-              <a:t> </a:t>
-            </a:r>
-          </a:p>
-          <a:p>
-            <a:r>
-              <a:rPr lang="de-AT" baseline="0" dirty="0" smtClean="0"/>
-              <a:t>-&gt; but I like </a:t>
-            </a:r>
-            <a:r>
-              <a:rPr lang="de-AT" baseline="0" dirty="0" err="1" smtClean="0"/>
-              <a:t>to</a:t>
-            </a:r>
-            <a:r>
-              <a:rPr lang="de-AT" baseline="0" dirty="0" smtClean="0"/>
-              <a:t> </a:t>
-            </a:r>
-            <a:r>
-              <a:rPr lang="de-AT" baseline="0" dirty="0" err="1" smtClean="0"/>
-              <a:t>use</a:t>
-            </a:r>
-            <a:r>
-              <a:rPr lang="de-AT" baseline="0" dirty="0" smtClean="0"/>
-              <a:t> </a:t>
-            </a:r>
-            <a:r>
-              <a:rPr lang="de-AT" baseline="0" dirty="0" err="1" smtClean="0"/>
-              <a:t>one</a:t>
-            </a:r>
-            <a:r>
-              <a:rPr lang="de-AT" baseline="0" dirty="0" smtClean="0"/>
-              <a:t> .</a:t>
-            </a:r>
-            <a:r>
-              <a:rPr lang="de-AT" baseline="0" dirty="0" err="1" smtClean="0"/>
-              <a:t>Rprofile</a:t>
-            </a:r>
-            <a:r>
-              <a:rPr lang="de-AT" baseline="0" dirty="0" smtClean="0"/>
-              <a:t> </a:t>
-            </a:r>
-            <a:r>
-              <a:rPr lang="de-AT" baseline="0" dirty="0" err="1" smtClean="0"/>
-              <a:t>for</a:t>
-            </a:r>
-            <a:r>
-              <a:rPr lang="de-AT" baseline="0" dirty="0" smtClean="0"/>
-              <a:t> </a:t>
-            </a:r>
-            <a:r>
-              <a:rPr lang="de-AT" baseline="0" dirty="0" err="1" smtClean="0"/>
-              <a:t>each</a:t>
-            </a:r>
-            <a:r>
-              <a:rPr lang="de-AT" baseline="0" dirty="0" smtClean="0"/>
-              <a:t> </a:t>
-            </a:r>
-            <a:r>
-              <a:rPr lang="de-AT" baseline="0" dirty="0" err="1" smtClean="0"/>
-              <a:t>project</a:t>
-            </a:r>
             <a:endParaRPr lang="de-AT" baseline="0" dirty="0" smtClean="0"/>
           </a:p>
         </p:txBody>
@@ -1807,7 +1123,7 @@
           <a:p>
             <a:fld id="{55A21A8E-1F06-3147-ADBB-3B92C6634279}" type="slidenum">
               <a:rPr lang="de-DE" smtClean="0"/>
-              <a:t>15</a:t>
+              <a:t>14</a:t>
             </a:fld>
             <a:endParaRPr lang="de-DE"/>
           </a:p>
@@ -1816,7 +1132,7 @@
     </p:spTree>
     <p:extLst>
       <p:ext uri="{BB962C8B-B14F-4D97-AF65-F5344CB8AC3E}">
-        <p14:creationId xmlns:p14="http://schemas.microsoft.com/office/powerpoint/2010/main" val="1902895312"/>
+        <p14:creationId xmlns:p14="http://schemas.microsoft.com/office/powerpoint/2010/main" val="3857633046"/>
       </p:ext>
     </p:extLst>
   </p:cSld>
@@ -1870,7 +1186,7 @@
           <a:bodyPr/>
           <a:lstStyle/>
           <a:p>
-            <a:endParaRPr lang="de-AT" dirty="0"/>
+            <a:endParaRPr lang="de-AT" baseline="0" dirty="0" smtClean="0"/>
           </a:p>
         </p:txBody>
       </p:sp>
@@ -1891,7 +1207,7 @@
           <a:p>
             <a:fld id="{55A21A8E-1F06-3147-ADBB-3B92C6634279}" type="slidenum">
               <a:rPr lang="de-DE" smtClean="0"/>
-              <a:t>16</a:t>
+              <a:t>15</a:t>
             </a:fld>
             <a:endParaRPr lang="de-DE"/>
           </a:p>
@@ -1900,7 +1216,7 @@
     </p:spTree>
     <p:extLst>
       <p:ext uri="{BB962C8B-B14F-4D97-AF65-F5344CB8AC3E}">
-        <p14:creationId xmlns:p14="http://schemas.microsoft.com/office/powerpoint/2010/main" val="727538630"/>
+        <p14:creationId xmlns:p14="http://schemas.microsoft.com/office/powerpoint/2010/main" val="1902895312"/>
       </p:ext>
     </p:extLst>
   </p:cSld>
@@ -1954,684 +1270,6 @@
           <a:bodyPr/>
           <a:lstStyle/>
           <a:p>
-            <a:pPr marL="0" marR="0" lvl="0" indent="0" algn="l" defTabSz="457200" rtl="0" eaLnBrk="1" fontAlgn="auto" latinLnBrk="0" hangingPunct="1">
-              <a:lnSpc>
-                <a:spcPct val="100000"/>
-              </a:lnSpc>
-              <a:spcBef>
-                <a:spcPts val="0"/>
-              </a:spcBef>
-              <a:spcAft>
-                <a:spcPts val="0"/>
-              </a:spcAft>
-              <a:buClrTx/>
-              <a:buSzTx/>
-              <a:buFontTx/>
-              <a:buNone/>
-              <a:tabLst/>
-              <a:defRPr/>
-            </a:pPr>
-            <a:r>
-              <a:rPr lang="en-US" dirty="0" smtClean="0"/>
-              <a:t># -- was </a:t>
-            </a:r>
-            <a:r>
-              <a:rPr lang="en-US" dirty="0" err="1" smtClean="0"/>
-              <a:t>tun</a:t>
-            </a:r>
-            <a:r>
-              <a:rPr lang="en-US" dirty="0" smtClean="0"/>
-              <a:t> </a:t>
-            </a:r>
-            <a:r>
-              <a:rPr lang="en-US" dirty="0" err="1" smtClean="0"/>
-              <a:t>mit</a:t>
-            </a:r>
-            <a:r>
-              <a:rPr lang="en-US" dirty="0" smtClean="0"/>
-              <a:t> ---</a:t>
-            </a:r>
-          </a:p>
-          <a:p>
-            <a:pPr marL="0" marR="0" lvl="0" indent="0" algn="l" defTabSz="457200" rtl="0" eaLnBrk="1" fontAlgn="auto" latinLnBrk="0" hangingPunct="1">
-              <a:lnSpc>
-                <a:spcPct val="100000"/>
-              </a:lnSpc>
-              <a:spcBef>
-                <a:spcPts val="0"/>
-              </a:spcBef>
-              <a:spcAft>
-                <a:spcPts val="0"/>
-              </a:spcAft>
-              <a:buClrTx/>
-              <a:buSzTx/>
-              <a:buFontTx/>
-              <a:buNone/>
-              <a:tabLst/>
-              <a:defRPr/>
-            </a:pPr>
-            <a:r>
-              <a:rPr lang="en-US" dirty="0" smtClean="0"/>
-              <a:t># &gt; for, if, while</a:t>
-            </a:r>
-          </a:p>
-          <a:p>
-            <a:pPr marL="0" marR="0" lvl="0" indent="0" algn="l" defTabSz="457200" rtl="0" eaLnBrk="1" fontAlgn="auto" latinLnBrk="0" hangingPunct="1">
-              <a:lnSpc>
-                <a:spcPct val="100000"/>
-              </a:lnSpc>
-              <a:spcBef>
-                <a:spcPts val="0"/>
-              </a:spcBef>
-              <a:spcAft>
-                <a:spcPts val="0"/>
-              </a:spcAft>
-              <a:buClrTx/>
-              <a:buSzTx/>
-              <a:buFontTx/>
-              <a:buNone/>
-              <a:tabLst/>
-              <a:defRPr/>
-            </a:pPr>
-            <a:r>
-              <a:rPr lang="en-US" dirty="0" smtClean="0"/>
-              <a:t># &gt; l/s/v/apply</a:t>
-            </a:r>
-          </a:p>
-          <a:p>
-            <a:pPr marL="0" marR="0" lvl="0" indent="0" algn="l" defTabSz="457200" rtl="0" eaLnBrk="1" fontAlgn="auto" latinLnBrk="0" hangingPunct="1">
-              <a:lnSpc>
-                <a:spcPct val="100000"/>
-              </a:lnSpc>
-              <a:spcBef>
-                <a:spcPts val="0"/>
-              </a:spcBef>
-              <a:spcAft>
-                <a:spcPts val="0"/>
-              </a:spcAft>
-              <a:buClrTx/>
-              <a:buSzTx/>
-              <a:buFontTx/>
-              <a:buNone/>
-              <a:tabLst/>
-              <a:defRPr/>
-            </a:pPr>
-            <a:r>
-              <a:rPr lang="en-US" dirty="0" smtClean="0"/>
-              <a:t># &gt; functional</a:t>
-            </a:r>
-          </a:p>
-          <a:p>
-            <a:endParaRPr lang="de-AT" dirty="0" smtClean="0"/>
-          </a:p>
-          <a:p>
-            <a:r>
-              <a:rPr lang="en-US" dirty="0" err="1" smtClean="0"/>
-              <a:t>objs</a:t>
-            </a:r>
-            <a:r>
-              <a:rPr lang="en-US" dirty="0" smtClean="0"/>
-              <a:t> &lt;- </a:t>
-            </a:r>
-            <a:r>
-              <a:rPr lang="en-US" dirty="0" err="1" smtClean="0"/>
-              <a:t>mget</a:t>
-            </a:r>
-            <a:r>
-              <a:rPr lang="en-US" dirty="0" smtClean="0"/>
-              <a:t>(ls("</a:t>
-            </a:r>
-            <a:r>
-              <a:rPr lang="en-US" dirty="0" err="1" smtClean="0"/>
-              <a:t>package:base</a:t>
-            </a:r>
-            <a:r>
-              <a:rPr lang="en-US" dirty="0" smtClean="0"/>
-              <a:t>"), inherits = TRUE)</a:t>
-            </a:r>
-          </a:p>
-          <a:p>
-            <a:r>
-              <a:rPr lang="de-AT" baseline="0" dirty="0" err="1" smtClean="0"/>
-              <a:t>fun</a:t>
-            </a:r>
-            <a:r>
-              <a:rPr lang="de-AT" baseline="0" dirty="0" smtClean="0"/>
-              <a:t> &lt;- Filter(</a:t>
-            </a:r>
-            <a:r>
-              <a:rPr lang="de-AT" baseline="0" dirty="0" err="1" smtClean="0"/>
-              <a:t>is.function</a:t>
-            </a:r>
-            <a:r>
-              <a:rPr lang="de-AT" baseline="0" dirty="0" smtClean="0"/>
-              <a:t>, </a:t>
-            </a:r>
-            <a:r>
-              <a:rPr lang="de-AT" baseline="0" dirty="0" err="1" smtClean="0"/>
-              <a:t>objs</a:t>
-            </a:r>
-            <a:r>
-              <a:rPr lang="de-AT" baseline="0" dirty="0" smtClean="0"/>
-              <a:t>)</a:t>
-            </a:r>
-          </a:p>
-          <a:p>
-            <a:endParaRPr lang="de-AT" dirty="0" smtClean="0"/>
-          </a:p>
-          <a:p>
-            <a:r>
-              <a:rPr lang="de-AT" dirty="0" smtClean="0"/>
-              <a:t>#</a:t>
-            </a:r>
-          </a:p>
-          <a:p>
-            <a:r>
-              <a:rPr lang="de-AT" dirty="0" smtClean="0"/>
-              <a:t>welche Möglichkeiten kennen wir Argumente zu spezifizieren?</a:t>
-            </a:r>
-          </a:p>
-          <a:p>
-            <a:r>
-              <a:rPr lang="de-AT" dirty="0" err="1" smtClean="0"/>
-              <a:t>argumente</a:t>
-            </a:r>
-            <a:r>
-              <a:rPr lang="de-AT" dirty="0" smtClean="0"/>
-              <a:t> mit </a:t>
-            </a:r>
-            <a:r>
-              <a:rPr lang="de-AT" dirty="0" err="1" smtClean="0"/>
-              <a:t>default</a:t>
-            </a:r>
-            <a:r>
-              <a:rPr lang="de-AT" dirty="0" smtClean="0"/>
-              <a:t>-werten</a:t>
-            </a:r>
-            <a:r>
-              <a:rPr lang="de-AT" baseline="0" dirty="0" smtClean="0"/>
-              <a:t> leer lassen</a:t>
-            </a:r>
-          </a:p>
-          <a:p>
-            <a:r>
-              <a:rPr lang="de-AT" baseline="0" dirty="0" err="1" smtClean="0"/>
-              <a:t>exact</a:t>
-            </a:r>
-            <a:r>
-              <a:rPr lang="de-AT" baseline="0" dirty="0" smtClean="0"/>
-              <a:t> </a:t>
-            </a:r>
-            <a:r>
-              <a:rPr lang="de-AT" baseline="0" dirty="0" err="1" smtClean="0"/>
-              <a:t>match</a:t>
-            </a:r>
-            <a:r>
-              <a:rPr lang="de-AT" baseline="0" dirty="0" smtClean="0"/>
-              <a:t> </a:t>
-            </a:r>
-            <a:r>
-              <a:rPr lang="de-AT" baseline="0" dirty="0" err="1" smtClean="0"/>
-              <a:t>by</a:t>
-            </a:r>
-            <a:r>
-              <a:rPr lang="de-AT" baseline="0" dirty="0" smtClean="0"/>
-              <a:t> </a:t>
-            </a:r>
-            <a:r>
-              <a:rPr lang="de-AT" baseline="0" dirty="0" err="1" smtClean="0"/>
-              <a:t>name</a:t>
-            </a:r>
-            <a:endParaRPr lang="de-AT" baseline="0" dirty="0" smtClean="0"/>
-          </a:p>
-          <a:p>
-            <a:pPr marL="0" marR="0" lvl="0" indent="0" algn="l" defTabSz="457200" rtl="0" eaLnBrk="1" fontAlgn="auto" latinLnBrk="0" hangingPunct="1">
-              <a:lnSpc>
-                <a:spcPct val="100000"/>
-              </a:lnSpc>
-              <a:spcBef>
-                <a:spcPts val="0"/>
-              </a:spcBef>
-              <a:spcAft>
-                <a:spcPts val="0"/>
-              </a:spcAft>
-              <a:buClrTx/>
-              <a:buSzTx/>
-              <a:buFontTx/>
-              <a:buNone/>
-              <a:tabLst/>
-              <a:defRPr/>
-            </a:pPr>
-            <a:r>
-              <a:rPr lang="de-AT" baseline="0" dirty="0" smtClean="0"/>
-              <a:t>partial </a:t>
-            </a:r>
-            <a:r>
-              <a:rPr lang="de-AT" baseline="0" dirty="0" err="1" smtClean="0"/>
-              <a:t>match</a:t>
-            </a:r>
-            <a:r>
-              <a:rPr lang="de-AT" baseline="0" dirty="0" smtClean="0"/>
-              <a:t> </a:t>
-            </a:r>
-            <a:r>
-              <a:rPr lang="de-AT" baseline="0" dirty="0" err="1" smtClean="0"/>
-              <a:t>by</a:t>
-            </a:r>
-            <a:r>
-              <a:rPr lang="de-AT" baseline="0" dirty="0" smtClean="0"/>
-              <a:t> </a:t>
-            </a:r>
-            <a:r>
-              <a:rPr lang="de-AT" baseline="0" dirty="0" err="1" smtClean="0"/>
-              <a:t>name</a:t>
-            </a:r>
-            <a:endParaRPr lang="de-AT" baseline="0" dirty="0" smtClean="0"/>
-          </a:p>
-          <a:p>
-            <a:pPr marL="0" marR="0" lvl="0" indent="0" algn="l" defTabSz="457200" rtl="0" eaLnBrk="1" fontAlgn="auto" latinLnBrk="0" hangingPunct="1">
-              <a:lnSpc>
-                <a:spcPct val="100000"/>
-              </a:lnSpc>
-              <a:spcBef>
-                <a:spcPts val="0"/>
-              </a:spcBef>
-              <a:spcAft>
-                <a:spcPts val="0"/>
-              </a:spcAft>
-              <a:buClrTx/>
-              <a:buSzTx/>
-              <a:buFontTx/>
-              <a:buNone/>
-              <a:tabLst/>
-              <a:defRPr/>
-            </a:pPr>
-            <a:r>
-              <a:rPr lang="de-AT" baseline="0" dirty="0" err="1" smtClean="0"/>
-              <a:t>match</a:t>
-            </a:r>
-            <a:r>
-              <a:rPr lang="de-AT" baseline="0" dirty="0" smtClean="0"/>
-              <a:t> </a:t>
-            </a:r>
-            <a:r>
-              <a:rPr lang="de-AT" baseline="0" dirty="0" err="1" smtClean="0"/>
-              <a:t>by</a:t>
-            </a:r>
-            <a:r>
-              <a:rPr lang="de-AT" baseline="0" dirty="0" smtClean="0"/>
-              <a:t> </a:t>
-            </a:r>
-            <a:r>
-              <a:rPr lang="de-AT" baseline="0" dirty="0" err="1" smtClean="0"/>
-              <a:t>position</a:t>
-            </a:r>
-            <a:endParaRPr lang="de-AT" baseline="0" dirty="0" smtClean="0"/>
-          </a:p>
-          <a:p>
-            <a:pPr marL="0" marR="0" lvl="0" indent="0" algn="l" defTabSz="457200" rtl="0" eaLnBrk="1" fontAlgn="auto" latinLnBrk="0" hangingPunct="1">
-              <a:lnSpc>
-                <a:spcPct val="100000"/>
-              </a:lnSpc>
-              <a:spcBef>
-                <a:spcPts val="0"/>
-              </a:spcBef>
-              <a:spcAft>
-                <a:spcPts val="0"/>
-              </a:spcAft>
-              <a:buClrTx/>
-              <a:buSzTx/>
-              <a:buFontTx/>
-              <a:buNone/>
-              <a:tabLst/>
-              <a:defRPr/>
-            </a:pPr>
-            <a:r>
-              <a:rPr lang="de-AT" baseline="0" dirty="0" smtClean="0"/>
-              <a:t>...</a:t>
-            </a:r>
-          </a:p>
-          <a:p>
-            <a:pPr marL="0" marR="0" lvl="0" indent="0" algn="l" defTabSz="457200" rtl="0" eaLnBrk="1" fontAlgn="auto" latinLnBrk="0" hangingPunct="1">
-              <a:lnSpc>
-                <a:spcPct val="100000"/>
-              </a:lnSpc>
-              <a:spcBef>
-                <a:spcPts val="0"/>
-              </a:spcBef>
-              <a:spcAft>
-                <a:spcPts val="0"/>
-              </a:spcAft>
-              <a:buClrTx/>
-              <a:buSzTx/>
-              <a:buFontTx/>
-              <a:buNone/>
-              <a:tabLst/>
-              <a:defRPr/>
-            </a:pPr>
-            <a:r>
-              <a:rPr lang="de-AT" baseline="0" dirty="0" err="1" smtClean="0"/>
-              <a:t>call</a:t>
-            </a:r>
-            <a:r>
-              <a:rPr lang="de-AT" baseline="0" dirty="0" smtClean="0"/>
-              <a:t> </a:t>
-            </a:r>
-            <a:r>
-              <a:rPr lang="de-AT" baseline="0" dirty="0" err="1" smtClean="0"/>
-              <a:t>by</a:t>
-            </a:r>
-            <a:r>
-              <a:rPr lang="de-AT" baseline="0" dirty="0" smtClean="0"/>
-              <a:t> </a:t>
-            </a:r>
-            <a:r>
-              <a:rPr lang="de-AT" baseline="0" dirty="0" err="1" smtClean="0"/>
-              <a:t>list</a:t>
-            </a:r>
-            <a:endParaRPr lang="de-AT" baseline="0" dirty="0" smtClean="0"/>
-          </a:p>
-          <a:p>
-            <a:pPr marL="0" marR="0" lvl="0" indent="0" algn="l" defTabSz="457200" rtl="0" eaLnBrk="1" fontAlgn="auto" latinLnBrk="0" hangingPunct="1">
-              <a:lnSpc>
-                <a:spcPct val="100000"/>
-              </a:lnSpc>
-              <a:spcBef>
-                <a:spcPts val="0"/>
-              </a:spcBef>
-              <a:spcAft>
-                <a:spcPts val="0"/>
-              </a:spcAft>
-              <a:buClrTx/>
-              <a:buSzTx/>
-              <a:buFontTx/>
-              <a:buNone/>
-              <a:tabLst/>
-              <a:defRPr/>
-            </a:pPr>
-            <a:endParaRPr lang="de-AT" baseline="0" dirty="0" smtClean="0"/>
-          </a:p>
-          <a:p>
-            <a:pPr marL="0" marR="0" lvl="0" indent="0" algn="l" defTabSz="457200" rtl="0" eaLnBrk="1" fontAlgn="auto" latinLnBrk="0" hangingPunct="1">
-              <a:lnSpc>
-                <a:spcPct val="100000"/>
-              </a:lnSpc>
-              <a:spcBef>
-                <a:spcPts val="0"/>
-              </a:spcBef>
-              <a:spcAft>
-                <a:spcPts val="0"/>
-              </a:spcAft>
-              <a:buClrTx/>
-              <a:buSzTx/>
-              <a:buFontTx/>
-              <a:buNone/>
-              <a:tabLst/>
-              <a:defRPr/>
-            </a:pPr>
-            <a:r>
-              <a:rPr lang="de-AT" baseline="0" dirty="0" smtClean="0"/>
-              <a:t>## </a:t>
-            </a:r>
-            <a:r>
-              <a:rPr lang="de-AT" baseline="0" dirty="0" err="1" smtClean="0"/>
-              <a:t>what</a:t>
-            </a:r>
-            <a:r>
-              <a:rPr lang="de-AT" baseline="0" dirty="0" smtClean="0"/>
-              <a:t> </a:t>
-            </a:r>
-            <a:r>
-              <a:rPr lang="de-AT" baseline="0" dirty="0" err="1" smtClean="0"/>
-              <a:t>are</a:t>
-            </a:r>
-            <a:r>
-              <a:rPr lang="de-AT" baseline="0" dirty="0" smtClean="0"/>
-              <a:t> </a:t>
-            </a:r>
-            <a:r>
-              <a:rPr lang="de-AT" baseline="0" dirty="0" err="1" smtClean="0"/>
-              <a:t>other</a:t>
-            </a:r>
-            <a:r>
-              <a:rPr lang="de-AT" baseline="0" dirty="0" smtClean="0"/>
-              <a:t> </a:t>
-            </a:r>
-            <a:r>
-              <a:rPr lang="de-AT" baseline="0" dirty="0" err="1" smtClean="0"/>
-              <a:t>side-effects</a:t>
-            </a:r>
-            <a:r>
-              <a:rPr lang="de-AT" baseline="0" dirty="0" smtClean="0"/>
-              <a:t>?</a:t>
-            </a:r>
-          </a:p>
-          <a:p>
-            <a:pPr marL="0" marR="0" lvl="0" indent="0" algn="l" defTabSz="457200" rtl="0" eaLnBrk="1" fontAlgn="auto" latinLnBrk="0" hangingPunct="1">
-              <a:lnSpc>
-                <a:spcPct val="100000"/>
-              </a:lnSpc>
-              <a:spcBef>
-                <a:spcPts val="0"/>
-              </a:spcBef>
-              <a:spcAft>
-                <a:spcPts val="0"/>
-              </a:spcAft>
-              <a:buClrTx/>
-              <a:buSzTx/>
-              <a:buFontTx/>
-              <a:buNone/>
-              <a:tabLst/>
-              <a:defRPr/>
-            </a:pPr>
-            <a:r>
-              <a:rPr lang="de-AT" baseline="0" dirty="0" err="1" smtClean="0"/>
-              <a:t>library</a:t>
-            </a:r>
-            <a:r>
-              <a:rPr lang="de-AT" baseline="0" dirty="0" smtClean="0"/>
-              <a:t>()</a:t>
-            </a:r>
-          </a:p>
-          <a:p>
-            <a:pPr marL="0" marR="0" lvl="0" indent="0" algn="l" defTabSz="457200" rtl="0" eaLnBrk="1" fontAlgn="auto" latinLnBrk="0" hangingPunct="1">
-              <a:lnSpc>
-                <a:spcPct val="100000"/>
-              </a:lnSpc>
-              <a:spcBef>
-                <a:spcPts val="0"/>
-              </a:spcBef>
-              <a:spcAft>
-                <a:spcPts val="0"/>
-              </a:spcAft>
-              <a:buClrTx/>
-              <a:buSzTx/>
-              <a:buFontTx/>
-              <a:buNone/>
-              <a:tabLst/>
-              <a:defRPr/>
-            </a:pPr>
-            <a:r>
-              <a:rPr lang="de-AT" baseline="0" dirty="0" err="1" smtClean="0"/>
-              <a:t>plot</a:t>
-            </a:r>
-            <a:r>
-              <a:rPr lang="de-AT" baseline="0" dirty="0" smtClean="0"/>
-              <a:t>()</a:t>
-            </a:r>
-          </a:p>
-          <a:p>
-            <a:pPr marL="0" marR="0" lvl="0" indent="0" algn="l" defTabSz="457200" rtl="0" eaLnBrk="1" fontAlgn="auto" latinLnBrk="0" hangingPunct="1">
-              <a:lnSpc>
-                <a:spcPct val="100000"/>
-              </a:lnSpc>
-              <a:spcBef>
-                <a:spcPts val="0"/>
-              </a:spcBef>
-              <a:spcAft>
-                <a:spcPts val="0"/>
-              </a:spcAft>
-              <a:buClrTx/>
-              <a:buSzTx/>
-              <a:buFontTx/>
-              <a:buNone/>
-              <a:tabLst/>
-              <a:defRPr/>
-            </a:pPr>
-            <a:r>
-              <a:rPr lang="de-AT" baseline="0" dirty="0" err="1" smtClean="0"/>
-              <a:t>setwd</a:t>
-            </a:r>
-            <a:r>
-              <a:rPr lang="de-AT" baseline="0" dirty="0" smtClean="0"/>
-              <a:t>()</a:t>
-            </a:r>
-          </a:p>
-          <a:p>
-            <a:pPr marL="0" marR="0" lvl="0" indent="0" algn="l" defTabSz="457200" rtl="0" eaLnBrk="1" fontAlgn="auto" latinLnBrk="0" hangingPunct="1">
-              <a:lnSpc>
-                <a:spcPct val="100000"/>
-              </a:lnSpc>
-              <a:spcBef>
-                <a:spcPts val="0"/>
-              </a:spcBef>
-              <a:spcAft>
-                <a:spcPts val="0"/>
-              </a:spcAft>
-              <a:buClrTx/>
-              <a:buSzTx/>
-              <a:buFontTx/>
-              <a:buNone/>
-              <a:tabLst/>
-              <a:defRPr/>
-            </a:pPr>
-            <a:r>
-              <a:rPr lang="de-AT" baseline="0" dirty="0" err="1" smtClean="0"/>
-              <a:t>write</a:t>
-            </a:r>
-            <a:r>
-              <a:rPr lang="de-AT" baseline="0" dirty="0" smtClean="0"/>
-              <a:t>()</a:t>
-            </a:r>
-          </a:p>
-          <a:p>
-            <a:pPr marL="0" marR="0" lvl="0" indent="0" algn="l" defTabSz="457200" rtl="0" eaLnBrk="1" fontAlgn="auto" latinLnBrk="0" hangingPunct="1">
-              <a:lnSpc>
-                <a:spcPct val="100000"/>
-              </a:lnSpc>
-              <a:spcBef>
-                <a:spcPts val="0"/>
-              </a:spcBef>
-              <a:spcAft>
-                <a:spcPts val="0"/>
-              </a:spcAft>
-              <a:buClrTx/>
-              <a:buSzTx/>
-              <a:buFontTx/>
-              <a:buNone/>
-              <a:tabLst/>
-              <a:defRPr/>
-            </a:pPr>
-            <a:r>
-              <a:rPr lang="de-AT" baseline="0" dirty="0" err="1" smtClean="0"/>
-              <a:t>options</a:t>
-            </a:r>
-            <a:r>
-              <a:rPr lang="de-AT" baseline="0" dirty="0" smtClean="0"/>
-              <a:t>()</a:t>
-            </a:r>
-          </a:p>
-          <a:p>
-            <a:pPr marL="0" marR="0" lvl="0" indent="0" algn="l" defTabSz="457200" rtl="0" eaLnBrk="1" fontAlgn="auto" latinLnBrk="0" hangingPunct="1">
-              <a:lnSpc>
-                <a:spcPct val="100000"/>
-              </a:lnSpc>
-              <a:spcBef>
-                <a:spcPts val="0"/>
-              </a:spcBef>
-              <a:spcAft>
-                <a:spcPts val="0"/>
-              </a:spcAft>
-              <a:buClrTx/>
-              <a:buSzTx/>
-              <a:buFontTx/>
-              <a:buNone/>
-              <a:tabLst/>
-              <a:defRPr/>
-            </a:pPr>
-            <a:r>
-              <a:rPr lang="de-AT" baseline="0" dirty="0" smtClean="0"/>
-              <a:t>par()</a:t>
-            </a:r>
-          </a:p>
-          <a:p>
-            <a:pPr marL="0" marR="0" lvl="0" indent="0" algn="l" defTabSz="457200" rtl="0" eaLnBrk="1" fontAlgn="auto" latinLnBrk="0" hangingPunct="1">
-              <a:lnSpc>
-                <a:spcPct val="100000"/>
-              </a:lnSpc>
-              <a:spcBef>
-                <a:spcPts val="0"/>
-              </a:spcBef>
-              <a:spcAft>
-                <a:spcPts val="0"/>
-              </a:spcAft>
-              <a:buClrTx/>
-              <a:buSzTx/>
-              <a:buFontTx/>
-              <a:buNone/>
-              <a:tabLst/>
-              <a:defRPr/>
-            </a:pPr>
-            <a:r>
-              <a:rPr lang="de-AT" baseline="0" dirty="0" err="1" smtClean="0"/>
-              <a:t>seed</a:t>
-            </a:r>
-            <a:r>
-              <a:rPr lang="de-AT" baseline="0" dirty="0" smtClean="0"/>
-              <a:t>()</a:t>
-            </a:r>
-          </a:p>
-          <a:p>
-            <a:pPr marL="0" marR="0" lvl="0" indent="0" algn="l" defTabSz="457200" rtl="0" eaLnBrk="1" fontAlgn="auto" latinLnBrk="0" hangingPunct="1">
-              <a:lnSpc>
-                <a:spcPct val="100000"/>
-              </a:lnSpc>
-              <a:spcBef>
-                <a:spcPts val="0"/>
-              </a:spcBef>
-              <a:spcAft>
-                <a:spcPts val="0"/>
-              </a:spcAft>
-              <a:buClrTx/>
-              <a:buSzTx/>
-              <a:buFontTx/>
-              <a:buNone/>
-              <a:tabLst/>
-              <a:defRPr/>
-            </a:pPr>
-            <a:endParaRPr lang="de-AT" baseline="0" dirty="0" smtClean="0"/>
-          </a:p>
-          <a:p>
-            <a:pPr marL="0" marR="0" lvl="0" indent="0" algn="l" defTabSz="457200" rtl="0" eaLnBrk="1" fontAlgn="auto" latinLnBrk="0" hangingPunct="1">
-              <a:lnSpc>
-                <a:spcPct val="100000"/>
-              </a:lnSpc>
-              <a:spcBef>
-                <a:spcPts val="0"/>
-              </a:spcBef>
-              <a:spcAft>
-                <a:spcPts val="0"/>
-              </a:spcAft>
-              <a:buClrTx/>
-              <a:buSzTx/>
-              <a:buFontTx/>
-              <a:buNone/>
-              <a:tabLst/>
-              <a:defRPr/>
-            </a:pPr>
-            <a:endParaRPr lang="de-AT" dirty="0" smtClean="0"/>
-          </a:p>
-          <a:p>
             <a:endParaRPr lang="de-AT" dirty="0"/>
           </a:p>
         </p:txBody>
@@ -2653,7 +1291,7 @@
           <a:p>
             <a:fld id="{55A21A8E-1F06-3147-ADBB-3B92C6634279}" type="slidenum">
               <a:rPr lang="de-DE" smtClean="0"/>
-              <a:t>17</a:t>
+              <a:t>16</a:t>
             </a:fld>
             <a:endParaRPr lang="de-DE"/>
           </a:p>
@@ -2662,7 +1300,7 @@
     </p:spTree>
     <p:extLst>
       <p:ext uri="{BB962C8B-B14F-4D97-AF65-F5344CB8AC3E}">
-        <p14:creationId xmlns:p14="http://schemas.microsoft.com/office/powerpoint/2010/main" val="2304717127"/>
+        <p14:creationId xmlns:p14="http://schemas.microsoft.com/office/powerpoint/2010/main" val="727538630"/>
       </p:ext>
     </p:extLst>
   </p:cSld>
@@ -2716,18 +1354,684 @@
           <a:bodyPr/>
           <a:lstStyle/>
           <a:p>
-            <a:r>
-              <a:rPr lang="de-AT" dirty="0" smtClean="0">
-                <a:solidFill>
-                  <a:schemeClr val="accent1">
-                    <a:lumMod val="75000"/>
-                  </a:schemeClr>
-                </a:solidFill>
-                <a:latin typeface="Cambria Math" panose="02040503050406030204" pitchFamily="18" charset="0"/>
-                <a:ea typeface="Cambria Math" panose="02040503050406030204" pitchFamily="18" charset="0"/>
-              </a:rPr>
-              <a:t>"1"</a:t>
-            </a:r>
+            <a:pPr marL="0" marR="0" lvl="0" indent="0" algn="l" defTabSz="457200" rtl="0" eaLnBrk="1" fontAlgn="auto" latinLnBrk="0" hangingPunct="1">
+              <a:lnSpc>
+                <a:spcPct val="100000"/>
+              </a:lnSpc>
+              <a:spcBef>
+                <a:spcPts val="0"/>
+              </a:spcBef>
+              <a:spcAft>
+                <a:spcPts val="0"/>
+              </a:spcAft>
+              <a:buClrTx/>
+              <a:buSzTx/>
+              <a:buFontTx/>
+              <a:buNone/>
+              <a:tabLst/>
+              <a:defRPr/>
+            </a:pPr>
+            <a:r>
+              <a:rPr lang="en-US" dirty="0" smtClean="0"/>
+              <a:t># -- was </a:t>
+            </a:r>
+            <a:r>
+              <a:rPr lang="en-US" dirty="0" err="1" smtClean="0"/>
+              <a:t>tun</a:t>
+            </a:r>
+            <a:r>
+              <a:rPr lang="en-US" dirty="0" smtClean="0"/>
+              <a:t> </a:t>
+            </a:r>
+            <a:r>
+              <a:rPr lang="en-US" dirty="0" err="1" smtClean="0"/>
+              <a:t>mit</a:t>
+            </a:r>
+            <a:r>
+              <a:rPr lang="en-US" dirty="0" smtClean="0"/>
+              <a:t> ---</a:t>
+            </a:r>
+          </a:p>
+          <a:p>
+            <a:pPr marL="0" marR="0" lvl="0" indent="0" algn="l" defTabSz="457200" rtl="0" eaLnBrk="1" fontAlgn="auto" latinLnBrk="0" hangingPunct="1">
+              <a:lnSpc>
+                <a:spcPct val="100000"/>
+              </a:lnSpc>
+              <a:spcBef>
+                <a:spcPts val="0"/>
+              </a:spcBef>
+              <a:spcAft>
+                <a:spcPts val="0"/>
+              </a:spcAft>
+              <a:buClrTx/>
+              <a:buSzTx/>
+              <a:buFontTx/>
+              <a:buNone/>
+              <a:tabLst/>
+              <a:defRPr/>
+            </a:pPr>
+            <a:r>
+              <a:rPr lang="en-US" dirty="0" smtClean="0"/>
+              <a:t># &gt; for, if, while</a:t>
+            </a:r>
+          </a:p>
+          <a:p>
+            <a:pPr marL="0" marR="0" lvl="0" indent="0" algn="l" defTabSz="457200" rtl="0" eaLnBrk="1" fontAlgn="auto" latinLnBrk="0" hangingPunct="1">
+              <a:lnSpc>
+                <a:spcPct val="100000"/>
+              </a:lnSpc>
+              <a:spcBef>
+                <a:spcPts val="0"/>
+              </a:spcBef>
+              <a:spcAft>
+                <a:spcPts val="0"/>
+              </a:spcAft>
+              <a:buClrTx/>
+              <a:buSzTx/>
+              <a:buFontTx/>
+              <a:buNone/>
+              <a:tabLst/>
+              <a:defRPr/>
+            </a:pPr>
+            <a:r>
+              <a:rPr lang="en-US" dirty="0" smtClean="0"/>
+              <a:t># &gt; l/s/v/apply</a:t>
+            </a:r>
+          </a:p>
+          <a:p>
+            <a:pPr marL="0" marR="0" lvl="0" indent="0" algn="l" defTabSz="457200" rtl="0" eaLnBrk="1" fontAlgn="auto" latinLnBrk="0" hangingPunct="1">
+              <a:lnSpc>
+                <a:spcPct val="100000"/>
+              </a:lnSpc>
+              <a:spcBef>
+                <a:spcPts val="0"/>
+              </a:spcBef>
+              <a:spcAft>
+                <a:spcPts val="0"/>
+              </a:spcAft>
+              <a:buClrTx/>
+              <a:buSzTx/>
+              <a:buFontTx/>
+              <a:buNone/>
+              <a:tabLst/>
+              <a:defRPr/>
+            </a:pPr>
+            <a:r>
+              <a:rPr lang="en-US" dirty="0" smtClean="0"/>
+              <a:t># &gt; functional</a:t>
+            </a:r>
+          </a:p>
+          <a:p>
+            <a:endParaRPr lang="de-AT" dirty="0" smtClean="0"/>
+          </a:p>
+          <a:p>
+            <a:r>
+              <a:rPr lang="en-US" dirty="0" err="1" smtClean="0"/>
+              <a:t>objs</a:t>
+            </a:r>
+            <a:r>
+              <a:rPr lang="en-US" dirty="0" smtClean="0"/>
+              <a:t> &lt;- </a:t>
+            </a:r>
+            <a:r>
+              <a:rPr lang="en-US" dirty="0" err="1" smtClean="0"/>
+              <a:t>mget</a:t>
+            </a:r>
+            <a:r>
+              <a:rPr lang="en-US" dirty="0" smtClean="0"/>
+              <a:t>(ls("</a:t>
+            </a:r>
+            <a:r>
+              <a:rPr lang="en-US" dirty="0" err="1" smtClean="0"/>
+              <a:t>package:base</a:t>
+            </a:r>
+            <a:r>
+              <a:rPr lang="en-US" dirty="0" smtClean="0"/>
+              <a:t>"), inherits = TRUE)</a:t>
+            </a:r>
+          </a:p>
+          <a:p>
+            <a:r>
+              <a:rPr lang="de-AT" baseline="0" dirty="0" err="1" smtClean="0"/>
+              <a:t>fun</a:t>
+            </a:r>
+            <a:r>
+              <a:rPr lang="de-AT" baseline="0" dirty="0" smtClean="0"/>
+              <a:t> &lt;- Filter(</a:t>
+            </a:r>
+            <a:r>
+              <a:rPr lang="de-AT" baseline="0" dirty="0" err="1" smtClean="0"/>
+              <a:t>is.function</a:t>
+            </a:r>
+            <a:r>
+              <a:rPr lang="de-AT" baseline="0" dirty="0" smtClean="0"/>
+              <a:t>, </a:t>
+            </a:r>
+            <a:r>
+              <a:rPr lang="de-AT" baseline="0" dirty="0" err="1" smtClean="0"/>
+              <a:t>objs</a:t>
+            </a:r>
+            <a:r>
+              <a:rPr lang="de-AT" baseline="0" dirty="0" smtClean="0"/>
+              <a:t>)</a:t>
+            </a:r>
+          </a:p>
+          <a:p>
+            <a:endParaRPr lang="de-AT" dirty="0" smtClean="0"/>
+          </a:p>
+          <a:p>
+            <a:r>
+              <a:rPr lang="de-AT" dirty="0" smtClean="0"/>
+              <a:t>#</a:t>
+            </a:r>
+          </a:p>
+          <a:p>
+            <a:r>
+              <a:rPr lang="de-AT" dirty="0" smtClean="0"/>
+              <a:t>welche Möglichkeiten kennen wir Argumente zu spezifizieren?</a:t>
+            </a:r>
+          </a:p>
+          <a:p>
+            <a:r>
+              <a:rPr lang="de-AT" dirty="0" err="1" smtClean="0"/>
+              <a:t>argumente</a:t>
+            </a:r>
+            <a:r>
+              <a:rPr lang="de-AT" dirty="0" smtClean="0"/>
+              <a:t> mit </a:t>
+            </a:r>
+            <a:r>
+              <a:rPr lang="de-AT" dirty="0" err="1" smtClean="0"/>
+              <a:t>default</a:t>
+            </a:r>
+            <a:r>
+              <a:rPr lang="de-AT" dirty="0" smtClean="0"/>
+              <a:t>-werten</a:t>
+            </a:r>
+            <a:r>
+              <a:rPr lang="de-AT" baseline="0" dirty="0" smtClean="0"/>
+              <a:t> leer lassen</a:t>
+            </a:r>
+          </a:p>
+          <a:p>
+            <a:r>
+              <a:rPr lang="de-AT" baseline="0" dirty="0" err="1" smtClean="0"/>
+              <a:t>exact</a:t>
+            </a:r>
+            <a:r>
+              <a:rPr lang="de-AT" baseline="0" dirty="0" smtClean="0"/>
+              <a:t> </a:t>
+            </a:r>
+            <a:r>
+              <a:rPr lang="de-AT" baseline="0" dirty="0" err="1" smtClean="0"/>
+              <a:t>match</a:t>
+            </a:r>
+            <a:r>
+              <a:rPr lang="de-AT" baseline="0" dirty="0" smtClean="0"/>
+              <a:t> </a:t>
+            </a:r>
+            <a:r>
+              <a:rPr lang="de-AT" baseline="0" dirty="0" err="1" smtClean="0"/>
+              <a:t>by</a:t>
+            </a:r>
+            <a:r>
+              <a:rPr lang="de-AT" baseline="0" dirty="0" smtClean="0"/>
+              <a:t> </a:t>
+            </a:r>
+            <a:r>
+              <a:rPr lang="de-AT" baseline="0" dirty="0" err="1" smtClean="0"/>
+              <a:t>name</a:t>
+            </a:r>
+            <a:endParaRPr lang="de-AT" baseline="0" dirty="0" smtClean="0"/>
+          </a:p>
+          <a:p>
+            <a:pPr marL="0" marR="0" lvl="0" indent="0" algn="l" defTabSz="457200" rtl="0" eaLnBrk="1" fontAlgn="auto" latinLnBrk="0" hangingPunct="1">
+              <a:lnSpc>
+                <a:spcPct val="100000"/>
+              </a:lnSpc>
+              <a:spcBef>
+                <a:spcPts val="0"/>
+              </a:spcBef>
+              <a:spcAft>
+                <a:spcPts val="0"/>
+              </a:spcAft>
+              <a:buClrTx/>
+              <a:buSzTx/>
+              <a:buFontTx/>
+              <a:buNone/>
+              <a:tabLst/>
+              <a:defRPr/>
+            </a:pPr>
+            <a:r>
+              <a:rPr lang="de-AT" baseline="0" dirty="0" smtClean="0"/>
+              <a:t>partial </a:t>
+            </a:r>
+            <a:r>
+              <a:rPr lang="de-AT" baseline="0" dirty="0" err="1" smtClean="0"/>
+              <a:t>match</a:t>
+            </a:r>
+            <a:r>
+              <a:rPr lang="de-AT" baseline="0" dirty="0" smtClean="0"/>
+              <a:t> </a:t>
+            </a:r>
+            <a:r>
+              <a:rPr lang="de-AT" baseline="0" dirty="0" err="1" smtClean="0"/>
+              <a:t>by</a:t>
+            </a:r>
+            <a:r>
+              <a:rPr lang="de-AT" baseline="0" dirty="0" smtClean="0"/>
+              <a:t> </a:t>
+            </a:r>
+            <a:r>
+              <a:rPr lang="de-AT" baseline="0" dirty="0" err="1" smtClean="0"/>
+              <a:t>name</a:t>
+            </a:r>
+            <a:endParaRPr lang="de-AT" baseline="0" dirty="0" smtClean="0"/>
+          </a:p>
+          <a:p>
+            <a:pPr marL="0" marR="0" lvl="0" indent="0" algn="l" defTabSz="457200" rtl="0" eaLnBrk="1" fontAlgn="auto" latinLnBrk="0" hangingPunct="1">
+              <a:lnSpc>
+                <a:spcPct val="100000"/>
+              </a:lnSpc>
+              <a:spcBef>
+                <a:spcPts val="0"/>
+              </a:spcBef>
+              <a:spcAft>
+                <a:spcPts val="0"/>
+              </a:spcAft>
+              <a:buClrTx/>
+              <a:buSzTx/>
+              <a:buFontTx/>
+              <a:buNone/>
+              <a:tabLst/>
+              <a:defRPr/>
+            </a:pPr>
+            <a:r>
+              <a:rPr lang="de-AT" baseline="0" dirty="0" err="1" smtClean="0"/>
+              <a:t>match</a:t>
+            </a:r>
+            <a:r>
+              <a:rPr lang="de-AT" baseline="0" dirty="0" smtClean="0"/>
+              <a:t> </a:t>
+            </a:r>
+            <a:r>
+              <a:rPr lang="de-AT" baseline="0" dirty="0" err="1" smtClean="0"/>
+              <a:t>by</a:t>
+            </a:r>
+            <a:r>
+              <a:rPr lang="de-AT" baseline="0" dirty="0" smtClean="0"/>
+              <a:t> </a:t>
+            </a:r>
+            <a:r>
+              <a:rPr lang="de-AT" baseline="0" dirty="0" err="1" smtClean="0"/>
+              <a:t>position</a:t>
+            </a:r>
+            <a:endParaRPr lang="de-AT" baseline="0" dirty="0" smtClean="0"/>
+          </a:p>
+          <a:p>
+            <a:pPr marL="0" marR="0" lvl="0" indent="0" algn="l" defTabSz="457200" rtl="0" eaLnBrk="1" fontAlgn="auto" latinLnBrk="0" hangingPunct="1">
+              <a:lnSpc>
+                <a:spcPct val="100000"/>
+              </a:lnSpc>
+              <a:spcBef>
+                <a:spcPts val="0"/>
+              </a:spcBef>
+              <a:spcAft>
+                <a:spcPts val="0"/>
+              </a:spcAft>
+              <a:buClrTx/>
+              <a:buSzTx/>
+              <a:buFontTx/>
+              <a:buNone/>
+              <a:tabLst/>
+              <a:defRPr/>
+            </a:pPr>
+            <a:r>
+              <a:rPr lang="de-AT" baseline="0" dirty="0" smtClean="0"/>
+              <a:t>...</a:t>
+            </a:r>
+          </a:p>
+          <a:p>
+            <a:pPr marL="0" marR="0" lvl="0" indent="0" algn="l" defTabSz="457200" rtl="0" eaLnBrk="1" fontAlgn="auto" latinLnBrk="0" hangingPunct="1">
+              <a:lnSpc>
+                <a:spcPct val="100000"/>
+              </a:lnSpc>
+              <a:spcBef>
+                <a:spcPts val="0"/>
+              </a:spcBef>
+              <a:spcAft>
+                <a:spcPts val="0"/>
+              </a:spcAft>
+              <a:buClrTx/>
+              <a:buSzTx/>
+              <a:buFontTx/>
+              <a:buNone/>
+              <a:tabLst/>
+              <a:defRPr/>
+            </a:pPr>
+            <a:r>
+              <a:rPr lang="de-AT" baseline="0" dirty="0" err="1" smtClean="0"/>
+              <a:t>call</a:t>
+            </a:r>
+            <a:r>
+              <a:rPr lang="de-AT" baseline="0" dirty="0" smtClean="0"/>
+              <a:t> </a:t>
+            </a:r>
+            <a:r>
+              <a:rPr lang="de-AT" baseline="0" dirty="0" err="1" smtClean="0"/>
+              <a:t>by</a:t>
+            </a:r>
+            <a:r>
+              <a:rPr lang="de-AT" baseline="0" dirty="0" smtClean="0"/>
+              <a:t> </a:t>
+            </a:r>
+            <a:r>
+              <a:rPr lang="de-AT" baseline="0" dirty="0" err="1" smtClean="0"/>
+              <a:t>list</a:t>
+            </a:r>
+            <a:endParaRPr lang="de-AT" baseline="0" dirty="0" smtClean="0"/>
+          </a:p>
+          <a:p>
+            <a:pPr marL="0" marR="0" lvl="0" indent="0" algn="l" defTabSz="457200" rtl="0" eaLnBrk="1" fontAlgn="auto" latinLnBrk="0" hangingPunct="1">
+              <a:lnSpc>
+                <a:spcPct val="100000"/>
+              </a:lnSpc>
+              <a:spcBef>
+                <a:spcPts val="0"/>
+              </a:spcBef>
+              <a:spcAft>
+                <a:spcPts val="0"/>
+              </a:spcAft>
+              <a:buClrTx/>
+              <a:buSzTx/>
+              <a:buFontTx/>
+              <a:buNone/>
+              <a:tabLst/>
+              <a:defRPr/>
+            </a:pPr>
+            <a:endParaRPr lang="de-AT" baseline="0" dirty="0" smtClean="0"/>
+          </a:p>
+          <a:p>
+            <a:pPr marL="0" marR="0" lvl="0" indent="0" algn="l" defTabSz="457200" rtl="0" eaLnBrk="1" fontAlgn="auto" latinLnBrk="0" hangingPunct="1">
+              <a:lnSpc>
+                <a:spcPct val="100000"/>
+              </a:lnSpc>
+              <a:spcBef>
+                <a:spcPts val="0"/>
+              </a:spcBef>
+              <a:spcAft>
+                <a:spcPts val="0"/>
+              </a:spcAft>
+              <a:buClrTx/>
+              <a:buSzTx/>
+              <a:buFontTx/>
+              <a:buNone/>
+              <a:tabLst/>
+              <a:defRPr/>
+            </a:pPr>
+            <a:r>
+              <a:rPr lang="de-AT" baseline="0" dirty="0" smtClean="0"/>
+              <a:t>## </a:t>
+            </a:r>
+            <a:r>
+              <a:rPr lang="de-AT" baseline="0" dirty="0" err="1" smtClean="0"/>
+              <a:t>what</a:t>
+            </a:r>
+            <a:r>
+              <a:rPr lang="de-AT" baseline="0" dirty="0" smtClean="0"/>
+              <a:t> </a:t>
+            </a:r>
+            <a:r>
+              <a:rPr lang="de-AT" baseline="0" dirty="0" err="1" smtClean="0"/>
+              <a:t>are</a:t>
+            </a:r>
+            <a:r>
+              <a:rPr lang="de-AT" baseline="0" dirty="0" smtClean="0"/>
+              <a:t> </a:t>
+            </a:r>
+            <a:r>
+              <a:rPr lang="de-AT" baseline="0" dirty="0" err="1" smtClean="0"/>
+              <a:t>other</a:t>
+            </a:r>
+            <a:r>
+              <a:rPr lang="de-AT" baseline="0" dirty="0" smtClean="0"/>
+              <a:t> </a:t>
+            </a:r>
+            <a:r>
+              <a:rPr lang="de-AT" baseline="0" dirty="0" err="1" smtClean="0"/>
+              <a:t>side-effects</a:t>
+            </a:r>
+            <a:r>
+              <a:rPr lang="de-AT" baseline="0" dirty="0" smtClean="0"/>
+              <a:t>?</a:t>
+            </a:r>
+          </a:p>
+          <a:p>
+            <a:pPr marL="0" marR="0" lvl="0" indent="0" algn="l" defTabSz="457200" rtl="0" eaLnBrk="1" fontAlgn="auto" latinLnBrk="0" hangingPunct="1">
+              <a:lnSpc>
+                <a:spcPct val="100000"/>
+              </a:lnSpc>
+              <a:spcBef>
+                <a:spcPts val="0"/>
+              </a:spcBef>
+              <a:spcAft>
+                <a:spcPts val="0"/>
+              </a:spcAft>
+              <a:buClrTx/>
+              <a:buSzTx/>
+              <a:buFontTx/>
+              <a:buNone/>
+              <a:tabLst/>
+              <a:defRPr/>
+            </a:pPr>
+            <a:r>
+              <a:rPr lang="de-AT" baseline="0" dirty="0" err="1" smtClean="0"/>
+              <a:t>library</a:t>
+            </a:r>
+            <a:r>
+              <a:rPr lang="de-AT" baseline="0" dirty="0" smtClean="0"/>
+              <a:t>()</a:t>
+            </a:r>
+          </a:p>
+          <a:p>
+            <a:pPr marL="0" marR="0" lvl="0" indent="0" algn="l" defTabSz="457200" rtl="0" eaLnBrk="1" fontAlgn="auto" latinLnBrk="0" hangingPunct="1">
+              <a:lnSpc>
+                <a:spcPct val="100000"/>
+              </a:lnSpc>
+              <a:spcBef>
+                <a:spcPts val="0"/>
+              </a:spcBef>
+              <a:spcAft>
+                <a:spcPts val="0"/>
+              </a:spcAft>
+              <a:buClrTx/>
+              <a:buSzTx/>
+              <a:buFontTx/>
+              <a:buNone/>
+              <a:tabLst/>
+              <a:defRPr/>
+            </a:pPr>
+            <a:r>
+              <a:rPr lang="de-AT" baseline="0" dirty="0" err="1" smtClean="0"/>
+              <a:t>plot</a:t>
+            </a:r>
+            <a:r>
+              <a:rPr lang="de-AT" baseline="0" dirty="0" smtClean="0"/>
+              <a:t>()</a:t>
+            </a:r>
+          </a:p>
+          <a:p>
+            <a:pPr marL="0" marR="0" lvl="0" indent="0" algn="l" defTabSz="457200" rtl="0" eaLnBrk="1" fontAlgn="auto" latinLnBrk="0" hangingPunct="1">
+              <a:lnSpc>
+                <a:spcPct val="100000"/>
+              </a:lnSpc>
+              <a:spcBef>
+                <a:spcPts val="0"/>
+              </a:spcBef>
+              <a:spcAft>
+                <a:spcPts val="0"/>
+              </a:spcAft>
+              <a:buClrTx/>
+              <a:buSzTx/>
+              <a:buFontTx/>
+              <a:buNone/>
+              <a:tabLst/>
+              <a:defRPr/>
+            </a:pPr>
+            <a:r>
+              <a:rPr lang="de-AT" baseline="0" dirty="0" err="1" smtClean="0"/>
+              <a:t>setwd</a:t>
+            </a:r>
+            <a:r>
+              <a:rPr lang="de-AT" baseline="0" dirty="0" smtClean="0"/>
+              <a:t>()</a:t>
+            </a:r>
+          </a:p>
+          <a:p>
+            <a:pPr marL="0" marR="0" lvl="0" indent="0" algn="l" defTabSz="457200" rtl="0" eaLnBrk="1" fontAlgn="auto" latinLnBrk="0" hangingPunct="1">
+              <a:lnSpc>
+                <a:spcPct val="100000"/>
+              </a:lnSpc>
+              <a:spcBef>
+                <a:spcPts val="0"/>
+              </a:spcBef>
+              <a:spcAft>
+                <a:spcPts val="0"/>
+              </a:spcAft>
+              <a:buClrTx/>
+              <a:buSzTx/>
+              <a:buFontTx/>
+              <a:buNone/>
+              <a:tabLst/>
+              <a:defRPr/>
+            </a:pPr>
+            <a:r>
+              <a:rPr lang="de-AT" baseline="0" dirty="0" err="1" smtClean="0"/>
+              <a:t>write</a:t>
+            </a:r>
+            <a:r>
+              <a:rPr lang="de-AT" baseline="0" dirty="0" smtClean="0"/>
+              <a:t>()</a:t>
+            </a:r>
+          </a:p>
+          <a:p>
+            <a:pPr marL="0" marR="0" lvl="0" indent="0" algn="l" defTabSz="457200" rtl="0" eaLnBrk="1" fontAlgn="auto" latinLnBrk="0" hangingPunct="1">
+              <a:lnSpc>
+                <a:spcPct val="100000"/>
+              </a:lnSpc>
+              <a:spcBef>
+                <a:spcPts val="0"/>
+              </a:spcBef>
+              <a:spcAft>
+                <a:spcPts val="0"/>
+              </a:spcAft>
+              <a:buClrTx/>
+              <a:buSzTx/>
+              <a:buFontTx/>
+              <a:buNone/>
+              <a:tabLst/>
+              <a:defRPr/>
+            </a:pPr>
+            <a:r>
+              <a:rPr lang="de-AT" baseline="0" dirty="0" err="1" smtClean="0"/>
+              <a:t>options</a:t>
+            </a:r>
+            <a:r>
+              <a:rPr lang="de-AT" baseline="0" dirty="0" smtClean="0"/>
+              <a:t>()</a:t>
+            </a:r>
+          </a:p>
+          <a:p>
+            <a:pPr marL="0" marR="0" lvl="0" indent="0" algn="l" defTabSz="457200" rtl="0" eaLnBrk="1" fontAlgn="auto" latinLnBrk="0" hangingPunct="1">
+              <a:lnSpc>
+                <a:spcPct val="100000"/>
+              </a:lnSpc>
+              <a:spcBef>
+                <a:spcPts val="0"/>
+              </a:spcBef>
+              <a:spcAft>
+                <a:spcPts val="0"/>
+              </a:spcAft>
+              <a:buClrTx/>
+              <a:buSzTx/>
+              <a:buFontTx/>
+              <a:buNone/>
+              <a:tabLst/>
+              <a:defRPr/>
+            </a:pPr>
+            <a:r>
+              <a:rPr lang="de-AT" baseline="0" dirty="0" smtClean="0"/>
+              <a:t>par()</a:t>
+            </a:r>
+          </a:p>
+          <a:p>
+            <a:pPr marL="0" marR="0" lvl="0" indent="0" algn="l" defTabSz="457200" rtl="0" eaLnBrk="1" fontAlgn="auto" latinLnBrk="0" hangingPunct="1">
+              <a:lnSpc>
+                <a:spcPct val="100000"/>
+              </a:lnSpc>
+              <a:spcBef>
+                <a:spcPts val="0"/>
+              </a:spcBef>
+              <a:spcAft>
+                <a:spcPts val="0"/>
+              </a:spcAft>
+              <a:buClrTx/>
+              <a:buSzTx/>
+              <a:buFontTx/>
+              <a:buNone/>
+              <a:tabLst/>
+              <a:defRPr/>
+            </a:pPr>
+            <a:r>
+              <a:rPr lang="de-AT" baseline="0" dirty="0" err="1" smtClean="0"/>
+              <a:t>seed</a:t>
+            </a:r>
+            <a:r>
+              <a:rPr lang="de-AT" baseline="0" dirty="0" smtClean="0"/>
+              <a:t>()</a:t>
+            </a:r>
+          </a:p>
+          <a:p>
+            <a:pPr marL="0" marR="0" lvl="0" indent="0" algn="l" defTabSz="457200" rtl="0" eaLnBrk="1" fontAlgn="auto" latinLnBrk="0" hangingPunct="1">
+              <a:lnSpc>
+                <a:spcPct val="100000"/>
+              </a:lnSpc>
+              <a:spcBef>
+                <a:spcPts val="0"/>
+              </a:spcBef>
+              <a:spcAft>
+                <a:spcPts val="0"/>
+              </a:spcAft>
+              <a:buClrTx/>
+              <a:buSzTx/>
+              <a:buFontTx/>
+              <a:buNone/>
+              <a:tabLst/>
+              <a:defRPr/>
+            </a:pPr>
+            <a:endParaRPr lang="de-AT" baseline="0" dirty="0" smtClean="0"/>
+          </a:p>
+          <a:p>
+            <a:pPr marL="0" marR="0" lvl="0" indent="0" algn="l" defTabSz="457200" rtl="0" eaLnBrk="1" fontAlgn="auto" latinLnBrk="0" hangingPunct="1">
+              <a:lnSpc>
+                <a:spcPct val="100000"/>
+              </a:lnSpc>
+              <a:spcBef>
+                <a:spcPts val="0"/>
+              </a:spcBef>
+              <a:spcAft>
+                <a:spcPts val="0"/>
+              </a:spcAft>
+              <a:buClrTx/>
+              <a:buSzTx/>
+              <a:buFontTx/>
+              <a:buNone/>
+              <a:tabLst/>
+              <a:defRPr/>
+            </a:pPr>
+            <a:endParaRPr lang="de-AT" dirty="0" smtClean="0"/>
+          </a:p>
+          <a:p>
             <a:endParaRPr lang="de-AT" dirty="0"/>
           </a:p>
         </p:txBody>
@@ -2749,7 +2053,7 @@
           <a:p>
             <a:fld id="{55A21A8E-1F06-3147-ADBB-3B92C6634279}" type="slidenum">
               <a:rPr lang="de-DE" smtClean="0"/>
-              <a:t>18</a:t>
+              <a:t>17</a:t>
             </a:fld>
             <a:endParaRPr lang="de-DE"/>
           </a:p>
@@ -2758,7 +2062,7 @@
     </p:spTree>
     <p:extLst>
       <p:ext uri="{BB962C8B-B14F-4D97-AF65-F5344CB8AC3E}">
-        <p14:creationId xmlns:p14="http://schemas.microsoft.com/office/powerpoint/2010/main" val="2956805845"/>
+        <p14:creationId xmlns:p14="http://schemas.microsoft.com/office/powerpoint/2010/main" val="2304717127"/>
       </p:ext>
     </p:extLst>
   </p:cSld>
@@ -2813,225 +2117,18 @@
           <a:lstStyle/>
           <a:p>
             <a:r>
-              <a:rPr lang="de-AT" dirty="0" smtClean="0"/>
-              <a:t>gehe nicht auf </a:t>
-            </a:r>
-          </a:p>
-          <a:p>
-            <a:r>
-              <a:rPr lang="de-AT" dirty="0" err="1" smtClean="0"/>
-              <a:t>object.size</a:t>
-            </a:r>
-            <a:r>
-              <a:rPr lang="de-AT" dirty="0" smtClean="0"/>
-              <a:t>, </a:t>
-            </a:r>
-            <a:r>
-              <a:rPr lang="de-AT" dirty="0" err="1" smtClean="0"/>
-              <a:t>memory.size,memory</a:t>
-            </a:r>
-            <a:r>
-              <a:rPr lang="de-AT" dirty="0" smtClean="0"/>
-              <a:t> </a:t>
-            </a:r>
-            <a:r>
-              <a:rPr lang="de-AT" dirty="0" err="1" smtClean="0"/>
-              <a:t>profiling</a:t>
-            </a:r>
-            <a:endParaRPr lang="de-AT" dirty="0" smtClean="0"/>
-          </a:p>
-          <a:p>
-            <a:endParaRPr lang="de-AT" dirty="0" smtClean="0"/>
-          </a:p>
-          <a:p>
-            <a:r>
-              <a:rPr lang="de-AT" dirty="0" err="1" smtClean="0"/>
-              <a:t>object.size</a:t>
-            </a:r>
-            <a:r>
-              <a:rPr lang="de-AT" dirty="0" smtClean="0"/>
-              <a:t>(c("a", "b", "c"))</a:t>
-            </a:r>
-          </a:p>
-          <a:p>
-            <a:r>
-              <a:rPr lang="de-AT" dirty="0" err="1" smtClean="0"/>
-              <a:t>object.size</a:t>
-            </a:r>
-            <a:r>
-              <a:rPr lang="de-AT" dirty="0" smtClean="0"/>
-              <a:t>(c("a", "b", "a", "b", "a", "b"))</a:t>
-            </a:r>
-          </a:p>
-          <a:p>
-            <a:r>
-              <a:rPr lang="de-AT" dirty="0" err="1" smtClean="0"/>
-              <a:t>object.size</a:t>
-            </a:r>
-            <a:r>
-              <a:rPr lang="de-AT" dirty="0" smtClean="0"/>
-              <a:t>(</a:t>
-            </a:r>
-            <a:r>
-              <a:rPr lang="de-AT" dirty="0" err="1" smtClean="0"/>
-              <a:t>factor</a:t>
-            </a:r>
-            <a:r>
-              <a:rPr lang="de-AT" dirty="0" smtClean="0"/>
-              <a:t>(c("a", "b", "a", "b", "a", "b")))</a:t>
-            </a:r>
-          </a:p>
-          <a:p>
-            <a:endParaRPr lang="de-AT" dirty="0" smtClean="0"/>
-          </a:p>
-          <a:p>
-            <a:r>
-              <a:rPr lang="de-AT" dirty="0" err="1" smtClean="0"/>
-              <a:t>object.size</a:t>
-            </a:r>
-            <a:r>
-              <a:rPr lang="de-AT" dirty="0" smtClean="0"/>
-              <a:t>(</a:t>
-            </a:r>
-            <a:r>
-              <a:rPr lang="de-AT" dirty="0" err="1" smtClean="0"/>
-              <a:t>rep</a:t>
-            </a:r>
-            <a:r>
-              <a:rPr lang="de-AT" dirty="0" smtClean="0"/>
-              <a:t>(c("a", "b", "a", "b", "a", "b"), 100))</a:t>
-            </a:r>
-          </a:p>
-          <a:p>
-            <a:r>
-              <a:rPr lang="de-AT" dirty="0" err="1" smtClean="0"/>
-              <a:t>object.size</a:t>
-            </a:r>
-            <a:r>
-              <a:rPr lang="de-AT" dirty="0" smtClean="0"/>
-              <a:t>(</a:t>
-            </a:r>
-            <a:r>
-              <a:rPr lang="de-AT" dirty="0" err="1" smtClean="0"/>
-              <a:t>factor</a:t>
-            </a:r>
-            <a:r>
-              <a:rPr lang="de-AT" dirty="0" smtClean="0"/>
-              <a:t>(</a:t>
-            </a:r>
-            <a:r>
-              <a:rPr lang="de-AT" dirty="0" err="1" smtClean="0"/>
-              <a:t>rep</a:t>
-            </a:r>
-            <a:r>
-              <a:rPr lang="de-AT" dirty="0" smtClean="0"/>
-              <a:t>(c("a", "b", "a", "b", "a", "b"), 100)))</a:t>
-            </a:r>
-          </a:p>
-          <a:p>
-            <a:endParaRPr lang="de-AT" dirty="0" smtClean="0"/>
-          </a:p>
-          <a:p>
-            <a:r>
-              <a:rPr lang="de-AT" dirty="0" err="1" smtClean="0"/>
-              <a:t>gc</a:t>
-            </a:r>
-            <a:r>
-              <a:rPr lang="de-AT" baseline="0" dirty="0" smtClean="0"/>
-              <a:t> – wird in der Regel nicht gebraucht</a:t>
-            </a:r>
-          </a:p>
-          <a:p>
-            <a:r>
-              <a:rPr lang="de-AT" baseline="0" dirty="0" smtClean="0"/>
-              <a:t>     - </a:t>
-            </a:r>
-            <a:r>
-              <a:rPr lang="de-AT" baseline="0" dirty="0" err="1" smtClean="0"/>
-              <a:t>get</a:t>
-            </a:r>
-            <a:r>
-              <a:rPr lang="de-AT" baseline="0" dirty="0" smtClean="0"/>
-              <a:t> an </a:t>
-            </a:r>
-            <a:r>
-              <a:rPr lang="de-AT" baseline="0" dirty="0" err="1" smtClean="0"/>
-              <a:t>impression</a:t>
-            </a:r>
-            <a:r>
-              <a:rPr lang="de-AT" baseline="0" dirty="0" smtClean="0"/>
-              <a:t> </a:t>
-            </a:r>
-            <a:r>
-              <a:rPr lang="de-AT" baseline="0" dirty="0" err="1" smtClean="0"/>
-              <a:t>of</a:t>
-            </a:r>
-            <a:r>
-              <a:rPr lang="de-AT" baseline="0" dirty="0" smtClean="0"/>
-              <a:t> </a:t>
-            </a:r>
-            <a:r>
-              <a:rPr lang="de-AT" baseline="0" dirty="0" err="1" smtClean="0"/>
-              <a:t>the</a:t>
-            </a:r>
-            <a:r>
-              <a:rPr lang="de-AT" baseline="0" dirty="0" smtClean="0"/>
-              <a:t> </a:t>
-            </a:r>
-            <a:r>
-              <a:rPr lang="de-AT" baseline="0" dirty="0" err="1" smtClean="0"/>
-              <a:t>memory</a:t>
-            </a:r>
-            <a:r>
-              <a:rPr lang="de-AT" baseline="0" dirty="0" smtClean="0"/>
-              <a:t> </a:t>
-            </a:r>
-            <a:r>
-              <a:rPr lang="de-AT" baseline="0" dirty="0" err="1" smtClean="0"/>
-              <a:t>used</a:t>
-            </a:r>
-            <a:r>
-              <a:rPr lang="de-AT" baseline="0" dirty="0" smtClean="0"/>
-              <a:t>: </a:t>
-            </a:r>
-            <a:r>
-              <a:rPr lang="de-AT" baseline="0" dirty="0" err="1" smtClean="0"/>
-              <a:t>gc</a:t>
-            </a:r>
-            <a:r>
-              <a:rPr lang="de-AT" baseline="0" dirty="0" smtClean="0"/>
-              <a:t>()[, 2]</a:t>
-            </a:r>
-          </a:p>
-          <a:p>
-            <a:endParaRPr lang="de-AT" baseline="0" dirty="0" smtClean="0"/>
-          </a:p>
-          <a:p>
-            <a:r>
-              <a:rPr lang="de-AT" baseline="0" dirty="0" err="1" smtClean="0"/>
-              <a:t>tracemem</a:t>
-            </a:r>
-            <a:endParaRPr lang="de-AT" baseline="0" dirty="0" smtClean="0"/>
-          </a:p>
-          <a:p>
-            <a:endParaRPr lang="de-AT" dirty="0" smtClean="0"/>
-          </a:p>
-          <a:p>
-            <a:endParaRPr lang="de-AT" dirty="0" smtClean="0"/>
-          </a:p>
-          <a:p>
-            <a:r>
-              <a:rPr lang="de-AT" dirty="0" smtClean="0"/>
-              <a:t>Dirk </a:t>
-            </a:r>
-            <a:r>
-              <a:rPr lang="de-AT" dirty="0" err="1" smtClean="0"/>
-              <a:t>Eddelbüttel</a:t>
-            </a:r>
-            <a:r>
-              <a:rPr lang="de-AT" dirty="0" smtClean="0"/>
-              <a:t> und Romain Francois</a:t>
-            </a:r>
+              <a:rPr lang="de-AT" dirty="0" smtClean="0">
+                <a:solidFill>
+                  <a:schemeClr val="accent1">
+                    <a:lumMod val="75000"/>
+                  </a:schemeClr>
+                </a:solidFill>
+                <a:latin typeface="Cambria Math" panose="02040503050406030204" pitchFamily="18" charset="0"/>
+                <a:ea typeface="Cambria Math" panose="02040503050406030204" pitchFamily="18" charset="0"/>
+              </a:rPr>
+              <a:t>"1"</a:t>
+            </a:r>
+            <a:endParaRPr lang="de-AT" dirty="0"/>
           </a:p>
         </p:txBody>
       </p:sp>
@@ -3052,7 +2149,7 @@
           <a:p>
             <a:fld id="{55A21A8E-1F06-3147-ADBB-3B92C6634279}" type="slidenum">
               <a:rPr lang="de-DE" smtClean="0"/>
-              <a:t>19</a:t>
+              <a:t>18</a:t>
             </a:fld>
             <a:endParaRPr lang="de-DE"/>
           </a:p>
@@ -3061,7 +2158,7 @@
     </p:spTree>
     <p:extLst>
       <p:ext uri="{BB962C8B-B14F-4D97-AF65-F5344CB8AC3E}">
-        <p14:creationId xmlns:p14="http://schemas.microsoft.com/office/powerpoint/2010/main" val="1265722520"/>
+        <p14:creationId xmlns:p14="http://schemas.microsoft.com/office/powerpoint/2010/main" val="2956805845"/>
       </p:ext>
     </p:extLst>
   </p:cSld>
@@ -3116,18 +2213,225 @@
           <a:lstStyle/>
           <a:p>
             <a:r>
-              <a:rPr lang="de-AT" dirty="0" smtClean="0">
-                <a:solidFill>
-                  <a:schemeClr val="accent1">
-                    <a:lumMod val="75000"/>
-                  </a:schemeClr>
-                </a:solidFill>
-                <a:latin typeface="Cambria Math" panose="02040503050406030204" pitchFamily="18" charset="0"/>
-                <a:ea typeface="Cambria Math" panose="02040503050406030204" pitchFamily="18" charset="0"/>
-              </a:rPr>
-              <a:t>"1"</a:t>
-            </a:r>
-            <a:endParaRPr lang="de-AT" dirty="0"/>
+              <a:rPr lang="de-AT" dirty="0" smtClean="0"/>
+              <a:t>gehe nicht auf </a:t>
+            </a:r>
+          </a:p>
+          <a:p>
+            <a:r>
+              <a:rPr lang="de-AT" dirty="0" err="1" smtClean="0"/>
+              <a:t>object.size</a:t>
+            </a:r>
+            <a:r>
+              <a:rPr lang="de-AT" dirty="0" smtClean="0"/>
+              <a:t>, </a:t>
+            </a:r>
+            <a:r>
+              <a:rPr lang="de-AT" dirty="0" err="1" smtClean="0"/>
+              <a:t>memory.size,memory</a:t>
+            </a:r>
+            <a:r>
+              <a:rPr lang="de-AT" dirty="0" smtClean="0"/>
+              <a:t> </a:t>
+            </a:r>
+            <a:r>
+              <a:rPr lang="de-AT" dirty="0" err="1" smtClean="0"/>
+              <a:t>profiling</a:t>
+            </a:r>
+            <a:endParaRPr lang="de-AT" dirty="0" smtClean="0"/>
+          </a:p>
+          <a:p>
+            <a:endParaRPr lang="de-AT" dirty="0" smtClean="0"/>
+          </a:p>
+          <a:p>
+            <a:r>
+              <a:rPr lang="de-AT" dirty="0" err="1" smtClean="0"/>
+              <a:t>object.size</a:t>
+            </a:r>
+            <a:r>
+              <a:rPr lang="de-AT" dirty="0" smtClean="0"/>
+              <a:t>(c("a", "b", "c"))</a:t>
+            </a:r>
+          </a:p>
+          <a:p>
+            <a:r>
+              <a:rPr lang="de-AT" dirty="0" err="1" smtClean="0"/>
+              <a:t>object.size</a:t>
+            </a:r>
+            <a:r>
+              <a:rPr lang="de-AT" dirty="0" smtClean="0"/>
+              <a:t>(c("a", "b", "a", "b", "a", "b"))</a:t>
+            </a:r>
+          </a:p>
+          <a:p>
+            <a:r>
+              <a:rPr lang="de-AT" dirty="0" err="1" smtClean="0"/>
+              <a:t>object.size</a:t>
+            </a:r>
+            <a:r>
+              <a:rPr lang="de-AT" dirty="0" smtClean="0"/>
+              <a:t>(</a:t>
+            </a:r>
+            <a:r>
+              <a:rPr lang="de-AT" dirty="0" err="1" smtClean="0"/>
+              <a:t>factor</a:t>
+            </a:r>
+            <a:r>
+              <a:rPr lang="de-AT" dirty="0" smtClean="0"/>
+              <a:t>(c("a", "b", "a", "b", "a", "b")))</a:t>
+            </a:r>
+          </a:p>
+          <a:p>
+            <a:endParaRPr lang="de-AT" dirty="0" smtClean="0"/>
+          </a:p>
+          <a:p>
+            <a:r>
+              <a:rPr lang="de-AT" dirty="0" err="1" smtClean="0"/>
+              <a:t>object.size</a:t>
+            </a:r>
+            <a:r>
+              <a:rPr lang="de-AT" dirty="0" smtClean="0"/>
+              <a:t>(</a:t>
+            </a:r>
+            <a:r>
+              <a:rPr lang="de-AT" dirty="0" err="1" smtClean="0"/>
+              <a:t>rep</a:t>
+            </a:r>
+            <a:r>
+              <a:rPr lang="de-AT" dirty="0" smtClean="0"/>
+              <a:t>(c("a", "b", "a", "b", "a", "b"), 100))</a:t>
+            </a:r>
+          </a:p>
+          <a:p>
+            <a:r>
+              <a:rPr lang="de-AT" dirty="0" err="1" smtClean="0"/>
+              <a:t>object.size</a:t>
+            </a:r>
+            <a:r>
+              <a:rPr lang="de-AT" dirty="0" smtClean="0"/>
+              <a:t>(</a:t>
+            </a:r>
+            <a:r>
+              <a:rPr lang="de-AT" dirty="0" err="1" smtClean="0"/>
+              <a:t>factor</a:t>
+            </a:r>
+            <a:r>
+              <a:rPr lang="de-AT" dirty="0" smtClean="0"/>
+              <a:t>(</a:t>
+            </a:r>
+            <a:r>
+              <a:rPr lang="de-AT" dirty="0" err="1" smtClean="0"/>
+              <a:t>rep</a:t>
+            </a:r>
+            <a:r>
+              <a:rPr lang="de-AT" dirty="0" smtClean="0"/>
+              <a:t>(c("a", "b", "a", "b", "a", "b"), 100)))</a:t>
+            </a:r>
+          </a:p>
+          <a:p>
+            <a:endParaRPr lang="de-AT" dirty="0" smtClean="0"/>
+          </a:p>
+          <a:p>
+            <a:r>
+              <a:rPr lang="de-AT" dirty="0" err="1" smtClean="0"/>
+              <a:t>gc</a:t>
+            </a:r>
+            <a:r>
+              <a:rPr lang="de-AT" baseline="0" dirty="0" smtClean="0"/>
+              <a:t> – wird in der Regel nicht gebraucht</a:t>
+            </a:r>
+          </a:p>
+          <a:p>
+            <a:r>
+              <a:rPr lang="de-AT" baseline="0" dirty="0" smtClean="0"/>
+              <a:t>     - </a:t>
+            </a:r>
+            <a:r>
+              <a:rPr lang="de-AT" baseline="0" dirty="0" err="1" smtClean="0"/>
+              <a:t>get</a:t>
+            </a:r>
+            <a:r>
+              <a:rPr lang="de-AT" baseline="0" dirty="0" smtClean="0"/>
+              <a:t> an </a:t>
+            </a:r>
+            <a:r>
+              <a:rPr lang="de-AT" baseline="0" dirty="0" err="1" smtClean="0"/>
+              <a:t>impression</a:t>
+            </a:r>
+            <a:r>
+              <a:rPr lang="de-AT" baseline="0" dirty="0" smtClean="0"/>
+              <a:t> </a:t>
+            </a:r>
+            <a:r>
+              <a:rPr lang="de-AT" baseline="0" dirty="0" err="1" smtClean="0"/>
+              <a:t>of</a:t>
+            </a:r>
+            <a:r>
+              <a:rPr lang="de-AT" baseline="0" dirty="0" smtClean="0"/>
+              <a:t> </a:t>
+            </a:r>
+            <a:r>
+              <a:rPr lang="de-AT" baseline="0" dirty="0" err="1" smtClean="0"/>
+              <a:t>the</a:t>
+            </a:r>
+            <a:r>
+              <a:rPr lang="de-AT" baseline="0" dirty="0" smtClean="0"/>
+              <a:t> </a:t>
+            </a:r>
+            <a:r>
+              <a:rPr lang="de-AT" baseline="0" dirty="0" err="1" smtClean="0"/>
+              <a:t>memory</a:t>
+            </a:r>
+            <a:r>
+              <a:rPr lang="de-AT" baseline="0" dirty="0" smtClean="0"/>
+              <a:t> </a:t>
+            </a:r>
+            <a:r>
+              <a:rPr lang="de-AT" baseline="0" dirty="0" err="1" smtClean="0"/>
+              <a:t>used</a:t>
+            </a:r>
+            <a:r>
+              <a:rPr lang="de-AT" baseline="0" dirty="0" smtClean="0"/>
+              <a:t>: </a:t>
+            </a:r>
+            <a:r>
+              <a:rPr lang="de-AT" baseline="0" dirty="0" err="1" smtClean="0"/>
+              <a:t>gc</a:t>
+            </a:r>
+            <a:r>
+              <a:rPr lang="de-AT" baseline="0" dirty="0" smtClean="0"/>
+              <a:t>()[, 2]</a:t>
+            </a:r>
+          </a:p>
+          <a:p>
+            <a:endParaRPr lang="de-AT" baseline="0" dirty="0" smtClean="0"/>
+          </a:p>
+          <a:p>
+            <a:r>
+              <a:rPr lang="de-AT" baseline="0" dirty="0" err="1" smtClean="0"/>
+              <a:t>tracemem</a:t>
+            </a:r>
+            <a:endParaRPr lang="de-AT" baseline="0" dirty="0" smtClean="0"/>
+          </a:p>
+          <a:p>
+            <a:endParaRPr lang="de-AT" dirty="0" smtClean="0"/>
+          </a:p>
+          <a:p>
+            <a:endParaRPr lang="de-AT" dirty="0" smtClean="0"/>
+          </a:p>
+          <a:p>
+            <a:r>
+              <a:rPr lang="de-AT" dirty="0" smtClean="0"/>
+              <a:t>Dirk </a:t>
+            </a:r>
+            <a:r>
+              <a:rPr lang="de-AT" dirty="0" err="1" smtClean="0"/>
+              <a:t>Eddelbüttel</a:t>
+            </a:r>
+            <a:r>
+              <a:rPr lang="de-AT" dirty="0" smtClean="0"/>
+              <a:t> und Romain Francois</a:t>
+            </a:r>
           </a:p>
         </p:txBody>
       </p:sp>
@@ -3148,7 +2452,7 @@
           <a:p>
             <a:fld id="{55A21A8E-1F06-3147-ADBB-3B92C6634279}" type="slidenum">
               <a:rPr lang="de-DE" smtClean="0"/>
-              <a:t>20</a:t>
+              <a:t>19</a:t>
             </a:fld>
             <a:endParaRPr lang="de-DE"/>
           </a:p>
@@ -3157,7 +2461,7 @@
     </p:spTree>
     <p:extLst>
       <p:ext uri="{BB962C8B-B14F-4D97-AF65-F5344CB8AC3E}">
-        <p14:creationId xmlns:p14="http://schemas.microsoft.com/office/powerpoint/2010/main" val="44702267"/>
+        <p14:creationId xmlns:p14="http://schemas.microsoft.com/office/powerpoint/2010/main" val="1265722520"/>
       </p:ext>
     </p:extLst>
   </p:cSld>
@@ -3212,62 +2516,18 @@
           <a:lstStyle/>
           <a:p>
             <a:r>
-              <a:rPr lang="de-AT" dirty="0" err="1" smtClean="0"/>
-              <a:t>ByteCompile</a:t>
-            </a:r>
-            <a:r>
-              <a:rPr lang="de-AT" dirty="0" smtClean="0"/>
-              <a:t>: </a:t>
-            </a:r>
-            <a:r>
-              <a:rPr lang="de-AT" dirty="0" err="1" smtClean="0"/>
-              <a:t>true</a:t>
-            </a:r>
-            <a:r>
-              <a:rPr lang="de-AT" dirty="0" smtClean="0"/>
-              <a:t> in R-</a:t>
-            </a:r>
-            <a:r>
-              <a:rPr lang="de-AT" dirty="0" err="1" smtClean="0"/>
-              <a:t>package</a:t>
-            </a:r>
-            <a:r>
-              <a:rPr lang="de-AT" dirty="0" smtClean="0"/>
-              <a:t> </a:t>
-            </a:r>
-            <a:r>
-              <a:rPr lang="de-AT" dirty="0" err="1" smtClean="0"/>
-              <a:t>description</a:t>
-            </a:r>
-            <a:endParaRPr lang="de-AT" dirty="0" smtClean="0"/>
-          </a:p>
-          <a:p>
-            <a:endParaRPr lang="de-AT" dirty="0" smtClean="0"/>
-          </a:p>
-          <a:p>
-            <a:r>
-              <a:rPr lang="de-AT" dirty="0" smtClean="0"/>
-              <a:t>umgebungsvariable</a:t>
-            </a:r>
-            <a:r>
-              <a:rPr lang="de-AT" baseline="0" dirty="0" smtClean="0"/>
-              <a:t> </a:t>
-            </a:r>
-            <a:r>
-              <a:rPr lang="de-AT" dirty="0" smtClean="0"/>
-              <a:t>R_DEFAULT_PACKAGES=</a:t>
-            </a:r>
-            <a:r>
-              <a:rPr lang="de-AT" dirty="0" err="1" smtClean="0"/>
-              <a:t>char</a:t>
-            </a:r>
-            <a:r>
-              <a:rPr lang="de-AT" dirty="0" smtClean="0"/>
-              <a:t>, R_COMPILE_PKGS=integer</a:t>
-            </a:r>
-          </a:p>
-          <a:p>
-            <a:endParaRPr lang="de-AT" dirty="0" smtClean="0"/>
+              <a:rPr lang="de-AT" dirty="0" smtClean="0">
+                <a:solidFill>
+                  <a:schemeClr val="accent1">
+                    <a:lumMod val="75000"/>
+                  </a:schemeClr>
+                </a:solidFill>
+                <a:latin typeface="Cambria Math" panose="02040503050406030204" pitchFamily="18" charset="0"/>
+                <a:ea typeface="Cambria Math" panose="02040503050406030204" pitchFamily="18" charset="0"/>
+              </a:rPr>
+              <a:t>"1"</a:t>
+            </a:r>
+            <a:endParaRPr lang="de-AT" dirty="0"/>
           </a:p>
         </p:txBody>
       </p:sp>
@@ -3288,7 +2548,7 @@
           <a:p>
             <a:fld id="{55A21A8E-1F06-3147-ADBB-3B92C6634279}" type="slidenum">
               <a:rPr lang="de-DE" smtClean="0"/>
-              <a:t>21</a:t>
+              <a:t>20</a:t>
             </a:fld>
             <a:endParaRPr lang="de-DE"/>
           </a:p>
@@ -3297,7 +2557,7 @@
     </p:spTree>
     <p:extLst>
       <p:ext uri="{BB962C8B-B14F-4D97-AF65-F5344CB8AC3E}">
-        <p14:creationId xmlns:p14="http://schemas.microsoft.com/office/powerpoint/2010/main" val="2263264039"/>
+        <p14:creationId xmlns:p14="http://schemas.microsoft.com/office/powerpoint/2010/main" val="44702267"/>
       </p:ext>
     </p:extLst>
   </p:cSld>
@@ -3428,7 +2688,7 @@
           <a:p>
             <a:fld id="{55A21A8E-1F06-3147-ADBB-3B92C6634279}" type="slidenum">
               <a:rPr lang="de-DE" smtClean="0"/>
-              <a:t>22</a:t>
+              <a:t>21</a:t>
             </a:fld>
             <a:endParaRPr lang="de-DE"/>
           </a:p>
@@ -3437,7 +2697,7 @@
     </p:spTree>
     <p:extLst>
       <p:ext uri="{BB962C8B-B14F-4D97-AF65-F5344CB8AC3E}">
-        <p14:creationId xmlns:p14="http://schemas.microsoft.com/office/powerpoint/2010/main" val="1791153736"/>
+        <p14:creationId xmlns:p14="http://schemas.microsoft.com/office/powerpoint/2010/main" val="2263264039"/>
       </p:ext>
     </p:extLst>
   </p:cSld>
@@ -3495,224 +2755,7 @@
               <a:buFont typeface="Arial" panose="020B0604020202020204" pitchFamily="34" charset="0"/>
               <a:buChar char="•"/>
             </a:pPr>
-            <a:r>
-              <a:rPr lang="de-AT" dirty="0" err="1" smtClean="0"/>
-              <a:t>Advanced</a:t>
-            </a:r>
-            <a:r>
-              <a:rPr lang="de-AT" dirty="0" smtClean="0"/>
-              <a:t> R</a:t>
-            </a:r>
-          </a:p>
-          <a:p>
-            <a:pPr marL="0" indent="0">
-              <a:buFont typeface="Arial" panose="020B0604020202020204" pitchFamily="34" charset="0"/>
-              <a:buNone/>
-            </a:pPr>
-            <a:r>
-              <a:rPr lang="de-AT" dirty="0" smtClean="0"/>
-              <a:t>als ich begonnen habe mich auf den Workshop</a:t>
-            </a:r>
-            <a:r>
-              <a:rPr lang="de-AT" baseline="0" dirty="0" smtClean="0"/>
-              <a:t> vorzubereiten und eine ungefähre Ahnung über Inhalt und Struktur hatte, habe ich nach ähnlichen Arbeiten gesucht um mir einen Überblick zu verschaffen und da bin ich nach dem ersten Eintrag in Google auf das Buch von </a:t>
-            </a:r>
-            <a:r>
-              <a:rPr lang="de-AT" baseline="0" dirty="0" err="1" smtClean="0"/>
-              <a:t>hadley</a:t>
-            </a:r>
-            <a:r>
-              <a:rPr lang="de-AT" baseline="0" dirty="0" smtClean="0"/>
-              <a:t> </a:t>
-            </a:r>
-            <a:r>
-              <a:rPr lang="de-AT" baseline="0" dirty="0" err="1" smtClean="0"/>
-              <a:t>Wickham</a:t>
-            </a:r>
-            <a:r>
-              <a:rPr lang="de-AT" baseline="0" dirty="0" smtClean="0"/>
-              <a:t> von 2016 gestoßen</a:t>
-            </a:r>
-          </a:p>
-          <a:p>
-            <a:pPr marL="0" indent="0">
-              <a:buFont typeface="Arial" panose="020B0604020202020204" pitchFamily="34" charset="0"/>
-              <a:buNone/>
-            </a:pPr>
-            <a:endParaRPr lang="de-AT" baseline="0" dirty="0" smtClean="0"/>
-          </a:p>
-          <a:p>
-            <a:pPr marL="0" indent="0">
-              <a:buFont typeface="Arial" panose="020B0604020202020204" pitchFamily="34" charset="0"/>
-              <a:buNone/>
-            </a:pPr>
-            <a:r>
-              <a:rPr lang="de-AT" baseline="0" dirty="0" smtClean="0"/>
-              <a:t>das ist ein </a:t>
-            </a:r>
-            <a:r>
-              <a:rPr lang="de-AT" baseline="0" dirty="0" err="1" smtClean="0"/>
-              <a:t>hervoragendes</a:t>
-            </a:r>
-            <a:r>
-              <a:rPr lang="de-AT" baseline="0" dirty="0" smtClean="0"/>
-              <a:t> Buch und ich hatte keine niedrigen Ansprüche an seine Arbeiten</a:t>
-            </a:r>
-          </a:p>
-          <a:p>
-            <a:pPr marL="0" indent="0">
-              <a:buFont typeface="Arial" panose="020B0604020202020204" pitchFamily="34" charset="0"/>
-              <a:buNone/>
-            </a:pPr>
-            <a:endParaRPr lang="de-AT" baseline="0" dirty="0" smtClean="0"/>
-          </a:p>
-          <a:p>
-            <a:pPr marL="0" indent="0">
-              <a:buFont typeface="Arial" panose="020B0604020202020204" pitchFamily="34" charset="0"/>
-              <a:buNone/>
-            </a:pPr>
-            <a:r>
-              <a:rPr lang="de-AT" baseline="0" dirty="0" smtClean="0"/>
-              <a:t>ich bestücke vor allem die ersten beiden Teile meines Workshops aus seinem Buch</a:t>
-            </a:r>
-          </a:p>
-          <a:p>
-            <a:pPr marL="0" indent="0">
-              <a:buFont typeface="Arial" panose="020B0604020202020204" pitchFamily="34" charset="0"/>
-              <a:buNone/>
-            </a:pPr>
-            <a:endParaRPr lang="de-AT" baseline="0" dirty="0" smtClean="0"/>
-          </a:p>
-          <a:p>
-            <a:pPr marL="0" indent="0">
-              <a:buFont typeface="Arial" panose="020B0604020202020204" pitchFamily="34" charset="0"/>
-              <a:buNone/>
-            </a:pPr>
-            <a:r>
-              <a:rPr lang="de-AT" baseline="0" dirty="0" smtClean="0"/>
-              <a:t>einige Dinge daraus waren mir selbst neu; vor allem der Fokus auf das funktionale Programmieren, das ich hier nur kurz anschneide.</a:t>
-            </a:r>
-          </a:p>
-          <a:p>
-            <a:pPr marL="0" indent="0">
-              <a:buFont typeface="Arial" panose="020B0604020202020204" pitchFamily="34" charset="0"/>
-              <a:buNone/>
-            </a:pPr>
-            <a:endParaRPr lang="de-AT" baseline="0" dirty="0" smtClean="0"/>
-          </a:p>
-          <a:p>
-            <a:pPr marL="0" indent="0">
-              <a:buFont typeface="Arial" panose="020B0604020202020204" pitchFamily="34" charset="0"/>
-              <a:buNone/>
-            </a:pPr>
-            <a:r>
-              <a:rPr lang="de-AT" baseline="0" dirty="0" smtClean="0"/>
-              <a:t>Für R-</a:t>
-            </a:r>
-            <a:r>
-              <a:rPr lang="de-AT" baseline="0" dirty="0" err="1" smtClean="0"/>
-              <a:t>Packaging</a:t>
-            </a:r>
-            <a:r>
-              <a:rPr lang="de-AT" baseline="0" dirty="0" smtClean="0"/>
-              <a:t> und Report-Generation bediene ich mich zweier anderer Ressourcen, von denen ich annehme, dass Hadley W. sie absichtlich aus seinem Buch außen vor gelassen hat. Dafür werde ich einige Dinge, auf die er größeren Fokus legt nur anreißen</a:t>
-            </a:r>
-          </a:p>
-          <a:p>
-            <a:pPr marL="0" indent="0">
-              <a:buFont typeface="Arial" panose="020B0604020202020204" pitchFamily="34" charset="0"/>
-              <a:buNone/>
-            </a:pPr>
-            <a:endParaRPr lang="de-AT" dirty="0" smtClean="0"/>
-          </a:p>
-          <a:p>
-            <a:pPr marL="171450" indent="-171450">
-              <a:buFont typeface="Arial" panose="020B0604020202020204" pitchFamily="34" charset="0"/>
-              <a:buChar char="•"/>
-            </a:pPr>
-            <a:r>
-              <a:rPr lang="de-AT" dirty="0" err="1" smtClean="0"/>
-              <a:t>yihui</a:t>
-            </a:r>
-            <a:r>
-              <a:rPr lang="de-AT" dirty="0" smtClean="0"/>
-              <a:t> xi:</a:t>
-            </a:r>
-          </a:p>
-          <a:p>
-            <a:pPr marL="0" indent="0">
-              <a:buFont typeface="Arial" panose="020B0604020202020204" pitchFamily="34" charset="0"/>
-              <a:buNone/>
-            </a:pPr>
-            <a:r>
-              <a:rPr lang="de-AT" dirty="0" err="1" smtClean="0"/>
-              <a:t>software</a:t>
-            </a:r>
-            <a:r>
-              <a:rPr lang="de-AT" dirty="0" smtClean="0"/>
-              <a:t> </a:t>
-            </a:r>
-            <a:r>
-              <a:rPr lang="de-AT" dirty="0" err="1" smtClean="0"/>
-              <a:t>engineer</a:t>
-            </a:r>
-            <a:r>
-              <a:rPr lang="de-AT" dirty="0" smtClean="0"/>
-              <a:t> at </a:t>
-            </a:r>
-            <a:r>
-              <a:rPr lang="de-AT" dirty="0" err="1" smtClean="0">
-                <a:hlinkClick r:id="rId3"/>
-              </a:rPr>
-              <a:t>Rstudio</a:t>
-            </a:r>
-            <a:endParaRPr lang="de-AT" dirty="0" smtClean="0"/>
-          </a:p>
-          <a:p>
-            <a:pPr marL="0" indent="0">
-              <a:buFont typeface="Arial" panose="020B0604020202020204" pitchFamily="34" charset="0"/>
-              <a:buNone/>
-            </a:pPr>
-            <a:r>
-              <a:rPr lang="en-US" dirty="0" smtClean="0"/>
-              <a:t>maintain the </a:t>
-            </a:r>
-            <a:r>
-              <a:rPr lang="en-US" dirty="0" err="1" smtClean="0"/>
-              <a:t>Sweave</a:t>
-            </a:r>
-            <a:r>
-              <a:rPr lang="en-US" dirty="0" smtClean="0"/>
-              <a:t> and </a:t>
-            </a:r>
-            <a:r>
-              <a:rPr lang="en-US" dirty="0" err="1" smtClean="0"/>
-              <a:t>knitr</a:t>
-            </a:r>
-            <a:r>
-              <a:rPr lang="en-US" dirty="0" smtClean="0"/>
-              <a:t> modules in </a:t>
-            </a:r>
-            <a:r>
-              <a:rPr lang="en-US" dirty="0" err="1" smtClean="0"/>
-              <a:t>LyX</a:t>
-            </a:r>
-            <a:r>
-              <a:rPr lang="en-US" dirty="0" smtClean="0"/>
-              <a:t> with Jean-Marc </a:t>
-            </a:r>
-            <a:r>
-              <a:rPr lang="en-US" dirty="0" err="1" smtClean="0"/>
-              <a:t>Lasgouttes</a:t>
-            </a:r>
-            <a:endParaRPr lang="en-US" dirty="0" smtClean="0"/>
-          </a:p>
-          <a:p>
-            <a:pPr marL="0" indent="0">
-              <a:buFont typeface="Arial" panose="020B0604020202020204" pitchFamily="34" charset="0"/>
-              <a:buNone/>
-            </a:pPr>
-            <a:endParaRPr lang="en-US" dirty="0" smtClean="0"/>
+            <a:endParaRPr lang="de-AT" dirty="0"/>
           </a:p>
         </p:txBody>
       </p:sp>
@@ -3733,7 +2776,7 @@
           <a:p>
             <a:fld id="{55A21A8E-1F06-3147-ADBB-3B92C6634279}" type="slidenum">
               <a:rPr lang="de-DE" smtClean="0"/>
-              <a:t>5</a:t>
+              <a:t>4</a:t>
             </a:fld>
             <a:endParaRPr lang="de-DE"/>
           </a:p>
@@ -3742,7 +2785,147 @@
     </p:spTree>
     <p:extLst>
       <p:ext uri="{BB962C8B-B14F-4D97-AF65-F5344CB8AC3E}">
-        <p14:creationId xmlns:p14="http://schemas.microsoft.com/office/powerpoint/2010/main" val="2373590610"/>
+        <p14:creationId xmlns:p14="http://schemas.microsoft.com/office/powerpoint/2010/main" val="306255573"/>
+      </p:ext>
+    </p:extLst>
+  </p:cSld>
+  <p:clrMapOvr>
+    <a:masterClrMapping/>
+  </p:clrMapOvr>
+</p:notes>
+</file>
+
+<file path=ppt/notesSlides/notesSlide20.xml><?xml version="1.0" encoding="utf-8"?>
+<p:notes xmlns:a="http://schemas.openxmlformats.org/drawingml/2006/main" xmlns:r="http://schemas.openxmlformats.org/officeDocument/2006/relationships" xmlns:p="http://schemas.openxmlformats.org/presentationml/2006/main">
+  <p:cSld>
+    <p:spTree>
+      <p:nvGrpSpPr>
+        <p:cNvPr id="1" name=""/>
+        <p:cNvGrpSpPr/>
+        <p:nvPr/>
+      </p:nvGrpSpPr>
+      <p:grpSpPr>
+        <a:xfrm>
+          <a:off x="0" y="0"/>
+          <a:ext cx="0" cy="0"/>
+          <a:chOff x="0" y="0"/>
+          <a:chExt cx="0" cy="0"/>
+        </a:xfrm>
+      </p:grpSpPr>
+      <p:sp>
+        <p:nvSpPr>
+          <p:cNvPr id="2" name="Folienbildplatzhalter 1"/>
+          <p:cNvSpPr>
+            <a:spLocks noGrp="1" noRot="1" noChangeAspect="1"/>
+          </p:cNvSpPr>
+          <p:nvPr>
+            <p:ph type="sldImg"/>
+          </p:nvPr>
+        </p:nvSpPr>
+        <p:spPr/>
+      </p:sp>
+      <p:sp>
+        <p:nvSpPr>
+          <p:cNvPr id="3" name="Notizenplatzhalter 2"/>
+          <p:cNvSpPr>
+            <a:spLocks noGrp="1"/>
+          </p:cNvSpPr>
+          <p:nvPr>
+            <p:ph type="body" idx="1"/>
+          </p:nvPr>
+        </p:nvSpPr>
+        <p:spPr/>
+        <p:txBody>
+          <a:bodyPr/>
+          <a:lstStyle/>
+          <a:p>
+            <a:r>
+              <a:rPr lang="de-AT" dirty="0" err="1" smtClean="0"/>
+              <a:t>ByteCompile</a:t>
+            </a:r>
+            <a:r>
+              <a:rPr lang="de-AT" dirty="0" smtClean="0"/>
+              <a:t>: </a:t>
+            </a:r>
+            <a:r>
+              <a:rPr lang="de-AT" dirty="0" err="1" smtClean="0"/>
+              <a:t>true</a:t>
+            </a:r>
+            <a:r>
+              <a:rPr lang="de-AT" dirty="0" smtClean="0"/>
+              <a:t> in R-</a:t>
+            </a:r>
+            <a:r>
+              <a:rPr lang="de-AT" dirty="0" err="1" smtClean="0"/>
+              <a:t>package</a:t>
+            </a:r>
+            <a:r>
+              <a:rPr lang="de-AT" dirty="0" smtClean="0"/>
+              <a:t> </a:t>
+            </a:r>
+            <a:r>
+              <a:rPr lang="de-AT" dirty="0" err="1" smtClean="0"/>
+              <a:t>description</a:t>
+            </a:r>
+            <a:endParaRPr lang="de-AT" dirty="0" smtClean="0"/>
+          </a:p>
+          <a:p>
+            <a:endParaRPr lang="de-AT" dirty="0" smtClean="0"/>
+          </a:p>
+          <a:p>
+            <a:r>
+              <a:rPr lang="de-AT" dirty="0" smtClean="0"/>
+              <a:t>umgebungsvariable</a:t>
+            </a:r>
+            <a:r>
+              <a:rPr lang="de-AT" baseline="0" dirty="0" smtClean="0"/>
+              <a:t> </a:t>
+            </a:r>
+            <a:r>
+              <a:rPr lang="de-AT" dirty="0" smtClean="0"/>
+              <a:t>R_DEFAULT_PACKAGES=</a:t>
+            </a:r>
+            <a:r>
+              <a:rPr lang="de-AT" dirty="0" err="1" smtClean="0"/>
+              <a:t>char</a:t>
+            </a:r>
+            <a:r>
+              <a:rPr lang="de-AT" dirty="0" smtClean="0"/>
+              <a:t>, R_COMPILE_PKGS=integer</a:t>
+            </a:r>
+          </a:p>
+          <a:p>
+            <a:endParaRPr lang="de-AT" dirty="0" smtClean="0"/>
+          </a:p>
+        </p:txBody>
+      </p:sp>
+      <p:sp>
+        <p:nvSpPr>
+          <p:cNvPr id="4" name="Foliennummernplatzhalter 3"/>
+          <p:cNvSpPr>
+            <a:spLocks noGrp="1"/>
+          </p:cNvSpPr>
+          <p:nvPr>
+            <p:ph type="sldNum" sz="quarter" idx="10"/>
+          </p:nvPr>
+        </p:nvSpPr>
+        <p:spPr/>
+        <p:txBody>
+          <a:bodyPr/>
+          <a:lstStyle/>
+          <a:p>
+            <a:fld id="{55A21A8E-1F06-3147-ADBB-3B92C6634279}" type="slidenum">
+              <a:rPr lang="de-DE" smtClean="0"/>
+              <a:t>22</a:t>
+            </a:fld>
+            <a:endParaRPr lang="de-DE"/>
+          </a:p>
+        </p:txBody>
+      </p:sp>
+    </p:spTree>
+    <p:extLst>
+      <p:ext uri="{BB962C8B-B14F-4D97-AF65-F5344CB8AC3E}">
+        <p14:creationId xmlns:p14="http://schemas.microsoft.com/office/powerpoint/2010/main" val="1791153736"/>
       </p:ext>
     </p:extLst>
   </p:cSld>
@@ -3796,259 +2979,228 @@
           <a:bodyPr/>
           <a:lstStyle/>
           <a:p>
-            <a:r>
-              <a:rPr lang="de-AT" sz="1200" kern="1200" dirty="0" smtClean="0">
-                <a:solidFill>
-                  <a:schemeClr val="tx1"/>
-                </a:solidFill>
-                <a:effectLst/>
-                <a:latin typeface="+mn-lt"/>
-                <a:ea typeface="+mn-ea"/>
-                <a:cs typeface="+mn-cs"/>
-              </a:rPr>
-              <a:t>Patrick Burns R-Inferno – 9 </a:t>
-            </a:r>
-            <a:r>
-              <a:rPr lang="de-AT" sz="1200" kern="1200" dirty="0" err="1" smtClean="0">
-                <a:solidFill>
-                  <a:schemeClr val="tx1"/>
-                </a:solidFill>
-                <a:effectLst/>
-                <a:latin typeface="+mn-lt"/>
-                <a:ea typeface="+mn-ea"/>
-                <a:cs typeface="+mn-cs"/>
-              </a:rPr>
-              <a:t>circles</a:t>
-            </a:r>
-            <a:r>
-              <a:rPr lang="de-AT" sz="1200" kern="1200" dirty="0" smtClean="0">
-                <a:solidFill>
-                  <a:schemeClr val="tx1"/>
-                </a:solidFill>
-                <a:effectLst/>
-                <a:latin typeface="+mn-lt"/>
-                <a:ea typeface="+mn-ea"/>
-                <a:cs typeface="+mn-cs"/>
-              </a:rPr>
+            <a:pPr marL="171450" indent="-171450">
+              <a:buFont typeface="Arial" panose="020B0604020202020204" pitchFamily="34" charset="0"/>
+              <a:buChar char="•"/>
+            </a:pPr>
+            <a:r>
+              <a:rPr lang="de-AT" dirty="0" err="1" smtClean="0"/>
+              <a:t>Advanced</a:t>
+            </a:r>
+            <a:r>
+              <a:rPr lang="de-AT" dirty="0" smtClean="0"/>
+              <a:t> R</a:t>
+            </a:r>
+          </a:p>
+          <a:p>
+            <a:pPr marL="0" indent="0">
+              <a:buFont typeface="Arial" panose="020B0604020202020204" pitchFamily="34" charset="0"/>
+              <a:buNone/>
+            </a:pPr>
+            <a:r>
+              <a:rPr lang="de-AT" dirty="0" smtClean="0"/>
+              <a:t>als ich begonnen habe mich auf den Workshop</a:t>
+            </a:r>
+            <a:r>
+              <a:rPr lang="de-AT" baseline="0" dirty="0" smtClean="0"/>
+              <a:t> vorzubereiten und eine ungefähre Ahnung über Inhalt und Struktur hatte, habe ich nach ähnlichen Arbeiten gesucht um mir einen Überblick zu verschaffen und da bin ich nach dem ersten Eintrag in Google auf das Buch von </a:t>
+            </a:r>
+            <a:r>
+              <a:rPr lang="de-AT" baseline="0" dirty="0" err="1" smtClean="0"/>
+              <a:t>hadley</a:t>
+            </a:r>
+            <a:r>
+              <a:rPr lang="de-AT" baseline="0" dirty="0" smtClean="0"/>
               <a:t> </a:t>
             </a:r>
             <a:r>
-              <a:rPr lang="de-AT" sz="1200" kern="1200" dirty="0" err="1" smtClean="0">
-                <a:solidFill>
-                  <a:schemeClr val="tx1"/>
-                </a:solidFill>
-                <a:effectLst/>
-                <a:latin typeface="+mn-lt"/>
-                <a:ea typeface="+mn-ea"/>
-                <a:cs typeface="+mn-cs"/>
-              </a:rPr>
-              <a:t>of</a:t>
-            </a:r>
-            <a:r>
-              <a:rPr lang="de-AT" sz="1200" kern="1200" dirty="0" smtClean="0">
-                <a:solidFill>
-                  <a:schemeClr val="tx1"/>
-                </a:solidFill>
-                <a:effectLst/>
-                <a:latin typeface="+mn-lt"/>
-                <a:ea typeface="+mn-ea"/>
-                <a:cs typeface="+mn-cs"/>
-              </a:rPr>
-              <a:t> R-Hell</a:t>
-            </a:r>
-            <a:r>
-              <a:rPr lang="de-AT" sz="1200" kern="1200" baseline="0" dirty="0" smtClean="0">
-                <a:solidFill>
-                  <a:schemeClr val="tx1"/>
-                </a:solidFill>
-                <a:effectLst/>
-                <a:latin typeface="+mn-lt"/>
-                <a:ea typeface="+mn-ea"/>
-                <a:cs typeface="+mn-cs"/>
-              </a:rPr>
+              <a:rPr lang="de-AT" baseline="0" dirty="0" err="1" smtClean="0"/>
+              <a:t>Wickham</a:t>
+            </a:r>
+            <a:r>
+              <a:rPr lang="de-AT" baseline="0" dirty="0" smtClean="0"/>
+              <a:t> von 2016 gestoßen</a:t>
+            </a:r>
+          </a:p>
+          <a:p>
+            <a:pPr marL="0" indent="0">
+              <a:buFont typeface="Arial" panose="020B0604020202020204" pitchFamily="34" charset="0"/>
+              <a:buNone/>
+            </a:pPr>
+            <a:endParaRPr lang="de-AT" baseline="0" dirty="0" smtClean="0"/>
+          </a:p>
+          <a:p>
+            <a:pPr marL="0" indent="0">
+              <a:buFont typeface="Arial" panose="020B0604020202020204" pitchFamily="34" charset="0"/>
+              <a:buNone/>
+            </a:pPr>
+            <a:r>
+              <a:rPr lang="de-AT" baseline="0" dirty="0" smtClean="0"/>
+              <a:t>das ist ein </a:t>
+            </a:r>
+            <a:r>
+              <a:rPr lang="de-AT" baseline="0" dirty="0" err="1" smtClean="0"/>
+              <a:t>hervoragendes</a:t>
+            </a:r>
+            <a:r>
+              <a:rPr lang="de-AT" baseline="0" dirty="0" smtClean="0"/>
+              <a:t> Buch und ich hatte keine niedrigen Ansprüche an seine Arbeiten</a:t>
+            </a:r>
+          </a:p>
+          <a:p>
+            <a:pPr marL="0" indent="0">
+              <a:buFont typeface="Arial" panose="020B0604020202020204" pitchFamily="34" charset="0"/>
+              <a:buNone/>
+            </a:pPr>
+            <a:endParaRPr lang="de-AT" baseline="0" dirty="0" smtClean="0"/>
+          </a:p>
+          <a:p>
+            <a:pPr marL="0" indent="0">
+              <a:buFont typeface="Arial" panose="020B0604020202020204" pitchFamily="34" charset="0"/>
+              <a:buNone/>
+            </a:pPr>
+            <a:r>
+              <a:rPr lang="de-AT" baseline="0" dirty="0" smtClean="0"/>
+              <a:t>ich bestücke vor allem die ersten beiden Teile meines Workshops aus seinem Buch</a:t>
+            </a:r>
+          </a:p>
+          <a:p>
+            <a:pPr marL="0" indent="0">
+              <a:buFont typeface="Arial" panose="020B0604020202020204" pitchFamily="34" charset="0"/>
+              <a:buNone/>
+            </a:pPr>
+            <a:endParaRPr lang="de-AT" baseline="0" dirty="0" smtClean="0"/>
+          </a:p>
+          <a:p>
+            <a:pPr marL="0" indent="0">
+              <a:buFont typeface="Arial" panose="020B0604020202020204" pitchFamily="34" charset="0"/>
+              <a:buNone/>
+            </a:pPr>
+            <a:r>
+              <a:rPr lang="de-AT" baseline="0" dirty="0" smtClean="0"/>
+              <a:t>einige Dinge daraus waren mir selbst neu; vor allem der Fokus auf das funktionale Programmieren, das ich hier nur kurz anschneide.</a:t>
+            </a:r>
+          </a:p>
+          <a:p>
+            <a:pPr marL="0" indent="0">
+              <a:buFont typeface="Arial" panose="020B0604020202020204" pitchFamily="34" charset="0"/>
+              <a:buNone/>
+            </a:pPr>
+            <a:endParaRPr lang="de-AT" baseline="0" dirty="0" smtClean="0"/>
+          </a:p>
+          <a:p>
+            <a:pPr marL="0" indent="0">
+              <a:buFont typeface="Arial" panose="020B0604020202020204" pitchFamily="34" charset="0"/>
+              <a:buNone/>
+            </a:pPr>
+            <a:r>
+              <a:rPr lang="de-AT" baseline="0" dirty="0" smtClean="0"/>
+              <a:t>Für R-</a:t>
+            </a:r>
+            <a:r>
+              <a:rPr lang="de-AT" baseline="0" dirty="0" err="1" smtClean="0"/>
+              <a:t>Packaging</a:t>
+            </a:r>
+            <a:r>
+              <a:rPr lang="de-AT" baseline="0" dirty="0" smtClean="0"/>
+              <a:t> und Report-Generation bediene ich mich zweier anderer Ressourcen, von denen ich annehme, dass Hadley W. sie absichtlich aus seinem Buch außen vor gelassen hat. Dafür werde ich einige Dinge, auf die er größeren Fokus legt nur anreißen</a:t>
+            </a:r>
+          </a:p>
+          <a:p>
+            <a:pPr marL="0" indent="0">
+              <a:buFont typeface="Arial" panose="020B0604020202020204" pitchFamily="34" charset="0"/>
+              <a:buNone/>
+            </a:pPr>
+            <a:endParaRPr lang="de-AT" dirty="0" smtClean="0"/>
+          </a:p>
+          <a:p>
+            <a:pPr marL="171450" indent="-171450">
+              <a:buFont typeface="Arial" panose="020B0604020202020204" pitchFamily="34" charset="0"/>
+              <a:buChar char="•"/>
+            </a:pPr>
+            <a:r>
+              <a:rPr lang="de-AT" dirty="0" err="1" smtClean="0"/>
+              <a:t>yihui</a:t>
+            </a:r>
+            <a:r>
+              <a:rPr lang="de-AT" dirty="0" smtClean="0"/>
+              <a:t> xi:</a:t>
+            </a:r>
+          </a:p>
+          <a:p>
+            <a:pPr marL="0" indent="0">
+              <a:buFont typeface="Arial" panose="020B0604020202020204" pitchFamily="34" charset="0"/>
+              <a:buNone/>
+            </a:pPr>
+            <a:r>
+              <a:rPr lang="de-AT" dirty="0" err="1" smtClean="0"/>
+              <a:t>software</a:t>
+            </a:r>
+            <a:r>
+              <a:rPr lang="de-AT" dirty="0" smtClean="0"/>
               <a:t> </a:t>
             </a:r>
             <a:r>
-              <a:rPr lang="de-AT" sz="1200" kern="1200" baseline="0" dirty="0" err="1" smtClean="0">
-                <a:solidFill>
-                  <a:schemeClr val="tx1"/>
-                </a:solidFill>
-                <a:effectLst/>
-                <a:latin typeface="+mn-lt"/>
-                <a:ea typeface="+mn-ea"/>
-                <a:cs typeface="+mn-cs"/>
-              </a:rPr>
-              <a:t>and</a:t>
-            </a:r>
-            <a:r>
-              <a:rPr lang="de-AT" sz="1200" kern="1200" baseline="0" dirty="0" smtClean="0">
-                <a:solidFill>
-                  <a:schemeClr val="tx1"/>
-                </a:solidFill>
-                <a:effectLst/>
-                <a:latin typeface="+mn-lt"/>
-                <a:ea typeface="+mn-ea"/>
-                <a:cs typeface="+mn-cs"/>
-              </a:rPr>
-              <a:t> </a:t>
-            </a:r>
-            <a:r>
-              <a:rPr lang="de-AT" sz="1200" kern="1200" baseline="0" dirty="0" err="1" smtClean="0">
-                <a:solidFill>
-                  <a:schemeClr val="tx1"/>
-                </a:solidFill>
-                <a:effectLst/>
-                <a:latin typeface="+mn-lt"/>
-                <a:ea typeface="+mn-ea"/>
-                <a:cs typeface="+mn-cs"/>
-              </a:rPr>
-              <a:t>how</a:t>
-            </a:r>
-            <a:r>
-              <a:rPr lang="de-AT" sz="1200" kern="1200" baseline="0" dirty="0" smtClean="0">
-                <a:solidFill>
-                  <a:schemeClr val="tx1"/>
-                </a:solidFill>
-                <a:effectLst/>
-                <a:latin typeface="+mn-lt"/>
-                <a:ea typeface="+mn-ea"/>
-                <a:cs typeface="+mn-cs"/>
-              </a:rPr>
-              <a:t> </a:t>
-            </a:r>
-            <a:r>
-              <a:rPr lang="de-AT" sz="1200" kern="1200" baseline="0" dirty="0" err="1" smtClean="0">
-                <a:solidFill>
-                  <a:schemeClr val="tx1"/>
-                </a:solidFill>
-                <a:effectLst/>
-                <a:latin typeface="+mn-lt"/>
-                <a:ea typeface="+mn-ea"/>
-                <a:cs typeface="+mn-cs"/>
-              </a:rPr>
-              <a:t>to</a:t>
-            </a:r>
-            <a:r>
-              <a:rPr lang="de-AT" sz="1200" kern="1200" baseline="0" dirty="0" smtClean="0">
-                <a:solidFill>
-                  <a:schemeClr val="tx1"/>
-                </a:solidFill>
-                <a:effectLst/>
-                <a:latin typeface="+mn-lt"/>
-                <a:ea typeface="+mn-ea"/>
-                <a:cs typeface="+mn-cs"/>
-              </a:rPr>
-              <a:t> </a:t>
-            </a:r>
-            <a:r>
-              <a:rPr lang="de-AT" sz="1200" kern="1200" baseline="0" dirty="0" err="1" smtClean="0">
-                <a:solidFill>
-                  <a:schemeClr val="tx1"/>
-                </a:solidFill>
-                <a:effectLst/>
-                <a:latin typeface="+mn-lt"/>
-                <a:ea typeface="+mn-ea"/>
-                <a:cs typeface="+mn-cs"/>
-              </a:rPr>
-              <a:t>get</a:t>
-            </a:r>
-            <a:r>
-              <a:rPr lang="de-AT" sz="1200" kern="1200" baseline="0" dirty="0" smtClean="0">
-                <a:solidFill>
-                  <a:schemeClr val="tx1"/>
-                </a:solidFill>
-                <a:effectLst/>
-                <a:latin typeface="+mn-lt"/>
-                <a:ea typeface="+mn-ea"/>
-                <a:cs typeface="+mn-cs"/>
-              </a:rPr>
-              <a:t> out</a:t>
-            </a:r>
-            <a:endParaRPr lang="de-AT" sz="1200" kern="1200" dirty="0" smtClean="0">
-              <a:solidFill>
-                <a:schemeClr val="tx1"/>
-              </a:solidFill>
-              <a:effectLst/>
-              <a:latin typeface="+mn-lt"/>
-              <a:ea typeface="+mn-ea"/>
-              <a:cs typeface="+mn-cs"/>
-            </a:endParaRPr>
-          </a:p>
-          <a:p>
-            <a:r>
-              <a:rPr lang="de-AT" b="1" i="1" dirty="0" err="1" smtClean="0"/>
-              <a:t>efficient</a:t>
-            </a:r>
-            <a:r>
-              <a:rPr lang="de-AT" b="1" i="1" baseline="0" dirty="0" smtClean="0"/>
-              <a:t> R </a:t>
-            </a:r>
-            <a:r>
-              <a:rPr lang="de-AT" b="1" i="1" baseline="0" dirty="0" err="1" smtClean="0"/>
-              <a:t>by</a:t>
-            </a:r>
-            <a:r>
-              <a:rPr lang="de-AT" b="1" i="1" baseline="0" dirty="0" smtClean="0"/>
-              <a:t> </a:t>
-            </a:r>
-            <a:r>
-              <a:rPr lang="de-AT" b="1" i="1" dirty="0" smtClean="0"/>
-              <a:t>Colin Gillespie</a:t>
-            </a:r>
-            <a:r>
-              <a:rPr lang="de-AT" b="1" i="0" baseline="0" dirty="0" smtClean="0"/>
-              <a:t> &amp; </a:t>
-            </a:r>
-            <a:r>
-              <a:rPr lang="de-AT" b="1" i="1" dirty="0" smtClean="0"/>
-              <a:t>Robin Lovelace</a:t>
-            </a:r>
-            <a:endParaRPr lang="de-AT" b="1" dirty="0" smtClean="0"/>
-          </a:p>
-          <a:p>
-            <a:r>
-              <a:rPr lang="de-AT" sz="1200" i="0" kern="1200" dirty="0" smtClean="0">
-                <a:solidFill>
-                  <a:schemeClr val="tx1"/>
-                </a:solidFill>
-                <a:latin typeface="+mn-lt"/>
-                <a:ea typeface="+mn-ea"/>
-                <a:cs typeface="+mn-cs"/>
+              <a:rPr lang="de-AT" dirty="0" err="1" smtClean="0"/>
+              <a:t>engineer</a:t>
+            </a:r>
+            <a:r>
+              <a:rPr lang="de-AT" dirty="0" smtClean="0"/>
+              <a:t> at </a:t>
+            </a:r>
+            <a:r>
+              <a:rPr lang="de-AT" dirty="0" err="1" smtClean="0">
                 <a:hlinkClick r:id="rId3"/>
               </a:rPr>
-              <a:t>Hana </a:t>
-            </a:r>
-            <a:r>
-              <a:rPr lang="de-AT" sz="1200" i="0" kern="1200" dirty="0" err="1" smtClean="0">
-                <a:solidFill>
-                  <a:schemeClr val="tx1"/>
-                </a:solidFill>
-                <a:latin typeface="+mn-lt"/>
-                <a:ea typeface="+mn-ea"/>
-                <a:cs typeface="+mn-cs"/>
-                <a:hlinkClick r:id="rId3"/>
-              </a:rPr>
-              <a:t>Ševčíková</a:t>
-            </a:r>
-            <a:r>
-              <a:rPr lang="de-AT" sz="1200" i="0" kern="1200" dirty="0" smtClean="0">
-                <a:solidFill>
-                  <a:schemeClr val="tx1"/>
-                </a:solidFill>
-                <a:latin typeface="+mn-lt"/>
-                <a:ea typeface="+mn-ea"/>
-                <a:cs typeface="+mn-cs"/>
-              </a:rPr>
-              <a:t>: </a:t>
-            </a:r>
-            <a:r>
-              <a:rPr lang="de-AT" i="0" dirty="0" smtClean="0"/>
-              <a:t>Die Workshops der</a:t>
-            </a:r>
-            <a:r>
-              <a:rPr lang="de-AT" i="0" baseline="0" dirty="0" smtClean="0"/>
-              <a:t> useR!2017 sind unter dem Link erreichbar (die vollständige Adresse ist dem Link hinterlegt). </a:t>
-            </a:r>
+              <a:t>Rstudio</a:t>
+            </a:r>
+            <a:endParaRPr lang="de-AT" dirty="0" smtClean="0"/>
+          </a:p>
+          <a:p>
+            <a:pPr marL="0" indent="0">
+              <a:buFont typeface="Arial" panose="020B0604020202020204" pitchFamily="34" charset="0"/>
+              <a:buNone/>
+            </a:pPr>
+            <a:r>
+              <a:rPr lang="en-US" dirty="0" smtClean="0"/>
+              <a:t>maintain the </a:t>
+            </a:r>
+            <a:r>
+              <a:rPr lang="en-US" dirty="0" err="1" smtClean="0"/>
+              <a:t>Sweave</a:t>
+            </a:r>
+            <a:r>
+              <a:rPr lang="en-US" dirty="0" smtClean="0"/>
+              <a:t> and </a:t>
+            </a:r>
+            <a:r>
+              <a:rPr lang="en-US" dirty="0" err="1" smtClean="0"/>
+              <a:t>knitr</a:t>
+            </a:r>
+            <a:r>
+              <a:rPr lang="en-US" dirty="0" smtClean="0"/>
+              <a:t> modules in </a:t>
+            </a:r>
+            <a:r>
+              <a:rPr lang="en-US" dirty="0" err="1" smtClean="0"/>
+              <a:t>LyX</a:t>
+            </a:r>
+            <a:r>
+              <a:rPr lang="en-US" dirty="0" smtClean="0"/>
+              <a:t> with Jean-Marc </a:t>
+            </a:r>
+            <a:r>
+              <a:rPr lang="en-US" dirty="0" err="1" smtClean="0"/>
+              <a:t>Lasgouttes</a:t>
+            </a:r>
+            <a:endParaRPr lang="en-US" dirty="0" smtClean="0"/>
+          </a:p>
+          <a:p>
+            <a:pPr marL="0" indent="0">
+              <a:buFont typeface="Arial" panose="020B0604020202020204" pitchFamily="34" charset="0"/>
+              <a:buNone/>
+            </a:pPr>
+            <a:endParaRPr lang="en-US" dirty="0" smtClean="0"/>
           </a:p>
         </p:txBody>
       </p:sp>
@@ -4069,7 +3221,7 @@
           <a:p>
             <a:fld id="{55A21A8E-1F06-3147-ADBB-3B92C6634279}" type="slidenum">
               <a:rPr lang="de-DE" smtClean="0"/>
-              <a:t>6</a:t>
+              <a:t>5</a:t>
             </a:fld>
             <a:endParaRPr lang="de-DE"/>
           </a:p>
@@ -4078,7 +3230,7 @@
     </p:spTree>
     <p:extLst>
       <p:ext uri="{BB962C8B-B14F-4D97-AF65-F5344CB8AC3E}">
-        <p14:creationId xmlns:p14="http://schemas.microsoft.com/office/powerpoint/2010/main" val="1053219660"/>
+        <p14:creationId xmlns:p14="http://schemas.microsoft.com/office/powerpoint/2010/main" val="2373590610"/>
       </p:ext>
     </p:extLst>
   </p:cSld>
@@ -4133,10 +3285,258 @@
           <a:lstStyle/>
           <a:p>
             <a:r>
-              <a:rPr lang="de-AT" dirty="0" smtClean="0"/>
-              <a:t>* Denn was wären wir ohne die Grundlagen</a:t>
-            </a:r>
-            <a:endParaRPr lang="de-AT" dirty="0"/>
+              <a:rPr lang="de-AT" sz="1200" kern="1200" dirty="0" smtClean="0">
+                <a:solidFill>
+                  <a:schemeClr val="tx1"/>
+                </a:solidFill>
+                <a:effectLst/>
+                <a:latin typeface="+mn-lt"/>
+                <a:ea typeface="+mn-ea"/>
+                <a:cs typeface="+mn-cs"/>
+              </a:rPr>
+              <a:t>Patrick Burns R-Inferno – 9 </a:t>
+            </a:r>
+            <a:r>
+              <a:rPr lang="de-AT" sz="1200" kern="1200" dirty="0" err="1" smtClean="0">
+                <a:solidFill>
+                  <a:schemeClr val="tx1"/>
+                </a:solidFill>
+                <a:effectLst/>
+                <a:latin typeface="+mn-lt"/>
+                <a:ea typeface="+mn-ea"/>
+                <a:cs typeface="+mn-cs"/>
+              </a:rPr>
+              <a:t>circles</a:t>
+            </a:r>
+            <a:r>
+              <a:rPr lang="de-AT" sz="1200" kern="1200" dirty="0" smtClean="0">
+                <a:solidFill>
+                  <a:schemeClr val="tx1"/>
+                </a:solidFill>
+                <a:effectLst/>
+                <a:latin typeface="+mn-lt"/>
+                <a:ea typeface="+mn-ea"/>
+                <a:cs typeface="+mn-cs"/>
+              </a:rPr>
+              <a:t> </a:t>
+            </a:r>
+            <a:r>
+              <a:rPr lang="de-AT" sz="1200" kern="1200" dirty="0" err="1" smtClean="0">
+                <a:solidFill>
+                  <a:schemeClr val="tx1"/>
+                </a:solidFill>
+                <a:effectLst/>
+                <a:latin typeface="+mn-lt"/>
+                <a:ea typeface="+mn-ea"/>
+                <a:cs typeface="+mn-cs"/>
+              </a:rPr>
+              <a:t>of</a:t>
+            </a:r>
+            <a:r>
+              <a:rPr lang="de-AT" sz="1200" kern="1200" dirty="0" smtClean="0">
+                <a:solidFill>
+                  <a:schemeClr val="tx1"/>
+                </a:solidFill>
+                <a:effectLst/>
+                <a:latin typeface="+mn-lt"/>
+                <a:ea typeface="+mn-ea"/>
+                <a:cs typeface="+mn-cs"/>
+              </a:rPr>
+              <a:t> R-Hell</a:t>
+            </a:r>
+            <a:r>
+              <a:rPr lang="de-AT" sz="1200" kern="1200" baseline="0" dirty="0" smtClean="0">
+                <a:solidFill>
+                  <a:schemeClr val="tx1"/>
+                </a:solidFill>
+                <a:effectLst/>
+                <a:latin typeface="+mn-lt"/>
+                <a:ea typeface="+mn-ea"/>
+                <a:cs typeface="+mn-cs"/>
+              </a:rPr>
+              <a:t> </a:t>
+            </a:r>
+            <a:r>
+              <a:rPr lang="de-AT" sz="1200" kern="1200" baseline="0" dirty="0" err="1" smtClean="0">
+                <a:solidFill>
+                  <a:schemeClr val="tx1"/>
+                </a:solidFill>
+                <a:effectLst/>
+                <a:latin typeface="+mn-lt"/>
+                <a:ea typeface="+mn-ea"/>
+                <a:cs typeface="+mn-cs"/>
+              </a:rPr>
+              <a:t>and</a:t>
+            </a:r>
+            <a:r>
+              <a:rPr lang="de-AT" sz="1200" kern="1200" baseline="0" dirty="0" smtClean="0">
+                <a:solidFill>
+                  <a:schemeClr val="tx1"/>
+                </a:solidFill>
+                <a:effectLst/>
+                <a:latin typeface="+mn-lt"/>
+                <a:ea typeface="+mn-ea"/>
+                <a:cs typeface="+mn-cs"/>
+              </a:rPr>
+              <a:t> </a:t>
+            </a:r>
+            <a:r>
+              <a:rPr lang="de-AT" sz="1200" kern="1200" baseline="0" dirty="0" err="1" smtClean="0">
+                <a:solidFill>
+                  <a:schemeClr val="tx1"/>
+                </a:solidFill>
+                <a:effectLst/>
+                <a:latin typeface="+mn-lt"/>
+                <a:ea typeface="+mn-ea"/>
+                <a:cs typeface="+mn-cs"/>
+              </a:rPr>
+              <a:t>how</a:t>
+            </a:r>
+            <a:r>
+              <a:rPr lang="de-AT" sz="1200" kern="1200" baseline="0" dirty="0" smtClean="0">
+                <a:solidFill>
+                  <a:schemeClr val="tx1"/>
+                </a:solidFill>
+                <a:effectLst/>
+                <a:latin typeface="+mn-lt"/>
+                <a:ea typeface="+mn-ea"/>
+                <a:cs typeface="+mn-cs"/>
+              </a:rPr>
+              <a:t> </a:t>
+            </a:r>
+            <a:r>
+              <a:rPr lang="de-AT" sz="1200" kern="1200" baseline="0" dirty="0" err="1" smtClean="0">
+                <a:solidFill>
+                  <a:schemeClr val="tx1"/>
+                </a:solidFill>
+                <a:effectLst/>
+                <a:latin typeface="+mn-lt"/>
+                <a:ea typeface="+mn-ea"/>
+                <a:cs typeface="+mn-cs"/>
+              </a:rPr>
+              <a:t>to</a:t>
+            </a:r>
+            <a:r>
+              <a:rPr lang="de-AT" sz="1200" kern="1200" baseline="0" dirty="0" smtClean="0">
+                <a:solidFill>
+                  <a:schemeClr val="tx1"/>
+                </a:solidFill>
+                <a:effectLst/>
+                <a:latin typeface="+mn-lt"/>
+                <a:ea typeface="+mn-ea"/>
+                <a:cs typeface="+mn-cs"/>
+              </a:rPr>
+              <a:t> </a:t>
+            </a:r>
+            <a:r>
+              <a:rPr lang="de-AT" sz="1200" kern="1200" baseline="0" dirty="0" err="1" smtClean="0">
+                <a:solidFill>
+                  <a:schemeClr val="tx1"/>
+                </a:solidFill>
+                <a:effectLst/>
+                <a:latin typeface="+mn-lt"/>
+                <a:ea typeface="+mn-ea"/>
+                <a:cs typeface="+mn-cs"/>
+              </a:rPr>
+              <a:t>get</a:t>
+            </a:r>
+            <a:r>
+              <a:rPr lang="de-AT" sz="1200" kern="1200" baseline="0" dirty="0" smtClean="0">
+                <a:solidFill>
+                  <a:schemeClr val="tx1"/>
+                </a:solidFill>
+                <a:effectLst/>
+                <a:latin typeface="+mn-lt"/>
+                <a:ea typeface="+mn-ea"/>
+                <a:cs typeface="+mn-cs"/>
+              </a:rPr>
+              <a:t> out</a:t>
+            </a:r>
+            <a:endParaRPr lang="de-AT" sz="1200" kern="1200" dirty="0" smtClean="0">
+              <a:solidFill>
+                <a:schemeClr val="tx1"/>
+              </a:solidFill>
+              <a:effectLst/>
+              <a:latin typeface="+mn-lt"/>
+              <a:ea typeface="+mn-ea"/>
+              <a:cs typeface="+mn-cs"/>
+            </a:endParaRPr>
+          </a:p>
+          <a:p>
+            <a:r>
+              <a:rPr lang="de-AT" b="1" i="1" dirty="0" err="1" smtClean="0"/>
+              <a:t>efficient</a:t>
+            </a:r>
+            <a:r>
+              <a:rPr lang="de-AT" b="1" i="1" baseline="0" dirty="0" smtClean="0"/>
+              <a:t> R </a:t>
+            </a:r>
+            <a:r>
+              <a:rPr lang="de-AT" b="1" i="1" baseline="0" dirty="0" err="1" smtClean="0"/>
+              <a:t>by</a:t>
+            </a:r>
+            <a:r>
+              <a:rPr lang="de-AT" b="1" i="1" baseline="0" dirty="0" smtClean="0"/>
+              <a:t> </a:t>
+            </a:r>
+            <a:r>
+              <a:rPr lang="de-AT" b="1" i="1" dirty="0" smtClean="0"/>
+              <a:t>Colin Gillespie</a:t>
+            </a:r>
+            <a:r>
+              <a:rPr lang="de-AT" b="1" i="0" baseline="0" dirty="0" smtClean="0"/>
+              <a:t> &amp; </a:t>
+            </a:r>
+            <a:r>
+              <a:rPr lang="de-AT" b="1" i="1" dirty="0" smtClean="0"/>
+              <a:t>Robin Lovelace</a:t>
+            </a:r>
+            <a:endParaRPr lang="de-AT" b="1" dirty="0" smtClean="0"/>
+          </a:p>
+          <a:p>
+            <a:r>
+              <a:rPr lang="de-AT" sz="1200" i="0" kern="1200" dirty="0" smtClean="0">
+                <a:solidFill>
+                  <a:schemeClr val="tx1"/>
+                </a:solidFill>
+                <a:latin typeface="+mn-lt"/>
+                <a:ea typeface="+mn-ea"/>
+                <a:cs typeface="+mn-cs"/>
+                <a:hlinkClick r:id="rId3"/>
+              </a:rPr>
+              <a:t>Hana </a:t>
+            </a:r>
+            <a:r>
+              <a:rPr lang="de-AT" sz="1200" i="0" kern="1200" dirty="0" err="1" smtClean="0">
+                <a:solidFill>
+                  <a:schemeClr val="tx1"/>
+                </a:solidFill>
+                <a:latin typeface="+mn-lt"/>
+                <a:ea typeface="+mn-ea"/>
+                <a:cs typeface="+mn-cs"/>
+                <a:hlinkClick r:id="rId3"/>
+              </a:rPr>
+              <a:t>Ševčíková</a:t>
+            </a:r>
+            <a:r>
+              <a:rPr lang="de-AT" sz="1200" i="0" kern="1200" dirty="0" smtClean="0">
+                <a:solidFill>
+                  <a:schemeClr val="tx1"/>
+                </a:solidFill>
+                <a:latin typeface="+mn-lt"/>
+                <a:ea typeface="+mn-ea"/>
+                <a:cs typeface="+mn-cs"/>
+              </a:rPr>
+              <a:t>: </a:t>
+            </a:r>
+            <a:r>
+              <a:rPr lang="de-AT" i="0" dirty="0" smtClean="0"/>
+              <a:t>Die Workshops der</a:t>
+            </a:r>
+            <a:r>
+              <a:rPr lang="de-AT" i="0" baseline="0" dirty="0" smtClean="0"/>
+              <a:t> useR!2017 sind unter dem Link erreichbar (die vollständige Adresse ist dem Link hinterlegt). </a:t>
+            </a:r>
           </a:p>
         </p:txBody>
       </p:sp>
@@ -4157,7 +3557,7 @@
           <a:p>
             <a:fld id="{55A21A8E-1F06-3147-ADBB-3B92C6634279}" type="slidenum">
               <a:rPr lang="de-DE" smtClean="0"/>
-              <a:t>7</a:t>
+              <a:t>6</a:t>
             </a:fld>
             <a:endParaRPr lang="de-DE"/>
           </a:p>
@@ -4166,7 +3566,7 @@
     </p:spTree>
     <p:extLst>
       <p:ext uri="{BB962C8B-B14F-4D97-AF65-F5344CB8AC3E}">
-        <p14:creationId xmlns:p14="http://schemas.microsoft.com/office/powerpoint/2010/main" val="1826361603"/>
+        <p14:creationId xmlns:p14="http://schemas.microsoft.com/office/powerpoint/2010/main" val="1053219660"/>
       </p:ext>
     </p:extLst>
   </p:cSld>
@@ -4222,54 +3622,8 @@
           <a:p>
             <a:r>
               <a:rPr lang="de-AT" dirty="0" smtClean="0"/>
-              <a:t>Aufzeigen</a:t>
-            </a:r>
-          </a:p>
-          <a:p>
-            <a:r>
-              <a:rPr lang="de-AT" dirty="0" smtClean="0"/>
-              <a:t>Aufschreiben</a:t>
-            </a:r>
-            <a:r>
-              <a:rPr lang="de-AT" baseline="0" dirty="0" smtClean="0"/>
-              <a:t> lassen</a:t>
-            </a:r>
-          </a:p>
-          <a:p>
-            <a:endParaRPr lang="de-AT" baseline="0" dirty="0" smtClean="0"/>
-          </a:p>
-          <a:p>
-            <a:r>
-              <a:rPr lang="de-AT" baseline="0" dirty="0" smtClean="0"/>
-              <a:t>Was ist mit </a:t>
-            </a:r>
-            <a:r>
-              <a:rPr lang="de-AT" baseline="0" dirty="0" err="1" smtClean="0"/>
-              <a:t>date</a:t>
-            </a:r>
-            <a:r>
-              <a:rPr lang="de-AT" baseline="0" dirty="0" smtClean="0"/>
-              <a:t>/Uhrzeit?</a:t>
-            </a:r>
-          </a:p>
-          <a:p>
-            <a:r>
-              <a:rPr lang="de-AT" baseline="0" dirty="0" smtClean="0"/>
-              <a:t>Date-/Uhrzeit-Formate sind </a:t>
-            </a:r>
-            <a:r>
-              <a:rPr lang="de-AT" baseline="0" dirty="0" err="1" smtClean="0"/>
-              <a:t>Recodierung</a:t>
-            </a:r>
-            <a:r>
-              <a:rPr lang="de-AT" baseline="0" dirty="0" smtClean="0"/>
-              <a:t> von integer und double</a:t>
-            </a:r>
-          </a:p>
-          <a:p>
-            <a:endParaRPr lang="de-AT" baseline="0" dirty="0" smtClean="0"/>
-          </a:p>
-          <a:p>
+              <a:t>* Denn was wären wir ohne die Grundlagen</a:t>
+            </a:r>
             <a:endParaRPr lang="de-AT" dirty="0"/>
           </a:p>
         </p:txBody>
@@ -4291,7 +3645,7 @@
           <a:p>
             <a:fld id="{55A21A8E-1F06-3147-ADBB-3B92C6634279}" type="slidenum">
               <a:rPr lang="de-DE" smtClean="0"/>
-              <a:t>8</a:t>
+              <a:t>7</a:t>
             </a:fld>
             <a:endParaRPr lang="de-DE"/>
           </a:p>
@@ -4300,7 +3654,7 @@
     </p:spTree>
     <p:extLst>
       <p:ext uri="{BB962C8B-B14F-4D97-AF65-F5344CB8AC3E}">
-        <p14:creationId xmlns:p14="http://schemas.microsoft.com/office/powerpoint/2010/main" val="1808802131"/>
+        <p14:creationId xmlns:p14="http://schemas.microsoft.com/office/powerpoint/2010/main" val="1826361603"/>
       </p:ext>
     </p:extLst>
   </p:cSld>
@@ -4355,57 +3709,56 @@
           <a:lstStyle/>
           <a:p>
             <a:r>
-              <a:rPr lang="de-AT" dirty="0" err="1" smtClean="0"/>
-              <a:t>use</a:t>
-            </a:r>
-            <a:r>
               <a:rPr lang="de-AT" dirty="0" smtClean="0"/>
-              <a:t> </a:t>
-            </a:r>
-            <a:r>
-              <a:rPr lang="de-AT" dirty="0" err="1" smtClean="0"/>
-              <a:t>names</a:t>
-            </a:r>
+              <a:t>Aufzeigen</a:t>
+            </a:r>
+          </a:p>
+          <a:p>
             <a:r>
               <a:rPr lang="de-AT" dirty="0" smtClean="0"/>
-              <a:t>(), </a:t>
-            </a:r>
-            <a:r>
-              <a:rPr lang="de-AT" dirty="0" err="1" smtClean="0"/>
-              <a:t>dim</a:t>
-            </a:r>
-            <a:r>
-              <a:rPr lang="de-AT" dirty="0" smtClean="0"/>
-              <a:t>(),</a:t>
+              <a:t>Aufschreiben</a:t>
             </a:r>
             <a:r>
               <a:rPr lang="de-AT" baseline="0" dirty="0" smtClean="0"/>
-              <a:t> </a:t>
+              <a:t> lassen</a:t>
+            </a:r>
+          </a:p>
+          <a:p>
+            <a:endParaRPr lang="de-AT" baseline="0" dirty="0" smtClean="0"/>
+          </a:p>
+          <a:p>
+            <a:r>
+              <a:rPr lang="de-AT" baseline="0" dirty="0" smtClean="0"/>
+              <a:t>Was ist mit </a:t>
             </a:r>
             <a:r>
               <a:rPr lang="de-AT" baseline="0" dirty="0" err="1" smtClean="0"/>
-              <a:t>class</a:t>
+              <a:t>date</a:t>
             </a:r>
             <a:r>
               <a:rPr lang="de-AT" baseline="0" dirty="0" smtClean="0"/>
-              <a:t>(); not </a:t>
+              <a:t>/Uhrzeit?</a:t>
+            </a:r>
+          </a:p>
+          <a:p>
+            <a:r>
+              <a:rPr lang="de-AT" baseline="0" dirty="0" smtClean="0"/>
+              <a:t>Date-/Uhrzeit-Formate sind </a:t>
             </a:r>
             <a:r>
               <a:rPr lang="de-AT" baseline="0" dirty="0" err="1" smtClean="0"/>
-              <a:t>attr</a:t>
+              <a:t>Recodierung</a:t>
             </a:r>
             <a:r>
               <a:rPr lang="de-AT" baseline="0" dirty="0" smtClean="0"/>
-              <a:t>(, „</a:t>
-            </a:r>
-            <a:r>
-              <a:rPr lang="de-AT" baseline="0" dirty="0" err="1" smtClean="0"/>
-              <a:t>names</a:t>
-            </a:r>
-            <a:r>
-              <a:rPr lang="de-AT" baseline="0" dirty="0" smtClean="0"/>
-              <a:t>“), …</a:t>
-            </a:r>
+              <a:t> von integer und double</a:t>
+            </a:r>
+          </a:p>
+          <a:p>
+            <a:endParaRPr lang="de-AT" baseline="0" dirty="0" smtClean="0"/>
+          </a:p>
+          <a:p>
+            <a:endParaRPr lang="de-AT" dirty="0"/>
           </a:p>
         </p:txBody>
       </p:sp>
@@ -4426,7 +3779,7 @@
           <a:p>
             <a:fld id="{55A21A8E-1F06-3147-ADBB-3B92C6634279}" type="slidenum">
               <a:rPr lang="de-DE" smtClean="0"/>
-              <a:t>9</a:t>
+              <a:t>8</a:t>
             </a:fld>
             <a:endParaRPr lang="de-DE"/>
           </a:p>
@@ -4435,7 +3788,7 @@
     </p:spTree>
     <p:extLst>
       <p:ext uri="{BB962C8B-B14F-4D97-AF65-F5344CB8AC3E}">
-        <p14:creationId xmlns:p14="http://schemas.microsoft.com/office/powerpoint/2010/main" val="683217912"/>
+        <p14:creationId xmlns:p14="http://schemas.microsoft.com/office/powerpoint/2010/main" val="1808802131"/>
       </p:ext>
     </p:extLst>
   </p:cSld>
@@ -4489,7 +3842,58 @@
           <a:bodyPr/>
           <a:lstStyle/>
           <a:p>
-            <a:endParaRPr lang="de-AT" baseline="0" dirty="0" smtClean="0"/>
+            <a:r>
+              <a:rPr lang="de-AT" dirty="0" err="1" smtClean="0"/>
+              <a:t>use</a:t>
+            </a:r>
+            <a:r>
+              <a:rPr lang="de-AT" dirty="0" smtClean="0"/>
+              <a:t> </a:t>
+            </a:r>
+            <a:r>
+              <a:rPr lang="de-AT" dirty="0" err="1" smtClean="0"/>
+              <a:t>names</a:t>
+            </a:r>
+            <a:r>
+              <a:rPr lang="de-AT" dirty="0" smtClean="0"/>
+              <a:t>(), </a:t>
+            </a:r>
+            <a:r>
+              <a:rPr lang="de-AT" dirty="0" err="1" smtClean="0"/>
+              <a:t>dim</a:t>
+            </a:r>
+            <a:r>
+              <a:rPr lang="de-AT" dirty="0" smtClean="0"/>
+              <a:t>(),</a:t>
+            </a:r>
+            <a:r>
+              <a:rPr lang="de-AT" baseline="0" dirty="0" smtClean="0"/>
+              <a:t> </a:t>
+            </a:r>
+            <a:r>
+              <a:rPr lang="de-AT" baseline="0" dirty="0" err="1" smtClean="0"/>
+              <a:t>class</a:t>
+            </a:r>
+            <a:r>
+              <a:rPr lang="de-AT" baseline="0" dirty="0" smtClean="0"/>
+              <a:t>(); not </a:t>
+            </a:r>
+            <a:r>
+              <a:rPr lang="de-AT" baseline="0" dirty="0" err="1" smtClean="0"/>
+              <a:t>attr</a:t>
+            </a:r>
+            <a:r>
+              <a:rPr lang="de-AT" baseline="0" dirty="0" smtClean="0"/>
+              <a:t>(, „</a:t>
+            </a:r>
+            <a:r>
+              <a:rPr lang="de-AT" baseline="0" dirty="0" err="1" smtClean="0"/>
+              <a:t>names</a:t>
+            </a:r>
+            <a:r>
+              <a:rPr lang="de-AT" baseline="0" dirty="0" smtClean="0"/>
+              <a:t>“), …</a:t>
+            </a:r>
           </a:p>
         </p:txBody>
       </p:sp>
@@ -4510,7 +3914,7 @@
           <a:p>
             <a:fld id="{55A21A8E-1F06-3147-ADBB-3B92C6634279}" type="slidenum">
               <a:rPr lang="de-DE" smtClean="0"/>
-              <a:t>10</a:t>
+              <a:t>9</a:t>
             </a:fld>
             <a:endParaRPr lang="de-DE"/>
           </a:p>
@@ -4519,7 +3923,7 @@
     </p:spTree>
     <p:extLst>
       <p:ext uri="{BB962C8B-B14F-4D97-AF65-F5344CB8AC3E}">
-        <p14:creationId xmlns:p14="http://schemas.microsoft.com/office/powerpoint/2010/main" val="1078663164"/>
+        <p14:creationId xmlns:p14="http://schemas.microsoft.com/office/powerpoint/2010/main" val="683217912"/>
       </p:ext>
     </p:extLst>
   </p:cSld>
@@ -4575,9 +3979,6 @@
           <a:p>
             <a:endParaRPr lang="de-AT" baseline="0" dirty="0" smtClean="0"/>
           </a:p>
-          <a:p>
-            <a:endParaRPr lang="de-AT" baseline="0" dirty="0" smtClean="0"/>
-          </a:p>
         </p:txBody>
       </p:sp>
       <p:sp>
@@ -4597,7 +3998,7 @@
           <a:p>
             <a:fld id="{55A21A8E-1F06-3147-ADBB-3B92C6634279}" type="slidenum">
               <a:rPr lang="de-DE" smtClean="0"/>
-              <a:t>11</a:t>
+              <a:t>10</a:t>
             </a:fld>
             <a:endParaRPr lang="de-DE"/>
           </a:p>
@@ -4606,7 +4007,7 @@
     </p:spTree>
     <p:extLst>
       <p:ext uri="{BB962C8B-B14F-4D97-AF65-F5344CB8AC3E}">
-        <p14:creationId xmlns:p14="http://schemas.microsoft.com/office/powerpoint/2010/main" val="699657545"/>
+        <p14:creationId xmlns:p14="http://schemas.microsoft.com/office/powerpoint/2010/main" val="1078663164"/>
       </p:ext>
     </p:extLst>
   </p:cSld>
@@ -4660,141 +4061,10 @@
           <a:bodyPr/>
           <a:lstStyle/>
           <a:p>
-            <a:r>
-              <a:rPr lang="de-AT" sz="1200" kern="1200" dirty="0" smtClean="0">
-                <a:solidFill>
-                  <a:schemeClr val="tx1"/>
-                </a:solidFill>
-                <a:effectLst/>
-                <a:latin typeface="+mn-lt"/>
-                <a:ea typeface="+mn-ea"/>
-                <a:cs typeface="+mn-cs"/>
-              </a:rPr>
-              <a:t>f1 &lt;- </a:t>
-            </a:r>
-            <a:r>
-              <a:rPr lang="de-AT" sz="1200" kern="1200" dirty="0" err="1" smtClean="0">
-                <a:solidFill>
-                  <a:schemeClr val="tx1"/>
-                </a:solidFill>
-                <a:effectLst/>
-                <a:latin typeface="+mn-lt"/>
-                <a:ea typeface="+mn-ea"/>
-                <a:cs typeface="+mn-cs"/>
-              </a:rPr>
-              <a:t>factor</a:t>
-            </a:r>
-            <a:r>
-              <a:rPr lang="de-AT" sz="1200" kern="1200" dirty="0" smtClean="0">
-                <a:solidFill>
-                  <a:schemeClr val="tx1"/>
-                </a:solidFill>
-                <a:effectLst/>
-                <a:latin typeface="+mn-lt"/>
-                <a:ea typeface="+mn-ea"/>
-                <a:cs typeface="+mn-cs"/>
-              </a:rPr>
-              <a:t>(</a:t>
-            </a:r>
-            <a:r>
-              <a:rPr lang="de-AT" sz="1200" kern="1200" dirty="0" err="1" smtClean="0">
-                <a:solidFill>
-                  <a:schemeClr val="tx1"/>
-                </a:solidFill>
-                <a:effectLst/>
-                <a:latin typeface="+mn-lt"/>
-                <a:ea typeface="+mn-ea"/>
-                <a:cs typeface="+mn-cs"/>
-              </a:rPr>
-              <a:t>letters</a:t>
-            </a:r>
-            <a:r>
-              <a:rPr lang="de-AT" sz="1200" kern="1200" dirty="0" smtClean="0">
-                <a:solidFill>
-                  <a:schemeClr val="tx1"/>
-                </a:solidFill>
-                <a:effectLst/>
-                <a:latin typeface="+mn-lt"/>
-                <a:ea typeface="+mn-ea"/>
-                <a:cs typeface="+mn-cs"/>
-              </a:rPr>
-              <a:t>)</a:t>
-            </a:r>
-          </a:p>
-          <a:p>
-            <a:r>
-              <a:rPr lang="de-AT" sz="1200" kern="1200" dirty="0" err="1" smtClean="0">
-                <a:solidFill>
-                  <a:schemeClr val="tx1"/>
-                </a:solidFill>
-                <a:effectLst/>
-                <a:latin typeface="+mn-lt"/>
-                <a:ea typeface="+mn-ea"/>
-                <a:cs typeface="+mn-cs"/>
-              </a:rPr>
-              <a:t>levels</a:t>
-            </a:r>
-            <a:r>
-              <a:rPr lang="de-AT" sz="1200" kern="1200" dirty="0" smtClean="0">
-                <a:solidFill>
-                  <a:schemeClr val="tx1"/>
-                </a:solidFill>
-                <a:effectLst/>
-                <a:latin typeface="+mn-lt"/>
-                <a:ea typeface="+mn-ea"/>
-                <a:cs typeface="+mn-cs"/>
-              </a:rPr>
-              <a:t>(f1) &lt;- </a:t>
-            </a:r>
-            <a:r>
-              <a:rPr lang="de-AT" sz="1200" kern="1200" dirty="0" err="1" smtClean="0">
-                <a:solidFill>
-                  <a:schemeClr val="tx1"/>
-                </a:solidFill>
-                <a:effectLst/>
-                <a:latin typeface="+mn-lt"/>
-                <a:ea typeface="+mn-ea"/>
-                <a:cs typeface="+mn-cs"/>
-              </a:rPr>
-              <a:t>rev</a:t>
-            </a:r>
-            <a:r>
-              <a:rPr lang="de-AT" sz="1200" kern="1200" dirty="0" smtClean="0">
-                <a:solidFill>
-                  <a:schemeClr val="tx1"/>
-                </a:solidFill>
-                <a:effectLst/>
-                <a:latin typeface="+mn-lt"/>
-                <a:ea typeface="+mn-ea"/>
-                <a:cs typeface="+mn-cs"/>
-              </a:rPr>
-              <a:t>(</a:t>
-            </a:r>
-            <a:r>
-              <a:rPr lang="de-AT" sz="1200" kern="1200" dirty="0" err="1" smtClean="0">
-                <a:solidFill>
-                  <a:schemeClr val="tx1"/>
-                </a:solidFill>
-                <a:effectLst/>
-                <a:latin typeface="+mn-lt"/>
-                <a:ea typeface="+mn-ea"/>
-                <a:cs typeface="+mn-cs"/>
-              </a:rPr>
-              <a:t>levels</a:t>
-            </a:r>
-            <a:r>
-              <a:rPr lang="de-AT" sz="1200" kern="1200" dirty="0" smtClean="0">
-                <a:solidFill>
-                  <a:schemeClr val="tx1"/>
-                </a:solidFill>
-                <a:effectLst/>
-                <a:latin typeface="+mn-lt"/>
-                <a:ea typeface="+mn-ea"/>
-                <a:cs typeface="+mn-cs"/>
-              </a:rPr>
-              <a:t>(f1))</a:t>
-            </a:r>
-            <a:endParaRPr lang="de-AT" dirty="0"/>
+            <a:endParaRPr lang="de-AT" baseline="0" dirty="0" smtClean="0"/>
+          </a:p>
+          <a:p>
+            <a:endParaRPr lang="de-AT" baseline="0" dirty="0" smtClean="0"/>
           </a:p>
         </p:txBody>
       </p:sp>
@@ -4815,7 +4085,7 @@
           <a:p>
             <a:fld id="{55A21A8E-1F06-3147-ADBB-3B92C6634279}" type="slidenum">
               <a:rPr lang="de-DE" smtClean="0"/>
-              <a:t>12</a:t>
+              <a:t>11</a:t>
             </a:fld>
             <a:endParaRPr lang="de-DE"/>
           </a:p>
@@ -4824,7 +4094,7 @@
     </p:spTree>
     <p:extLst>
       <p:ext uri="{BB962C8B-B14F-4D97-AF65-F5344CB8AC3E}">
-        <p14:creationId xmlns:p14="http://schemas.microsoft.com/office/powerpoint/2010/main" val="539327526"/>
+        <p14:creationId xmlns:p14="http://schemas.microsoft.com/office/powerpoint/2010/main" val="699657545"/>
       </p:ext>
     </p:extLst>
   </p:cSld>
@@ -5773,7 +5043,6 @@
               <a:rPr lang="de-DE" dirty="0" smtClean="0"/>
               <a:t> R, 28. März 2019</a:t>
             </a:r>
-            <a:endParaRPr lang="de-DE" dirty="0" smtClean="0"/>
           </a:p>
         </p:txBody>
       </p:sp>
@@ -6170,7 +5439,6 @@
               <a:rPr lang="de-DE" dirty="0" smtClean="0"/>
               <a:t> R, 28. März 2019</a:t>
             </a:r>
-            <a:endParaRPr lang="de-DE" dirty="0" smtClean="0"/>
           </a:p>
         </p:txBody>
       </p:sp>
@@ -6529,7 +5797,6 @@
               <a:rPr lang="de-DE" dirty="0" smtClean="0"/>
               <a:t> R, 28. März 2019</a:t>
             </a:r>
-            <a:endParaRPr lang="de-DE" dirty="0" smtClean="0"/>
           </a:p>
         </p:txBody>
       </p:sp>
@@ -6744,7 +6011,6 @@
               <a:rPr lang="de-DE" dirty="0" smtClean="0"/>
               <a:t> R, 28. März 2019</a:t>
             </a:r>
-            <a:endParaRPr lang="de-DE" dirty="0" smtClean="0"/>
           </a:p>
         </p:txBody>
       </p:sp>
@@ -7278,7 +6544,6 @@
               <a:rPr lang="de-DE" dirty="0" smtClean="0"/>
               <a:t> R, 28. März 2019</a:t>
             </a:r>
-            <a:endParaRPr lang="de-DE" dirty="0" smtClean="0"/>
           </a:p>
         </p:txBody>
       </p:sp>
@@ -7780,7 +7045,6 @@
               <a:rPr lang="de-DE" dirty="0" smtClean="0"/>
               <a:t> R, 28. März 2019</a:t>
             </a:r>
-            <a:endParaRPr lang="de-DE" dirty="0" smtClean="0"/>
           </a:p>
         </p:txBody>
       </p:sp>
@@ -8539,7 +7803,6 @@
               <a:rPr lang="de-DE" dirty="0" smtClean="0"/>
               <a:t> R, 28. März 2019</a:t>
             </a:r>
-            <a:endParaRPr lang="de-DE" dirty="0" smtClean="0"/>
           </a:p>
         </p:txBody>
       </p:sp>
@@ -9383,7 +8646,6 @@
               <a:rPr lang="de-DE" dirty="0" smtClean="0"/>
               <a:t> R, 28. März 2019</a:t>
             </a:r>
-            <a:endParaRPr lang="de-DE" dirty="0" smtClean="0"/>
           </a:p>
         </p:txBody>
       </p:sp>
@@ -12156,11 +11418,7 @@
           <a:p>
             <a:r>
               <a:rPr lang="de-AT" dirty="0" smtClean="0"/>
-              <a:t>Übung </a:t>
-            </a:r>
-            <a:r>
-              <a:rPr lang="de-AT" dirty="0" smtClean="0"/>
-              <a:t>1 – Datenstrukturen und Zugriffslogik</a:t>
+              <a:t>Übung 1 – Datenstrukturen und Zugriffslogik</a:t>
             </a:r>
             <a:endParaRPr lang="de-AT" dirty="0"/>
           </a:p>
@@ -12197,7 +11455,15 @@
                 <a:latin typeface="Cambria Math" panose="02040503050406030204" pitchFamily="18" charset="0"/>
                 <a:ea typeface="Cambria Math" panose="02040503050406030204" pitchFamily="18" charset="0"/>
               </a:rPr>
-              <a:t>1 == </a:t>
+              <a:t>1 == "1" </a:t>
+            </a:r>
+            <a:r>
+              <a:rPr lang="de-AT" sz="2800" dirty="0" err="1" smtClean="0"/>
+              <a:t>true</a:t>
+            </a:r>
+            <a:r>
+              <a:rPr lang="de-AT" sz="2800" dirty="0" smtClean="0"/>
+              <a:t>, </a:t>
             </a:r>
             <a:r>
               <a:rPr lang="de-AT" dirty="0">
@@ -12209,7 +11475,19 @@
                 <a:latin typeface="Cambria Math" panose="02040503050406030204" pitchFamily="18" charset="0"/>
                 <a:ea typeface="Cambria Math" panose="02040503050406030204" pitchFamily="18" charset="0"/>
               </a:rPr>
-              <a:t>"</a:t>
+              <a:t>-1 &lt; FALSE</a:t>
+            </a:r>
+            <a:r>
+              <a:rPr lang="de-AT" sz="2800" dirty="0" smtClean="0"/>
+              <a:t> </a:t>
+            </a:r>
+            <a:r>
+              <a:rPr lang="de-AT" sz="2800" dirty="0" err="1" smtClean="0"/>
+              <a:t>true</a:t>
+            </a:r>
+            <a:r>
+              <a:rPr lang="de-AT" sz="2800" dirty="0" smtClean="0"/>
+              <a:t> und </a:t>
             </a:r>
             <a:r>
               <a:rPr lang="de-AT" dirty="0">
@@ -12221,10 +11499,10 @@
                 <a:latin typeface="Cambria Math" panose="02040503050406030204" pitchFamily="18" charset="0"/>
                 <a:ea typeface="Cambria Math" panose="02040503050406030204" pitchFamily="18" charset="0"/>
               </a:rPr>
-              <a:t>1</a:t>
-            </a:r>
-            <a:r>
-              <a:rPr lang="de-AT" dirty="0">
+              <a:t>"</a:t>
+            </a:r>
+            <a:r>
+              <a:rPr lang="de-AT" dirty="0" err="1">
                 <a:solidFill>
                   <a:schemeClr val="accent1">
                     <a:lumMod val="75000"/>
@@ -12233,7 +11511,7 @@
                 <a:latin typeface="Cambria Math" panose="02040503050406030204" pitchFamily="18" charset="0"/>
                 <a:ea typeface="Cambria Math" panose="02040503050406030204" pitchFamily="18" charset="0"/>
               </a:rPr>
-              <a:t>"</a:t>
+              <a:t>one</a:t>
             </a:r>
             <a:r>
               <a:rPr lang="de-AT" dirty="0">
@@ -12245,18 +11523,10 @@
                 <a:latin typeface="Cambria Math" panose="02040503050406030204" pitchFamily="18" charset="0"/>
                 <a:ea typeface="Cambria Math" panose="02040503050406030204" pitchFamily="18" charset="0"/>
               </a:rPr>
-              <a:t> </a:t>
-            </a:r>
-            <a:r>
-              <a:rPr lang="de-AT" sz="2800" dirty="0" err="1" smtClean="0"/>
-              <a:t>true</a:t>
-            </a:r>
-            <a:r>
-              <a:rPr lang="de-AT" sz="2800" dirty="0" smtClean="0"/>
-              <a:t>, </a:t>
-            </a:r>
-            <a:r>
-              <a:rPr lang="de-AT" dirty="0">
+              <a:t>"</a:t>
+            </a:r>
+            <a:r>
+              <a:rPr lang="de-AT" dirty="0" smtClean="0">
                 <a:solidFill>
                   <a:schemeClr val="accent1">
                     <a:lumMod val="75000"/>
@@ -12265,19 +11535,7 @@
                 <a:latin typeface="Cambria Math" panose="02040503050406030204" pitchFamily="18" charset="0"/>
                 <a:ea typeface="Cambria Math" panose="02040503050406030204" pitchFamily="18" charset="0"/>
               </a:rPr>
-              <a:t>-1 &lt; FALSE</a:t>
-            </a:r>
-            <a:r>
-              <a:rPr lang="de-AT" sz="2800" dirty="0" smtClean="0"/>
               <a:t> </a:t>
-            </a:r>
-            <a:r>
-              <a:rPr lang="de-AT" sz="2800" dirty="0" err="1" smtClean="0"/>
-              <a:t>true</a:t>
-            </a:r>
-            <a:r>
-              <a:rPr lang="de-AT" sz="2800" dirty="0" smtClean="0"/>
-              <a:t> und </a:t>
             </a:r>
             <a:r>
               <a:rPr lang="de-AT" dirty="0">
@@ -12289,10 +11547,30 @@
                 <a:latin typeface="Cambria Math" panose="02040503050406030204" pitchFamily="18" charset="0"/>
                 <a:ea typeface="Cambria Math" panose="02040503050406030204" pitchFamily="18" charset="0"/>
               </a:rPr>
-              <a:t>"</a:t>
-            </a:r>
-            <a:r>
-              <a:rPr lang="de-AT" dirty="0" err="1">
+              <a:t>&lt; 2 </a:t>
+            </a:r>
+            <a:r>
+              <a:rPr lang="de-AT" sz="2800" dirty="0" err="1" smtClean="0"/>
+              <a:t>false</a:t>
+            </a:r>
+            <a:r>
+              <a:rPr lang="de-AT" sz="2800" dirty="0" smtClean="0"/>
+              <a:t>?</a:t>
+            </a:r>
+            <a:endParaRPr lang="de-AT" dirty="0" smtClean="0"/>
+          </a:p>
+          <a:p>
+            <a:r>
+              <a:rPr lang="de-AT" dirty="0" smtClean="0"/>
+              <a:t>Was passiert mit einem Faktor, wenn man die Levels umsortiert?</a:t>
+            </a:r>
+          </a:p>
+          <a:p>
+            <a:pPr marL="609585" lvl="1" indent="0">
+              <a:buNone/>
+            </a:pPr>
+            <a:r>
+              <a:rPr lang="de-AT" dirty="0" smtClean="0">
                 <a:solidFill>
                   <a:schemeClr val="accent1">
                     <a:lumMod val="75000"/>
@@ -12301,7 +11579,7 @@
                 <a:latin typeface="Cambria Math" panose="02040503050406030204" pitchFamily="18" charset="0"/>
                 <a:ea typeface="Cambria Math" panose="02040503050406030204" pitchFamily="18" charset="0"/>
               </a:rPr>
-              <a:t>one</a:t>
+              <a:t>	f1 </a:t>
             </a:r>
             <a:r>
               <a:rPr lang="de-AT" dirty="0">
@@ -12313,10 +11591,10 @@
                 <a:latin typeface="Cambria Math" panose="02040503050406030204" pitchFamily="18" charset="0"/>
                 <a:ea typeface="Cambria Math" panose="02040503050406030204" pitchFamily="18" charset="0"/>
               </a:rPr>
-              <a:t>"</a:t>
-            </a:r>
-            <a:r>
-              <a:rPr lang="de-AT" dirty="0" smtClean="0">
+              <a:t>&lt;- </a:t>
+            </a:r>
+            <a:r>
+              <a:rPr lang="de-AT" dirty="0" err="1">
                 <a:solidFill>
                   <a:schemeClr val="accent1">
                     <a:lumMod val="75000"/>
@@ -12325,7 +11603,7 @@
                 <a:latin typeface="Cambria Math" panose="02040503050406030204" pitchFamily="18" charset="0"/>
                 <a:ea typeface="Cambria Math" panose="02040503050406030204" pitchFamily="18" charset="0"/>
               </a:rPr>
-              <a:t> </a:t>
+              <a:t>factor</a:t>
             </a:r>
             <a:r>
               <a:rPr lang="de-AT" dirty="0">
@@ -12337,30 +11615,10 @@
                 <a:latin typeface="Cambria Math" panose="02040503050406030204" pitchFamily="18" charset="0"/>
                 <a:ea typeface="Cambria Math" panose="02040503050406030204" pitchFamily="18" charset="0"/>
               </a:rPr>
-              <a:t>&lt; 2 </a:t>
-            </a:r>
-            <a:r>
-              <a:rPr lang="de-AT" sz="2800" dirty="0" err="1" smtClean="0"/>
-              <a:t>false</a:t>
-            </a:r>
-            <a:r>
-              <a:rPr lang="de-AT" sz="2800" dirty="0" smtClean="0"/>
-              <a:t>?</a:t>
-            </a:r>
-            <a:endParaRPr lang="de-AT" dirty="0" smtClean="0"/>
-          </a:p>
-          <a:p>
-            <a:r>
-              <a:rPr lang="de-AT" dirty="0" smtClean="0"/>
-              <a:t>Was passiert mit einem Faktor, wenn man die Levels umsortiert?</a:t>
-            </a:r>
-          </a:p>
-          <a:p>
-            <a:pPr marL="609585" lvl="1" indent="0">
-              <a:buNone/>
-            </a:pPr>
-            <a:r>
-              <a:rPr lang="de-AT" dirty="0" smtClean="0">
+              <a:t>(</a:t>
+            </a:r>
+            <a:r>
+              <a:rPr lang="de-AT" dirty="0" err="1">
                 <a:solidFill>
                   <a:schemeClr val="accent1">
                     <a:lumMod val="75000"/>
@@ -12369,7 +11627,7 @@
                 <a:latin typeface="Cambria Math" panose="02040503050406030204" pitchFamily="18" charset="0"/>
                 <a:ea typeface="Cambria Math" panose="02040503050406030204" pitchFamily="18" charset="0"/>
               </a:rPr>
-              <a:t>	f1 </a:t>
+              <a:t>letters</a:t>
             </a:r>
             <a:r>
               <a:rPr lang="de-AT" dirty="0">
@@ -12381,10 +11639,10 @@
                 <a:latin typeface="Cambria Math" panose="02040503050406030204" pitchFamily="18" charset="0"/>
                 <a:ea typeface="Cambria Math" panose="02040503050406030204" pitchFamily="18" charset="0"/>
               </a:rPr>
-              <a:t>&lt;- </a:t>
-            </a:r>
-            <a:r>
-              <a:rPr lang="de-AT" dirty="0" err="1">
+              <a:t>)</a:t>
+            </a:r>
+            <a:br>
+              <a:rPr lang="de-AT" dirty="0">
                 <a:solidFill>
                   <a:schemeClr val="accent1">
                     <a:lumMod val="75000"/>
@@ -12393,10 +11651,9 @@
                 <a:latin typeface="Cambria Math" panose="02040503050406030204" pitchFamily="18" charset="0"/>
                 <a:ea typeface="Cambria Math" panose="02040503050406030204" pitchFamily="18" charset="0"/>
               </a:rPr>
-              <a:t>factor</a:t>
-            </a:r>
-            <a:r>
-              <a:rPr lang="de-AT" dirty="0">
+            </a:br>
+            <a:r>
+              <a:rPr lang="de-AT" dirty="0" smtClean="0">
                 <a:solidFill>
                   <a:schemeClr val="accent1">
                     <a:lumMod val="75000"/>
@@ -12405,10 +11662,10 @@
                 <a:latin typeface="Cambria Math" panose="02040503050406030204" pitchFamily="18" charset="0"/>
                 <a:ea typeface="Cambria Math" panose="02040503050406030204" pitchFamily="18" charset="0"/>
               </a:rPr>
-              <a:t>(</a:t>
-            </a:r>
-            <a:r>
-              <a:rPr lang="de-AT" dirty="0" err="1">
+              <a:t>	</a:t>
+            </a:r>
+            <a:r>
+              <a:rPr lang="de-AT" dirty="0" err="1" smtClean="0">
                 <a:solidFill>
                   <a:schemeClr val="accent1">
                     <a:lumMod val="75000"/>
@@ -12417,10 +11674,10 @@
                 <a:latin typeface="Cambria Math" panose="02040503050406030204" pitchFamily="18" charset="0"/>
                 <a:ea typeface="Cambria Math" panose="02040503050406030204" pitchFamily="18" charset="0"/>
               </a:rPr>
-              <a:t>letters</a:t>
-            </a:r>
-            <a:r>
-              <a:rPr lang="de-AT" dirty="0">
+              <a:t>levels</a:t>
+            </a:r>
+            <a:r>
+              <a:rPr lang="de-AT" dirty="0" smtClean="0">
                 <a:solidFill>
                   <a:schemeClr val="accent1">
                     <a:lumMod val="75000"/>
@@ -12429,9 +11686,9 @@
                 <a:latin typeface="Cambria Math" panose="02040503050406030204" pitchFamily="18" charset="0"/>
                 <a:ea typeface="Cambria Math" panose="02040503050406030204" pitchFamily="18" charset="0"/>
               </a:rPr>
-              <a:t>)</a:t>
-            </a:r>
-            <a:br>
+              <a:t>(f1</a:t>
+            </a:r>
+            <a:r>
               <a:rPr lang="de-AT" dirty="0">
                 <a:solidFill>
                   <a:schemeClr val="accent1">
@@ -12441,9 +11698,10 @@
                 <a:latin typeface="Cambria Math" panose="02040503050406030204" pitchFamily="18" charset="0"/>
                 <a:ea typeface="Cambria Math" panose="02040503050406030204" pitchFamily="18" charset="0"/>
               </a:rPr>
-            </a:br>
-            <a:r>
-              <a:rPr lang="de-AT" dirty="0" smtClean="0">
+              <a:t>) &lt;- </a:t>
+            </a:r>
+            <a:r>
+              <a:rPr lang="de-AT" dirty="0" err="1">
                 <a:solidFill>
                   <a:schemeClr val="accent1">
                     <a:lumMod val="75000"/>
@@ -12452,10 +11710,10 @@
                 <a:latin typeface="Cambria Math" panose="02040503050406030204" pitchFamily="18" charset="0"/>
                 <a:ea typeface="Cambria Math" panose="02040503050406030204" pitchFamily="18" charset="0"/>
               </a:rPr>
-              <a:t>	</a:t>
-            </a:r>
-            <a:r>
-              <a:rPr lang="de-AT" dirty="0" err="1" smtClean="0">
+              <a:t>rev</a:t>
+            </a:r>
+            <a:r>
+              <a:rPr lang="de-AT" dirty="0">
                 <a:solidFill>
                   <a:schemeClr val="accent1">
                     <a:lumMod val="75000"/>
@@ -12464,10 +11722,10 @@
                 <a:latin typeface="Cambria Math" panose="02040503050406030204" pitchFamily="18" charset="0"/>
                 <a:ea typeface="Cambria Math" panose="02040503050406030204" pitchFamily="18" charset="0"/>
               </a:rPr>
-              <a:t>levels</a:t>
-            </a:r>
-            <a:r>
-              <a:rPr lang="de-AT" dirty="0" smtClean="0">
+              <a:t>(</a:t>
+            </a:r>
+            <a:r>
+              <a:rPr lang="de-AT" dirty="0" err="1">
                 <a:solidFill>
                   <a:schemeClr val="accent1">
                     <a:lumMod val="75000"/>
@@ -12476,7 +11734,7 @@
                 <a:latin typeface="Cambria Math" panose="02040503050406030204" pitchFamily="18" charset="0"/>
                 <a:ea typeface="Cambria Math" panose="02040503050406030204" pitchFamily="18" charset="0"/>
               </a:rPr>
-              <a:t>(f1</a:t>
+              <a:t>levels</a:t>
             </a:r>
             <a:r>
               <a:rPr lang="de-AT" dirty="0">
@@ -12488,7 +11746,13 @@
                 <a:latin typeface="Cambria Math" panose="02040503050406030204" pitchFamily="18" charset="0"/>
                 <a:ea typeface="Cambria Math" panose="02040503050406030204" pitchFamily="18" charset="0"/>
               </a:rPr>
-              <a:t>) &lt;- </a:t>
+              <a:t>(f1))</a:t>
+            </a:r>
+          </a:p>
+          <a:p>
+            <a:r>
+              <a:rPr lang="de-AT" dirty="0" smtClean="0"/>
+              <a:t>Wenn </a:t>
             </a:r>
             <a:r>
               <a:rPr lang="de-AT" dirty="0" err="1">
@@ -12500,7 +11764,7 @@
                 <a:latin typeface="Cambria Math" panose="02040503050406030204" pitchFamily="18" charset="0"/>
                 <a:ea typeface="Cambria Math" panose="02040503050406030204" pitchFamily="18" charset="0"/>
               </a:rPr>
-              <a:t>rev</a:t>
+              <a:t>is.matrix</a:t>
             </a:r>
             <a:r>
               <a:rPr lang="de-AT" dirty="0">
@@ -12512,7 +11776,19 @@
                 <a:latin typeface="Cambria Math" panose="02040503050406030204" pitchFamily="18" charset="0"/>
                 <a:ea typeface="Cambria Math" panose="02040503050406030204" pitchFamily="18" charset="0"/>
               </a:rPr>
-              <a:t>(</a:t>
+              <a:t>(x)</a:t>
+            </a:r>
+            <a:r>
+              <a:rPr lang="de-AT" dirty="0" smtClean="0"/>
+              <a:t> </a:t>
+            </a:r>
+            <a:r>
+              <a:rPr lang="de-AT" dirty="0" err="1" smtClean="0"/>
+              <a:t>true</a:t>
+            </a:r>
+            <a:r>
+              <a:rPr lang="de-AT" dirty="0" smtClean="0"/>
+              <a:t> ist, was ergibt </a:t>
             </a:r>
             <a:r>
               <a:rPr lang="de-AT" dirty="0" err="1">
@@ -12524,7 +11800,7 @@
                 <a:latin typeface="Cambria Math" panose="02040503050406030204" pitchFamily="18" charset="0"/>
                 <a:ea typeface="Cambria Math" panose="02040503050406030204" pitchFamily="18" charset="0"/>
               </a:rPr>
-              <a:t>levels</a:t>
+              <a:t>is.array</a:t>
             </a:r>
             <a:r>
               <a:rPr lang="de-AT" dirty="0">
@@ -12536,16 +11812,10 @@
                 <a:latin typeface="Cambria Math" panose="02040503050406030204" pitchFamily="18" charset="0"/>
                 <a:ea typeface="Cambria Math" panose="02040503050406030204" pitchFamily="18" charset="0"/>
               </a:rPr>
-              <a:t>(f1))</a:t>
-            </a:r>
-          </a:p>
-          <a:p>
-            <a:r>
-              <a:rPr lang="de-AT" dirty="0" smtClean="0"/>
-              <a:t>Wenn </a:t>
-            </a:r>
-            <a:r>
-              <a:rPr lang="de-AT" dirty="0" err="1">
+              <a:t>(x</a:t>
+            </a:r>
+            <a:r>
+              <a:rPr lang="de-AT" dirty="0" smtClean="0">
                 <a:solidFill>
                   <a:schemeClr val="accent1">
                     <a:lumMod val="75000"/>
@@ -12554,10 +11824,20 @@
                 <a:latin typeface="Cambria Math" panose="02040503050406030204" pitchFamily="18" charset="0"/>
                 <a:ea typeface="Cambria Math" panose="02040503050406030204" pitchFamily="18" charset="0"/>
               </a:rPr>
-              <a:t>is.matrix</a:t>
-            </a:r>
-            <a:r>
-              <a:rPr lang="de-AT" dirty="0">
+              <a:t>)</a:t>
+            </a:r>
+            <a:r>
+              <a:rPr lang="de-AT" dirty="0" smtClean="0"/>
+              <a:t>?</a:t>
+            </a:r>
+          </a:p>
+          <a:p>
+            <a:r>
+              <a:rPr lang="de-AT" dirty="0" smtClean="0"/>
+              <a:t>Was macht </a:t>
+            </a:r>
+            <a:r>
+              <a:rPr lang="de-AT" sz="2700" dirty="0" err="1">
                 <a:solidFill>
                   <a:schemeClr val="accent1">
                     <a:lumMod val="75000"/>
@@ -12566,22 +11846,10 @@
                 <a:latin typeface="Cambria Math" panose="02040503050406030204" pitchFamily="18" charset="0"/>
                 <a:ea typeface="Cambria Math" panose="02040503050406030204" pitchFamily="18" charset="0"/>
               </a:rPr>
-              <a:t>(x)</a:t>
-            </a:r>
-            <a:r>
-              <a:rPr lang="de-AT" dirty="0" smtClean="0"/>
-              <a:t> </a:t>
-            </a:r>
-            <a:r>
-              <a:rPr lang="de-AT" dirty="0" err="1" smtClean="0"/>
-              <a:t>true</a:t>
-            </a:r>
-            <a:r>
-              <a:rPr lang="de-AT" dirty="0" smtClean="0"/>
-              <a:t> ist, was ergibt </a:t>
-            </a:r>
-            <a:r>
-              <a:rPr lang="de-AT" dirty="0" err="1">
+              <a:t>as.matrix</a:t>
+            </a:r>
+            <a:r>
+              <a:rPr lang="de-AT" sz="2700" dirty="0">
                 <a:solidFill>
                   <a:schemeClr val="accent1">
                     <a:lumMod val="75000"/>
@@ -12590,10 +11858,42 @@
                 <a:latin typeface="Cambria Math" panose="02040503050406030204" pitchFamily="18" charset="0"/>
                 <a:ea typeface="Cambria Math" panose="02040503050406030204" pitchFamily="18" charset="0"/>
               </a:rPr>
-              <a:t>is.array</a:t>
-            </a:r>
-            <a:r>
-              <a:rPr lang="de-AT" dirty="0">
+              <a:t>()</a:t>
+            </a:r>
+            <a:r>
+              <a:rPr lang="de-AT" dirty="0" smtClean="0"/>
+              <a:t> angewendet auf einen Data </a:t>
+            </a:r>
+            <a:r>
+              <a:rPr lang="de-AT" dirty="0" err="1" smtClean="0"/>
+              <a:t>frame</a:t>
+            </a:r>
+            <a:r>
+              <a:rPr lang="de-AT" dirty="0" smtClean="0"/>
+              <a:t> mit unterschiedlichen Typen?</a:t>
+            </a:r>
+          </a:p>
+          <a:p>
+            <a:r>
+              <a:rPr lang="de-AT" dirty="0" smtClean="0"/>
+              <a:t>Kann man einen Data </a:t>
+            </a:r>
+            <a:r>
+              <a:rPr lang="de-AT" dirty="0" err="1" smtClean="0"/>
+              <a:t>frame</a:t>
+            </a:r>
+            <a:r>
+              <a:rPr lang="de-AT" dirty="0" smtClean="0"/>
+              <a:t> mit 0 Zeilen haben? Und 0 Spalten?</a:t>
+            </a:r>
+          </a:p>
+          <a:p>
+            <a:r>
+              <a:rPr lang="de-AT" dirty="0" smtClean="0"/>
+              <a:t>Warum wirft </a:t>
+            </a:r>
+            <a:r>
+              <a:rPr lang="de-AT" sz="2700" dirty="0">
                 <a:solidFill>
                   <a:schemeClr val="accent1">
                     <a:lumMod val="75000"/>
@@ -12602,10 +11902,22 @@
                 <a:latin typeface="Cambria Math" panose="02040503050406030204" pitchFamily="18" charset="0"/>
                 <a:ea typeface="Cambria Math" panose="02040503050406030204" pitchFamily="18" charset="0"/>
               </a:rPr>
-              <a:t>(x</a:t>
-            </a:r>
-            <a:r>
-              <a:rPr lang="de-AT" dirty="0" smtClean="0">
+              <a:t>x &lt;- 1:5; x[NA]</a:t>
+            </a:r>
+            <a:r>
+              <a:rPr lang="de-AT" dirty="0" smtClean="0"/>
+              <a:t> 5 </a:t>
+            </a:r>
+            <a:r>
+              <a:rPr lang="de-AT" dirty="0" err="1" smtClean="0"/>
+              <a:t>Missingwerte</a:t>
+            </a:r>
+            <a:r>
+              <a:rPr lang="de-AT" dirty="0" smtClean="0"/>
+              <a:t> zurück? Vergleiche mit </a:t>
+            </a:r>
+            <a:r>
+              <a:rPr lang="de-AT" sz="2400" dirty="0" smtClean="0">
                 <a:solidFill>
                   <a:schemeClr val="accent1">
                     <a:lumMod val="75000"/>
@@ -12614,20 +11926,10 @@
                 <a:latin typeface="Cambria Math" panose="02040503050406030204" pitchFamily="18" charset="0"/>
                 <a:ea typeface="Cambria Math" panose="02040503050406030204" pitchFamily="18" charset="0"/>
               </a:rPr>
-              <a:t>)</a:t>
-            </a:r>
-            <a:r>
-              <a:rPr lang="de-AT" dirty="0" smtClean="0"/>
-              <a:t>?</a:t>
-            </a:r>
-          </a:p>
-          <a:p>
-            <a:r>
-              <a:rPr lang="de-AT" dirty="0" smtClean="0"/>
-              <a:t>Was macht </a:t>
-            </a:r>
-            <a:r>
-              <a:rPr lang="de-AT" sz="2700" dirty="0" err="1">
+              <a:t>x[</a:t>
+            </a:r>
+            <a:r>
+              <a:rPr lang="de-AT" sz="2400" dirty="0" err="1" smtClean="0">
                 <a:solidFill>
                   <a:schemeClr val="accent1">
                     <a:lumMod val="75000"/>
@@ -12636,10 +11938,10 @@
                 <a:latin typeface="Cambria Math" panose="02040503050406030204" pitchFamily="18" charset="0"/>
                 <a:ea typeface="Cambria Math" panose="02040503050406030204" pitchFamily="18" charset="0"/>
               </a:rPr>
-              <a:t>as.matrix</a:t>
-            </a:r>
-            <a:r>
-              <a:rPr lang="de-AT" sz="2700" dirty="0">
+              <a:t>NA_real</a:t>
+            </a:r>
+            <a:r>
+              <a:rPr lang="de-AT" sz="2400" dirty="0" smtClean="0">
                 <a:solidFill>
                   <a:schemeClr val="accent1">
                     <a:lumMod val="75000"/>
@@ -12648,42 +11950,17 @@
                 <a:latin typeface="Cambria Math" panose="02040503050406030204" pitchFamily="18" charset="0"/>
                 <a:ea typeface="Cambria Math" panose="02040503050406030204" pitchFamily="18" charset="0"/>
               </a:rPr>
-              <a:t>()</a:t>
-            </a:r>
-            <a:r>
-              <a:rPr lang="de-AT" dirty="0" smtClean="0"/>
-              <a:t> angewendet auf einen Data </a:t>
-            </a:r>
-            <a:r>
-              <a:rPr lang="de-AT" dirty="0" err="1" smtClean="0"/>
-              <a:t>frame</a:t>
-            </a:r>
-            <a:r>
-              <a:rPr lang="de-AT" dirty="0" smtClean="0"/>
-              <a:t> mit unterschiedlichen Typen?</a:t>
-            </a:r>
-          </a:p>
-          <a:p>
-            <a:r>
-              <a:rPr lang="de-AT" dirty="0" smtClean="0"/>
-              <a:t>Kann man einen Data </a:t>
-            </a:r>
-            <a:r>
-              <a:rPr lang="de-AT" dirty="0" err="1" smtClean="0"/>
-              <a:t>frame</a:t>
-            </a:r>
-            <a:r>
-              <a:rPr lang="de-AT" dirty="0" smtClean="0"/>
-              <a:t> mit 0 Zeilen haben? Und 0 Spalten?</a:t>
-            </a:r>
-          </a:p>
-          <a:p>
-            <a:r>
-              <a:rPr lang="de-AT" dirty="0"/>
-              <a:t>Vereinfache </a:t>
-            </a:r>
-            <a:r>
-              <a:rPr lang="de-AT" dirty="0">
+              <a:t>_]</a:t>
+            </a:r>
+            <a:endParaRPr lang="de-AT" dirty="0" smtClean="0"/>
+          </a:p>
+          <a:p>
+            <a:r>
+              <a:rPr lang="de-AT" sz="2700" dirty="0" smtClean="0"/>
+              <a:t>Was gibt </a:t>
+            </a:r>
+            <a:r>
+              <a:rPr lang="de-AT" dirty="0" err="1" smtClean="0">
                 <a:solidFill>
                   <a:schemeClr val="accent1">
                     <a:lumMod val="75000"/>
@@ -12692,7 +11969,7 @@
                 <a:latin typeface="Cambria Math" panose="02040503050406030204" pitchFamily="18" charset="0"/>
                 <a:ea typeface="Cambria Math" panose="02040503050406030204" pitchFamily="18" charset="0"/>
               </a:rPr>
-              <a:t>!((X &amp; Y) | !Z</a:t>
+              <a:t>upper.tri</a:t>
             </a:r>
             <a:r>
               <a:rPr lang="de-AT" dirty="0" smtClean="0">
@@ -12704,16 +11981,20 @@
                 <a:latin typeface="Cambria Math" panose="02040503050406030204" pitchFamily="18" charset="0"/>
                 <a:ea typeface="Cambria Math" panose="02040503050406030204" pitchFamily="18" charset="0"/>
               </a:rPr>
-              <a:t>)</a:t>
-            </a:r>
-          </a:p>
-          <a:p>
-            <a:r>
-              <a:rPr lang="de-AT" dirty="0" smtClean="0"/>
-              <a:t>Warum wirft </a:t>
-            </a:r>
-            <a:r>
-              <a:rPr lang="de-AT" sz="2700" dirty="0">
+              <a:t>() </a:t>
+            </a:r>
+            <a:r>
+              <a:rPr lang="de-AT" sz="2700" dirty="0" smtClean="0"/>
+              <a:t>zurück? Wie kann man damit auf Matrix-Elemente zugreifen?</a:t>
+            </a:r>
+          </a:p>
+          <a:p>
+            <a:r>
+              <a:rPr lang="de-AT" sz="2800" dirty="0"/>
+              <a:t>Vereinfache </a:t>
+            </a:r>
+            <a:r>
+              <a:rPr lang="de-AT" sz="2800" dirty="0">
                 <a:solidFill>
                   <a:schemeClr val="accent1">
                     <a:lumMod val="75000"/>
@@ -12722,22 +12003,10 @@
                 <a:latin typeface="Cambria Math" panose="02040503050406030204" pitchFamily="18" charset="0"/>
                 <a:ea typeface="Cambria Math" panose="02040503050406030204" pitchFamily="18" charset="0"/>
               </a:rPr>
-              <a:t>x &lt;- 1:5; x[NA]</a:t>
-            </a:r>
-            <a:r>
-              <a:rPr lang="de-AT" dirty="0" smtClean="0"/>
-              <a:t> 5 </a:t>
-            </a:r>
-            <a:r>
-              <a:rPr lang="de-AT" dirty="0" err="1" smtClean="0"/>
-              <a:t>Missingwerte</a:t>
-            </a:r>
-            <a:r>
-              <a:rPr lang="de-AT" dirty="0" smtClean="0"/>
-              <a:t> zurück? Vergleiche mit </a:t>
-            </a:r>
-            <a:r>
-              <a:rPr lang="de-AT" sz="2400" dirty="0" smtClean="0">
+              <a:t>!((X &amp; Y) | !Z</a:t>
+            </a:r>
+            <a:r>
+              <a:rPr lang="de-AT" sz="2800" dirty="0" smtClean="0">
                 <a:solidFill>
                   <a:schemeClr val="accent1">
                     <a:lumMod val="75000"/>
@@ -12746,67 +12015,9 @@
                 <a:latin typeface="Cambria Math" panose="02040503050406030204" pitchFamily="18" charset="0"/>
                 <a:ea typeface="Cambria Math" panose="02040503050406030204" pitchFamily="18" charset="0"/>
               </a:rPr>
-              <a:t>x[</a:t>
-            </a:r>
-            <a:r>
-              <a:rPr lang="de-AT" sz="2400" dirty="0" err="1" smtClean="0">
-                <a:solidFill>
-                  <a:schemeClr val="accent1">
-                    <a:lumMod val="75000"/>
-                  </a:schemeClr>
-                </a:solidFill>
-                <a:latin typeface="Cambria Math" panose="02040503050406030204" pitchFamily="18" charset="0"/>
-                <a:ea typeface="Cambria Math" panose="02040503050406030204" pitchFamily="18" charset="0"/>
-              </a:rPr>
-              <a:t>NA_real</a:t>
-            </a:r>
-            <a:r>
-              <a:rPr lang="de-AT" sz="2400" dirty="0" smtClean="0">
-                <a:solidFill>
-                  <a:schemeClr val="accent1">
-                    <a:lumMod val="75000"/>
-                  </a:schemeClr>
-                </a:solidFill>
-                <a:latin typeface="Cambria Math" panose="02040503050406030204" pitchFamily="18" charset="0"/>
-                <a:ea typeface="Cambria Math" panose="02040503050406030204" pitchFamily="18" charset="0"/>
-              </a:rPr>
-              <a:t>_]</a:t>
-            </a:r>
-            <a:endParaRPr lang="de-AT" dirty="0" smtClean="0"/>
-          </a:p>
-          <a:p>
-            <a:r>
-              <a:rPr lang="de-AT" sz="2700" dirty="0" smtClean="0"/>
-              <a:t>Was gibt </a:t>
-            </a:r>
-            <a:r>
-              <a:rPr lang="de-AT" dirty="0" err="1" smtClean="0">
-                <a:solidFill>
-                  <a:schemeClr val="accent1">
-                    <a:lumMod val="75000"/>
-                  </a:schemeClr>
-                </a:solidFill>
-                <a:latin typeface="Cambria Math" panose="02040503050406030204" pitchFamily="18" charset="0"/>
-                <a:ea typeface="Cambria Math" panose="02040503050406030204" pitchFamily="18" charset="0"/>
-              </a:rPr>
-              <a:t>upper.tri</a:t>
-            </a:r>
-            <a:r>
-              <a:rPr lang="de-AT" dirty="0" smtClean="0">
-                <a:solidFill>
-                  <a:schemeClr val="accent1">
-                    <a:lumMod val="75000"/>
-                  </a:schemeClr>
-                </a:solidFill>
-                <a:latin typeface="Cambria Math" panose="02040503050406030204" pitchFamily="18" charset="0"/>
-                <a:ea typeface="Cambria Math" panose="02040503050406030204" pitchFamily="18" charset="0"/>
-              </a:rPr>
-              <a:t>() </a:t>
-            </a:r>
-            <a:r>
-              <a:rPr lang="de-AT" sz="2700" dirty="0" smtClean="0"/>
-              <a:t>zurück? Wie kann man damit auf Matrix-Elemente zugreifen?</a:t>
-            </a:r>
+              <a:t>)</a:t>
+            </a:r>
+            <a:endParaRPr lang="de-AT" sz="2700" dirty="0" smtClean="0"/>
           </a:p>
           <a:p>
             <a:pPr marL="0" indent="0">
@@ -13854,11 +13065,7 @@
           <a:p>
             <a:r>
               <a:rPr lang="de-AT" dirty="0" smtClean="0"/>
-              <a:t>Übung </a:t>
-            </a:r>
-            <a:r>
-              <a:rPr lang="de-AT" dirty="0" smtClean="0"/>
-              <a:t>2 – Funktionen</a:t>
+              <a:t>Übung 2 – Funktionen</a:t>
             </a:r>
             <a:endParaRPr lang="de-AT" dirty="0"/>
           </a:p>
@@ -14644,56 +13851,61 @@
               <a:rPr lang="de-AT" dirty="0" smtClean="0"/>
               <a:t>R-code optimieren</a:t>
             </a:r>
-            <a:endParaRPr lang="de-AT" dirty="0" smtClean="0"/>
           </a:p>
           <a:p>
             <a:pPr lvl="1"/>
             <a:r>
-              <a:rPr lang="de-AT" i="1" dirty="0" err="1" smtClean="0"/>
+              <a:rPr lang="de-AT" dirty="0" err="1" smtClean="0"/>
               <a:t>Vektorisieren</a:t>
             </a:r>
             <a:r>
               <a:rPr lang="de-AT" dirty="0" smtClean="0"/>
               <a:t>, </a:t>
             </a:r>
+            <a:endParaRPr lang="de-AT" dirty="0" smtClean="0"/>
+          </a:p>
+          <a:p>
+            <a:pPr lvl="1"/>
             <a:r>
               <a:rPr lang="de-AT" dirty="0" smtClean="0"/>
-              <a:t>sparsames </a:t>
+              <a:t>Sparsames </a:t>
             </a:r>
             <a:r>
               <a:rPr lang="de-AT" dirty="0" smtClean="0"/>
               <a:t>programmieren, </a:t>
             </a:r>
-            <a:r>
-              <a:rPr lang="de-AT" smtClean="0"/>
-              <a:t>paralleles Programmieren</a:t>
-            </a:r>
-          </a:p>
-          <a:p>
-            <a:r>
-              <a:rPr lang="de-AT" smtClean="0"/>
-              <a:t>Funktionalität </a:t>
+            <a:endParaRPr lang="de-AT" dirty="0" smtClean="0"/>
+          </a:p>
+          <a:p>
+            <a:pPr lvl="1"/>
+            <a:r>
+              <a:rPr lang="de-AT" dirty="0" smtClean="0"/>
+              <a:t>Paralleles programmieren</a:t>
+            </a:r>
+            <a:endParaRPr lang="de-AT" dirty="0" smtClean="0"/>
+          </a:p>
+          <a:p>
+            <a:pPr lvl="1"/>
+            <a:r>
+              <a:rPr lang="de-AT" sz="2533" dirty="0" err="1">
+                <a:solidFill>
+                  <a:schemeClr val="accent1">
+                    <a:lumMod val="75000"/>
+                  </a:schemeClr>
+                </a:solidFill>
+                <a:latin typeface="Cambria Math" panose="02040503050406030204" pitchFamily="18" charset="0"/>
+                <a:ea typeface="Cambria Math" panose="02040503050406030204" pitchFamily="18" charset="0"/>
+              </a:rPr>
+              <a:t>Rcpp</a:t>
+            </a:r>
+            <a:r>
+              <a:rPr lang="de-AT" dirty="0" smtClean="0"/>
+              <a:t>: Funktionalität </a:t>
             </a:r>
             <a:r>
               <a:rPr lang="de-AT" dirty="0" smtClean="0"/>
               <a:t>auslagern </a:t>
             </a:r>
-          </a:p>
-          <a:p>
-            <a:pPr lvl="1"/>
-            <a:r>
-              <a:rPr lang="de-AT" dirty="0" smtClean="0"/>
-              <a:t>C</a:t>
-            </a:r>
-            <a:r>
-              <a:rPr lang="de-AT" dirty="0" smtClean="0"/>
-              <a:t>, C++, </a:t>
-            </a:r>
-            <a:r>
-              <a:rPr lang="de-AT" dirty="0" smtClean="0"/>
-              <a:t>RCPP</a:t>
-            </a:r>
-            <a:endParaRPr lang="de-AT" dirty="0" smtClean="0"/>
           </a:p>
           <a:p>
             <a:pPr marL="0" indent="0">
@@ -14974,11 +14186,7 @@
           <a:p>
             <a:r>
               <a:rPr lang="de-AT" dirty="0" smtClean="0"/>
-              <a:t>Übung </a:t>
-            </a:r>
-            <a:r>
-              <a:rPr lang="de-AT" dirty="0" smtClean="0"/>
-              <a:t>3 – Performanz</a:t>
+              <a:t>Übung 3 – Performanz</a:t>
             </a:r>
             <a:endParaRPr lang="de-AT" dirty="0"/>
           </a:p>
@@ -15003,11 +14211,7 @@
           <a:p>
             <a:r>
               <a:rPr lang="de-AT" dirty="0" smtClean="0"/>
-              <a:t>Welche der </a:t>
-            </a:r>
-            <a:r>
-              <a:rPr lang="de-AT" dirty="0" smtClean="0"/>
-              <a:t>folgenden Methoden zur Berechnung der Wurzel ist die performanteste: </a:t>
+              <a:t>Welche der folgenden Methoden zur Berechnung der Wurzel ist die performanteste: </a:t>
             </a:r>
             <a:r>
               <a:rPr lang="de-AT" sz="2400" dirty="0" err="1">
@@ -15063,10 +14267,14 @@
                 <a:latin typeface="Cambria Math" panose="02040503050406030204" pitchFamily="18" charset="0"/>
                 <a:ea typeface="Cambria Math" panose="02040503050406030204" pitchFamily="18" charset="0"/>
               </a:rPr>
-              <a:t>x</a:t>
-            </a:r>
-            <a:r>
-              <a:rPr lang="de-AT" sz="2400" dirty="0">
+              <a:t>x^(1 / 2)</a:t>
+            </a:r>
+            <a:r>
+              <a:rPr lang="de-AT" dirty="0" smtClean="0"/>
+              <a:t>, </a:t>
+            </a:r>
+            <a:r>
+              <a:rPr lang="de-AT" sz="2400" dirty="0" err="1">
                 <a:solidFill>
                   <a:schemeClr val="accent1">
                     <a:lumMod val="75000"/>
@@ -15075,7 +14283,7 @@
                 <a:latin typeface="Cambria Math" panose="02040503050406030204" pitchFamily="18" charset="0"/>
                 <a:ea typeface="Cambria Math" panose="02040503050406030204" pitchFamily="18" charset="0"/>
               </a:rPr>
-              <a:t>^(1 / 2</a:t>
+              <a:t>exp</a:t>
             </a:r>
             <a:r>
               <a:rPr lang="de-AT" sz="2400" dirty="0">
@@ -15087,14 +14295,20 @@
                 <a:latin typeface="Cambria Math" panose="02040503050406030204" pitchFamily="18" charset="0"/>
                 <a:ea typeface="Cambria Math" panose="02040503050406030204" pitchFamily="18" charset="0"/>
               </a:rPr>
-              <a:t>)</a:t>
+              <a:t>(log(x) / 2)</a:t>
             </a:r>
             <a:r>
               <a:rPr lang="de-AT" dirty="0" smtClean="0"/>
-              <a:t>, </a:t>
-            </a:r>
-            <a:r>
-              <a:rPr lang="de-AT" sz="2400" dirty="0" err="1">
+              <a:t>?</a:t>
+            </a:r>
+          </a:p>
+          <a:p>
+            <a:r>
+              <a:rPr lang="de-AT" dirty="0" smtClean="0"/>
+              <a:t>Welche der fundamentalen Rechenoperatoren (</a:t>
+            </a:r>
+            <a:r>
+              <a:rPr lang="de-AT" sz="2500" dirty="0">
                 <a:solidFill>
                   <a:schemeClr val="accent1">
                     <a:lumMod val="75000"/>
@@ -15103,10 +14317,14 @@
                 <a:latin typeface="Cambria Math" panose="02040503050406030204" pitchFamily="18" charset="0"/>
                 <a:ea typeface="Cambria Math" panose="02040503050406030204" pitchFamily="18" charset="0"/>
               </a:rPr>
-              <a:t>exp</a:t>
-            </a:r>
-            <a:r>
-              <a:rPr lang="de-AT" sz="2400" dirty="0">
+              <a:t>+</a:t>
+            </a:r>
+            <a:r>
+              <a:rPr lang="de-AT" dirty="0" smtClean="0"/>
+              <a:t>, </a:t>
+            </a:r>
+            <a:r>
+              <a:rPr lang="de-AT" sz="2500" dirty="0">
                 <a:solidFill>
                   <a:schemeClr val="accent1">
                     <a:lumMod val="75000"/>
@@ -15115,21 +14333,11 @@
                 <a:latin typeface="Cambria Math" panose="02040503050406030204" pitchFamily="18" charset="0"/>
                 <a:ea typeface="Cambria Math" panose="02040503050406030204" pitchFamily="18" charset="0"/>
               </a:rPr>
-              <a:t>(log(x) / 2)</a:t>
+              <a:t>-</a:t>
             </a:r>
             <a:r>
               <a:rPr lang="de-AT" dirty="0" smtClean="0"/>
-              <a:t>?</a:t>
-            </a:r>
-          </a:p>
-          <a:p>
-            <a:r>
-              <a:rPr lang="de-AT" dirty="0" smtClean="0"/>
-              <a:t>Welche der </a:t>
-            </a:r>
-            <a:r>
-              <a:rPr lang="de-AT" dirty="0" smtClean="0"/>
-              <a:t>fundamentalen Rechenoperatoren (</a:t>
+              <a:t>, </a:t>
             </a:r>
             <a:r>
               <a:rPr lang="de-AT" sz="2500" dirty="0">
@@ -15141,7 +14349,7 @@
                 <a:latin typeface="Cambria Math" panose="02040503050406030204" pitchFamily="18" charset="0"/>
                 <a:ea typeface="Cambria Math" panose="02040503050406030204" pitchFamily="18" charset="0"/>
               </a:rPr>
-              <a:t>+</a:t>
+              <a:t>*</a:t>
             </a:r>
             <a:r>
               <a:rPr lang="de-AT" dirty="0" smtClean="0"/>
@@ -15157,7 +14365,7 @@
                 <a:latin typeface="Cambria Math" panose="02040503050406030204" pitchFamily="18" charset="0"/>
                 <a:ea typeface="Cambria Math" panose="02040503050406030204" pitchFamily="18" charset="0"/>
               </a:rPr>
-              <a:t>-</a:t>
+              <a:t>/</a:t>
             </a:r>
             <a:r>
               <a:rPr lang="de-AT" dirty="0" smtClean="0"/>
@@ -15173,14 +14381,34 @@
                 <a:latin typeface="Cambria Math" panose="02040503050406030204" pitchFamily="18" charset="0"/>
                 <a:ea typeface="Cambria Math" panose="02040503050406030204" pitchFamily="18" charset="0"/>
               </a:rPr>
-              <a:t>*</a:t>
+              <a:t>^</a:t>
             </a:r>
             <a:r>
               <a:rPr lang="de-AT" dirty="0" smtClean="0"/>
-              <a:t>, </a:t>
-            </a:r>
-            <a:r>
-              <a:rPr lang="de-AT" sz="2500" dirty="0">
+              <a:t>) ist die schnellste? Wir wirkt sich der Datentyp (integer vs. double) auf die Geschwindigkeit aus?</a:t>
+            </a:r>
+          </a:p>
+          <a:p>
+            <a:r>
+              <a:rPr lang="de-AT" dirty="0" smtClean="0"/>
+              <a:t>Vergleiche den Aufwand für den Zugriff auf ein Listenelement, auf eine Zeile bzw. auf eine Spalte einer Matrix bzw. eines Data </a:t>
+            </a:r>
+            <a:r>
+              <a:rPr lang="de-AT" dirty="0" err="1" smtClean="0"/>
+              <a:t>frames</a:t>
+            </a:r>
+            <a:r>
+              <a:rPr lang="de-AT" dirty="0" smtClean="0"/>
+              <a:t>. </a:t>
+            </a:r>
+          </a:p>
+          <a:p>
+            <a:r>
+              <a:rPr lang="de-AT" sz="2700" dirty="0" smtClean="0"/>
+              <a:t>Verwende folgende Elemente und vergleiche den Aufruf von </a:t>
+            </a:r>
+            <a:r>
+              <a:rPr lang="de-AT" sz="2400" dirty="0" err="1">
                 <a:solidFill>
                   <a:schemeClr val="accent1">
                     <a:lumMod val="75000"/>
@@ -15189,14 +14417,10 @@
                 <a:latin typeface="Cambria Math" panose="02040503050406030204" pitchFamily="18" charset="0"/>
                 <a:ea typeface="Cambria Math" panose="02040503050406030204" pitchFamily="18" charset="0"/>
               </a:rPr>
-              <a:t>/</a:t>
-            </a:r>
-            <a:r>
-              <a:rPr lang="de-AT" dirty="0" smtClean="0"/>
-              <a:t>, </a:t>
-            </a:r>
-            <a:r>
-              <a:rPr lang="de-AT" sz="2500" dirty="0">
+              <a:t>rowsum</a:t>
+            </a:r>
+            <a:r>
+              <a:rPr lang="de-AT" sz="2400" dirty="0">
                 <a:solidFill>
                   <a:schemeClr val="accent1">
                     <a:lumMod val="75000"/>
@@ -15205,31 +14429,7 @@
                 <a:latin typeface="Cambria Math" panose="02040503050406030204" pitchFamily="18" charset="0"/>
                 <a:ea typeface="Cambria Math" panose="02040503050406030204" pitchFamily="18" charset="0"/>
               </a:rPr>
-              <a:t>^</a:t>
-            </a:r>
-            <a:r>
-              <a:rPr lang="de-AT" dirty="0" smtClean="0"/>
-              <a:t>) ist die schnellste? Wir wirkt sich der Datentyp (integer vs. double) auf die Geschwindigkeit aus?</a:t>
-            </a:r>
-          </a:p>
-          <a:p>
-            <a:r>
-              <a:rPr lang="de-AT" dirty="0" smtClean="0"/>
-              <a:t>Vergleiche den Aufwand für den Zugriff auf ein Listenelement, auf eine Zeile bzw. auf eine Spalte einer Matrix bzw. eines Data </a:t>
-            </a:r>
-            <a:r>
-              <a:rPr lang="de-AT" dirty="0" err="1" smtClean="0"/>
-              <a:t>frames</a:t>
-            </a:r>
-            <a:r>
-              <a:rPr lang="de-AT" dirty="0" smtClean="0"/>
-              <a:t>. </a:t>
-            </a:r>
-          </a:p>
-          <a:p>
-            <a:r>
-              <a:rPr lang="de-AT" sz="2700" dirty="0" smtClean="0"/>
-              <a:t>Verwende folgende Elemente und vergleiche den Aufruf von </a:t>
+              <a:t>(x, </a:t>
             </a:r>
             <a:r>
               <a:rPr lang="de-AT" sz="2400" dirty="0" err="1">
@@ -15241,7 +14441,7 @@
                 <a:latin typeface="Cambria Math" panose="02040503050406030204" pitchFamily="18" charset="0"/>
                 <a:ea typeface="Cambria Math" panose="02040503050406030204" pitchFamily="18" charset="0"/>
               </a:rPr>
-              <a:t>rowsum</a:t>
+              <a:t>group</a:t>
             </a:r>
             <a:r>
               <a:rPr lang="de-AT" sz="2400" dirty="0">
@@ -15253,7 +14453,11 @@
                 <a:latin typeface="Cambria Math" panose="02040503050406030204" pitchFamily="18" charset="0"/>
                 <a:ea typeface="Cambria Math" panose="02040503050406030204" pitchFamily="18" charset="0"/>
               </a:rPr>
-              <a:t>(x, </a:t>
+              <a:t>)</a:t>
+            </a:r>
+            <a:r>
+              <a:rPr lang="de-AT" sz="2700" dirty="0" smtClean="0"/>
+              <a:t> und </a:t>
             </a:r>
             <a:r>
               <a:rPr lang="de-AT" sz="2400" dirty="0" err="1">
@@ -15265,7 +14469,7 @@
                 <a:latin typeface="Cambria Math" panose="02040503050406030204" pitchFamily="18" charset="0"/>
                 <a:ea typeface="Cambria Math" panose="02040503050406030204" pitchFamily="18" charset="0"/>
               </a:rPr>
-              <a:t>group</a:t>
+              <a:t>aggregate</a:t>
             </a:r>
             <a:r>
               <a:rPr lang="de-AT" sz="2400" dirty="0">
@@ -15277,11 +14481,7 @@
                 <a:latin typeface="Cambria Math" panose="02040503050406030204" pitchFamily="18" charset="0"/>
                 <a:ea typeface="Cambria Math" panose="02040503050406030204" pitchFamily="18" charset="0"/>
               </a:rPr>
-              <a:t>)</a:t>
-            </a:r>
-            <a:r>
-              <a:rPr lang="de-AT" sz="2700" dirty="0" smtClean="0"/>
-              <a:t> und </a:t>
+              <a:t>(x, </a:t>
             </a:r>
             <a:r>
               <a:rPr lang="de-AT" sz="2400" dirty="0" err="1">
@@ -15293,7 +14493,7 @@
                 <a:latin typeface="Cambria Math" panose="02040503050406030204" pitchFamily="18" charset="0"/>
                 <a:ea typeface="Cambria Math" panose="02040503050406030204" pitchFamily="18" charset="0"/>
               </a:rPr>
-              <a:t>aggregate</a:t>
+              <a:t>list</a:t>
             </a:r>
             <a:r>
               <a:rPr lang="de-AT" sz="2400" dirty="0">
@@ -15305,7 +14505,7 @@
                 <a:latin typeface="Cambria Math" panose="02040503050406030204" pitchFamily="18" charset="0"/>
                 <a:ea typeface="Cambria Math" panose="02040503050406030204" pitchFamily="18" charset="0"/>
               </a:rPr>
-              <a:t>(x, </a:t>
+              <a:t>(</a:t>
             </a:r>
             <a:r>
               <a:rPr lang="de-AT" sz="2400" dirty="0" err="1">
@@ -15317,7 +14517,7 @@
                 <a:latin typeface="Cambria Math" panose="02040503050406030204" pitchFamily="18" charset="0"/>
                 <a:ea typeface="Cambria Math" panose="02040503050406030204" pitchFamily="18" charset="0"/>
               </a:rPr>
-              <a:t>list</a:t>
+              <a:t>group</a:t>
             </a:r>
             <a:r>
               <a:rPr lang="de-AT" sz="2400" dirty="0">
@@ -15329,7 +14529,7 @@
                 <a:latin typeface="Cambria Math" panose="02040503050406030204" pitchFamily="18" charset="0"/>
                 <a:ea typeface="Cambria Math" panose="02040503050406030204" pitchFamily="18" charset="0"/>
               </a:rPr>
-              <a:t>(</a:t>
+              <a:t>), </a:t>
             </a:r>
             <a:r>
               <a:rPr lang="de-AT" sz="2400" dirty="0" err="1">
@@ -15341,7 +14541,7 @@
                 <a:latin typeface="Cambria Math" panose="02040503050406030204" pitchFamily="18" charset="0"/>
                 <a:ea typeface="Cambria Math" panose="02040503050406030204" pitchFamily="18" charset="0"/>
               </a:rPr>
-              <a:t>group</a:t>
+              <a:t>sum</a:t>
             </a:r>
             <a:r>
               <a:rPr lang="de-AT" sz="2400" dirty="0">
@@ -15353,10 +14553,19 @@
                 <a:latin typeface="Cambria Math" panose="02040503050406030204" pitchFamily="18" charset="0"/>
                 <a:ea typeface="Cambria Math" panose="02040503050406030204" pitchFamily="18" charset="0"/>
               </a:rPr>
-              <a:t>), </a:t>
-            </a:r>
-            <a:r>
-              <a:rPr lang="de-AT" sz="2400" dirty="0" err="1">
+              <a:t>)</a:t>
+            </a:r>
+            <a:r>
+              <a:rPr lang="de-AT" sz="2700" dirty="0" smtClean="0"/>
+              <a:t> miteinander. </a:t>
+            </a:r>
+          </a:p>
+          <a:p>
+            <a:pPr marL="1219170" lvl="2" indent="0">
+              <a:buNone/>
+            </a:pPr>
+            <a:r>
+              <a:rPr lang="de-AT" sz="2400" dirty="0" smtClean="0">
                 <a:solidFill>
                   <a:schemeClr val="accent1">
                     <a:lumMod val="75000"/>
@@ -15365,10 +14574,10 @@
                 <a:latin typeface="Cambria Math" panose="02040503050406030204" pitchFamily="18" charset="0"/>
                 <a:ea typeface="Cambria Math" panose="02040503050406030204" pitchFamily="18" charset="0"/>
               </a:rPr>
-              <a:t>sum</a:t>
-            </a:r>
-            <a:r>
-              <a:rPr lang="de-AT" sz="2400" dirty="0">
+              <a:t>x &lt;- </a:t>
+            </a:r>
+            <a:r>
+              <a:rPr lang="de-AT" sz="2400" dirty="0" err="1" smtClean="0">
                 <a:solidFill>
                   <a:schemeClr val="accent1">
                     <a:lumMod val="75000"/>
@@ -15377,11 +14586,67 @@
                 <a:latin typeface="Cambria Math" panose="02040503050406030204" pitchFamily="18" charset="0"/>
                 <a:ea typeface="Cambria Math" panose="02040503050406030204" pitchFamily="18" charset="0"/>
               </a:rPr>
-              <a:t>)</a:t>
-            </a:r>
-            <a:r>
-              <a:rPr lang="de-AT" sz="2700" dirty="0" smtClean="0"/>
-              <a:t> miteinander. </a:t>
+              <a:t>matrix</a:t>
+            </a:r>
+            <a:r>
+              <a:rPr lang="de-AT" sz="2400" dirty="0" smtClean="0">
+                <a:solidFill>
+                  <a:schemeClr val="accent1">
+                    <a:lumMod val="75000"/>
+                  </a:schemeClr>
+                </a:solidFill>
+                <a:latin typeface="Cambria Math" panose="02040503050406030204" pitchFamily="18" charset="0"/>
+                <a:ea typeface="Cambria Math" panose="02040503050406030204" pitchFamily="18" charset="0"/>
+              </a:rPr>
+              <a:t>(</a:t>
+            </a:r>
+            <a:r>
+              <a:rPr lang="de-AT" sz="2400" dirty="0" err="1" smtClean="0">
+                <a:solidFill>
+                  <a:schemeClr val="accent1">
+                    <a:lumMod val="75000"/>
+                  </a:schemeClr>
+                </a:solidFill>
+                <a:latin typeface="Cambria Math" panose="02040503050406030204" pitchFamily="18" charset="0"/>
+                <a:ea typeface="Cambria Math" panose="02040503050406030204" pitchFamily="18" charset="0"/>
+              </a:rPr>
+              <a:t>runif</a:t>
+            </a:r>
+            <a:r>
+              <a:rPr lang="de-AT" sz="2400" dirty="0" smtClean="0">
+                <a:solidFill>
+                  <a:schemeClr val="accent1">
+                    <a:lumMod val="75000"/>
+                  </a:schemeClr>
+                </a:solidFill>
+                <a:latin typeface="Cambria Math" panose="02040503050406030204" pitchFamily="18" charset="0"/>
+                <a:ea typeface="Cambria Math" panose="02040503050406030204" pitchFamily="18" charset="0"/>
+              </a:rPr>
+              <a:t>(100), </a:t>
+            </a:r>
+            <a:r>
+              <a:rPr lang="de-AT" sz="2400" dirty="0" err="1" smtClean="0">
+                <a:solidFill>
+                  <a:schemeClr val="accent1">
+                    <a:lumMod val="75000"/>
+                  </a:schemeClr>
+                </a:solidFill>
+                <a:latin typeface="Cambria Math" panose="02040503050406030204" pitchFamily="18" charset="0"/>
+                <a:ea typeface="Cambria Math" panose="02040503050406030204" pitchFamily="18" charset="0"/>
+              </a:rPr>
+              <a:t>ncol</a:t>
+            </a:r>
+            <a:r>
+              <a:rPr lang="de-AT" sz="2400" dirty="0" smtClean="0">
+                <a:solidFill>
+                  <a:schemeClr val="accent1">
+                    <a:lumMod val="75000"/>
+                  </a:schemeClr>
+                </a:solidFill>
+                <a:latin typeface="Cambria Math" panose="02040503050406030204" pitchFamily="18" charset="0"/>
+                <a:ea typeface="Cambria Math" panose="02040503050406030204" pitchFamily="18" charset="0"/>
+              </a:rPr>
+              <a:t> = 5)</a:t>
             </a:r>
           </a:p>
           <a:p>
@@ -15389,7 +14654,7 @@
               <a:buNone/>
             </a:pPr>
             <a:r>
-              <a:rPr lang="de-AT" sz="2400" dirty="0" smtClean="0">
+              <a:rPr lang="de-AT" sz="2400" dirty="0" err="1" smtClean="0">
                 <a:solidFill>
                   <a:schemeClr val="accent1">
                     <a:lumMod val="75000"/>
@@ -15398,10 +14663,10 @@
                 <a:latin typeface="Cambria Math" panose="02040503050406030204" pitchFamily="18" charset="0"/>
                 <a:ea typeface="Cambria Math" panose="02040503050406030204" pitchFamily="18" charset="0"/>
               </a:rPr>
-              <a:t>x &lt;- </a:t>
-            </a:r>
-            <a:r>
-              <a:rPr lang="de-AT" sz="2400" dirty="0" err="1" smtClean="0">
+              <a:t>group</a:t>
+            </a:r>
+            <a:r>
+              <a:rPr lang="de-AT" sz="2400" dirty="0" smtClean="0">
                 <a:solidFill>
                   <a:schemeClr val="accent1">
                     <a:lumMod val="75000"/>
@@ -15410,10 +14675,10 @@
                 <a:latin typeface="Cambria Math" panose="02040503050406030204" pitchFamily="18" charset="0"/>
                 <a:ea typeface="Cambria Math" panose="02040503050406030204" pitchFamily="18" charset="0"/>
               </a:rPr>
-              <a:t>matrix</a:t>
-            </a:r>
-            <a:r>
-              <a:rPr lang="de-AT" sz="2400" dirty="0" smtClean="0">
+              <a:t> </a:t>
+            </a:r>
+            <a:r>
+              <a:rPr lang="de-AT" sz="2400" dirty="0">
                 <a:solidFill>
                   <a:schemeClr val="accent1">
                     <a:lumMod val="75000"/>
@@ -15422,10 +14687,10 @@
                 <a:latin typeface="Cambria Math" panose="02040503050406030204" pitchFamily="18" charset="0"/>
                 <a:ea typeface="Cambria Math" panose="02040503050406030204" pitchFamily="18" charset="0"/>
               </a:rPr>
-              <a:t>(</a:t>
-            </a:r>
-            <a:r>
-              <a:rPr lang="de-AT" sz="2400" dirty="0" err="1" smtClean="0">
+              <a:t>&lt;- sample(1:8, 20, TRUE</a:t>
+            </a:r>
+            <a:r>
+              <a:rPr lang="de-AT" sz="2400" dirty="0" smtClean="0">
                 <a:solidFill>
                   <a:schemeClr val="accent1">
                     <a:lumMod val="75000"/>
@@ -15434,10 +14699,29 @@
                 <a:latin typeface="Cambria Math" panose="02040503050406030204" pitchFamily="18" charset="0"/>
                 <a:ea typeface="Cambria Math" panose="02040503050406030204" pitchFamily="18" charset="0"/>
               </a:rPr>
-              <a:t>runif</a:t>
-            </a:r>
-            <a:r>
-              <a:rPr lang="de-AT" sz="2400" dirty="0" smtClean="0">
+              <a:t>)</a:t>
+            </a:r>
+          </a:p>
+          <a:p>
+            <a:pPr lvl="1"/>
+            <a:r>
+              <a:rPr lang="de-AT" sz="2433" dirty="0"/>
+              <a:t>Findest du eine </a:t>
+            </a:r>
+            <a:r>
+              <a:rPr lang="de-AT" sz="2433" dirty="0" smtClean="0"/>
+              <a:t>(performantere</a:t>
+            </a:r>
+            <a:r>
+              <a:rPr lang="de-AT" sz="2433" dirty="0"/>
+              <a:t>?) Berechnung basierend auf Matrixalgebra</a:t>
+            </a:r>
+            <a:r>
+              <a:rPr lang="de-AT" sz="2433" dirty="0" smtClean="0"/>
+              <a:t>? Wie ist das mit </a:t>
+            </a:r>
+            <a:r>
+              <a:rPr lang="de-AT" sz="2500" dirty="0" err="1">
                 <a:solidFill>
                   <a:schemeClr val="accent1">
                     <a:lumMod val="75000"/>
@@ -15446,104 +14730,13 @@
                 <a:latin typeface="Cambria Math" panose="02040503050406030204" pitchFamily="18" charset="0"/>
                 <a:ea typeface="Cambria Math" panose="02040503050406030204" pitchFamily="18" charset="0"/>
               </a:rPr>
-              <a:t>(100), </a:t>
-            </a:r>
-            <a:r>
-              <a:rPr lang="de-AT" sz="2400" dirty="0" err="1" smtClean="0">
-                <a:solidFill>
-                  <a:schemeClr val="accent1">
-                    <a:lumMod val="75000"/>
-                  </a:schemeClr>
-                </a:solidFill>
-                <a:latin typeface="Cambria Math" panose="02040503050406030204" pitchFamily="18" charset="0"/>
-                <a:ea typeface="Cambria Math" panose="02040503050406030204" pitchFamily="18" charset="0"/>
-              </a:rPr>
-              <a:t>ncol</a:t>
-            </a:r>
-            <a:r>
-              <a:rPr lang="de-AT" sz="2400" dirty="0" smtClean="0">
-                <a:solidFill>
-                  <a:schemeClr val="accent1">
-                    <a:lumMod val="75000"/>
-                  </a:schemeClr>
-                </a:solidFill>
-                <a:latin typeface="Cambria Math" panose="02040503050406030204" pitchFamily="18" charset="0"/>
-                <a:ea typeface="Cambria Math" panose="02040503050406030204" pitchFamily="18" charset="0"/>
-              </a:rPr>
-              <a:t> = 5)</a:t>
-            </a:r>
-          </a:p>
-          <a:p>
-            <a:pPr marL="1219170" lvl="2" indent="0">
-              <a:buNone/>
-            </a:pPr>
-            <a:r>
-              <a:rPr lang="de-AT" sz="2400" dirty="0" err="1" smtClean="0">
-                <a:solidFill>
-                  <a:schemeClr val="accent1">
-                    <a:lumMod val="75000"/>
-                  </a:schemeClr>
-                </a:solidFill>
-                <a:latin typeface="Cambria Math" panose="02040503050406030204" pitchFamily="18" charset="0"/>
-                <a:ea typeface="Cambria Math" panose="02040503050406030204" pitchFamily="18" charset="0"/>
-              </a:rPr>
-              <a:t>group</a:t>
-            </a:r>
-            <a:r>
-              <a:rPr lang="de-AT" sz="2400" dirty="0" smtClean="0">
-                <a:solidFill>
-                  <a:schemeClr val="accent1">
-                    <a:lumMod val="75000"/>
-                  </a:schemeClr>
-                </a:solidFill>
-                <a:latin typeface="Cambria Math" panose="02040503050406030204" pitchFamily="18" charset="0"/>
-                <a:ea typeface="Cambria Math" panose="02040503050406030204" pitchFamily="18" charset="0"/>
-              </a:rPr>
-              <a:t> </a:t>
-            </a:r>
-            <a:r>
-              <a:rPr lang="de-AT" sz="2400" dirty="0">
-                <a:solidFill>
-                  <a:schemeClr val="accent1">
-                    <a:lumMod val="75000"/>
-                  </a:schemeClr>
-                </a:solidFill>
-                <a:latin typeface="Cambria Math" panose="02040503050406030204" pitchFamily="18" charset="0"/>
-                <a:ea typeface="Cambria Math" panose="02040503050406030204" pitchFamily="18" charset="0"/>
-              </a:rPr>
-              <a:t>&lt;- sample(1:8, 20, TRUE</a:t>
-            </a:r>
-            <a:r>
-              <a:rPr lang="de-AT" sz="2400" dirty="0" smtClean="0">
-                <a:solidFill>
-                  <a:schemeClr val="accent1">
-                    <a:lumMod val="75000"/>
-                  </a:schemeClr>
-                </a:solidFill>
-                <a:latin typeface="Cambria Math" panose="02040503050406030204" pitchFamily="18" charset="0"/>
-                <a:ea typeface="Cambria Math" panose="02040503050406030204" pitchFamily="18" charset="0"/>
-              </a:rPr>
-              <a:t>)</a:t>
-            </a:r>
-          </a:p>
-          <a:p>
-            <a:pPr lvl="1"/>
-            <a:r>
-              <a:rPr lang="de-AT" sz="2433" dirty="0"/>
-              <a:t>Findest du eine </a:t>
-            </a:r>
-            <a:r>
-              <a:rPr lang="de-AT" sz="2433" dirty="0" smtClean="0"/>
-              <a:t>(performantere</a:t>
-            </a:r>
-            <a:r>
-              <a:rPr lang="de-AT" sz="2433" dirty="0"/>
-              <a:t>?) Berechnung basierend auf Matrixalgebra</a:t>
+              <a:t>tapply</a:t>
             </a:r>
             <a:r>
               <a:rPr lang="de-AT" sz="2433" dirty="0" smtClean="0"/>
               <a:t>?</a:t>
             </a:r>
+            <a:endParaRPr lang="de-AT" sz="2433" dirty="0" smtClean="0"/>
           </a:p>
           <a:p>
             <a:pPr lvl="1"/>
@@ -15681,7 +14874,6 @@
               <a:rPr lang="de-AT" dirty="0" smtClean="0"/>
               <a:t>Verzeichnis-Struktur</a:t>
             </a:r>
-            <a:endParaRPr lang="de-AT" dirty="0" smtClean="0"/>
           </a:p>
           <a:p>
             <a:pPr lvl="1"/>
@@ -15716,7 +14908,6 @@
               <a:rPr lang="de-AT" dirty="0" smtClean="0"/>
               <a:t>/check</a:t>
             </a:r>
-            <a:endParaRPr lang="de-AT" dirty="0" smtClean="0"/>
           </a:p>
           <a:p>
             <a:r>
@@ -15731,7 +14922,6 @@
               <a:rPr lang="de-AT" dirty="0" smtClean="0"/>
               <a:t>-Files</a:t>
             </a:r>
-            <a:endParaRPr lang="de-AT" dirty="0" smtClean="0"/>
           </a:p>
           <a:p>
             <a:r>
@@ -16373,13 +15563,13 @@
             </a:r>
             <a:r>
               <a:rPr lang="de-AT" dirty="0">
-                <a:hlinkClick r:id="rId2"/>
+                <a:hlinkClick r:id="rId3"/>
               </a:rPr>
               <a:t>https://www.rstudio.com/products/rstudio/download</a:t>
             </a:r>
             <a:r>
               <a:rPr lang="de-AT" dirty="0" smtClean="0">
-                <a:hlinkClick r:id="rId2"/>
+                <a:hlinkClick r:id="rId3"/>
               </a:rPr>
               <a:t>/</a:t>
             </a:r>
@@ -16403,13 +15593,13 @@
             </a:r>
             <a:r>
               <a:rPr lang="de-AT" dirty="0">
-                <a:hlinkClick r:id="rId3"/>
+                <a:hlinkClick r:id="rId4"/>
               </a:rPr>
               <a:t>https://cran.r-project.org/bin/windows/Rtools</a:t>
             </a:r>
             <a:r>
               <a:rPr lang="de-AT" dirty="0" smtClean="0">
-                <a:hlinkClick r:id="rId3"/>
+                <a:hlinkClick r:id="rId4"/>
               </a:rPr>
               <a:t>/</a:t>
             </a:r>
@@ -16704,11 +15894,7 @@
             </a:r>
             <a:r>
               <a:rPr lang="de-AT" dirty="0" smtClean="0"/>
-              <a:t> </a:t>
-            </a:r>
-            <a:r>
-              <a:rPr lang="de-AT" dirty="0" smtClean="0"/>
-              <a:t>Funktion </a:t>
+              <a:t> Funktion </a:t>
             </a:r>
             <a:r>
               <a:rPr lang="de-AT" dirty="0"/>
@@ -17531,11 +16717,7 @@
             </a:r>
             <a:r>
               <a:rPr lang="de-AT" sz="2400" dirty="0"/>
-              <a:t> Hadley</a:t>
-            </a:r>
-            <a:r>
-              <a:rPr lang="de-AT" sz="2400" dirty="0"/>
-              <a:t>]</a:t>
+              <a:t> Hadley]</a:t>
             </a:r>
             <a:r>
               <a:rPr lang="de-AT" sz="2000" dirty="0" smtClean="0"/>
@@ -21084,6 +20266,26 @@
 </file>
 
 <file path=customXml/item1.xml><?xml version="1.0" encoding="utf-8"?>
+<?mso-contentType ?>
+<FormTemplates xmlns="http://schemas.microsoft.com/sharepoint/v3/contenttype/forms">
+  <Display>DocumentLibraryForm</Display>
+  <Edit>DocumentLibraryForm</Edit>
+  <New>DocumentLibraryForm</New>
+</FormTemplates>
+</file>
+
+<file path=customXml/item2.xml><?xml version="1.0" encoding="utf-8"?>
+<p:properties xmlns:p="http://schemas.microsoft.com/office/2006/metadata/properties" xmlns:xsi="http://www.w3.org/2001/XMLSchema-instance" xmlns:pc="http://schemas.microsoft.com/office/infopath/2007/PartnerControls">
+  <documentManagement>
+    <TaxKeywordTaxHTField xmlns="bceecc29-3561-4360-8d30-62bb463a6ee4">
+      <Terms xmlns="http://schemas.microsoft.com/office/infopath/2007/PartnerControls"/>
+    </TaxKeywordTaxHTField>
+    <TaxCatchAll xmlns="bceecc29-3561-4360-8d30-62bb463a6ee4"/>
+  </documentManagement>
+</p:properties>
+</file>
+
+<file path=customXml/item3.xml><?xml version="1.0" encoding="utf-8"?>
 <ct:contentTypeSchema xmlns:ct="http://schemas.microsoft.com/office/2006/metadata/contentType" xmlns:ma="http://schemas.microsoft.com/office/2006/metadata/properties/metaAttributes" ct:_="" ma:_="" ma:contentTypeName="Dokument" ma:contentTypeID="0x010100F1962D23BF19DF48B05B0FC556CF5224" ma:contentTypeVersion="3" ma:contentTypeDescription="Ein neues Dokument erstellen." ma:contentTypeScope="" ma:versionID="45dcd65961d2951e43a61f7fa2c4fe67">
   <xsd:schema xmlns:xsd="http://www.w3.org/2001/XMLSchema" xmlns:xs="http://www.w3.org/2001/XMLSchema" xmlns:p="http://schemas.microsoft.com/office/2006/metadata/properties" xmlns:ns2="bceecc29-3561-4360-8d30-62bb463a6ee4" targetNamespace="http://schemas.microsoft.com/office/2006/metadata/properties" ma:root="true" ma:fieldsID="18f77dd737a4c7a6eb303f3c6d605518" ns2:_="">
     <xsd:import namespace="bceecc29-3561-4360-8d30-62bb463a6ee4"/>
@@ -21223,40 +20425,10 @@
 </ct:contentTypeSchema>
 </file>
 
-<file path=customXml/item2.xml><?xml version="1.0" encoding="utf-8"?>
-<p:properties xmlns:p="http://schemas.microsoft.com/office/2006/metadata/properties" xmlns:xsi="http://www.w3.org/2001/XMLSchema-instance" xmlns:pc="http://schemas.microsoft.com/office/infopath/2007/PartnerControls">
-  <documentManagement>
-    <TaxKeywordTaxHTField xmlns="bceecc29-3561-4360-8d30-62bb463a6ee4">
-      <Terms xmlns="http://schemas.microsoft.com/office/infopath/2007/PartnerControls"/>
-    </TaxKeywordTaxHTField>
-    <TaxCatchAll xmlns="bceecc29-3561-4360-8d30-62bb463a6ee4"/>
-  </documentManagement>
-</p:properties>
-</file>
-
-<file path=customXml/item3.xml><?xml version="1.0" encoding="utf-8"?>
-<?mso-contentType ?>
-<FormTemplates xmlns="http://schemas.microsoft.com/sharepoint/v3/contenttype/forms">
-  <Display>DocumentLibraryForm</Display>
-  <Edit>DocumentLibraryForm</Edit>
-  <New>DocumentLibraryForm</New>
-</FormTemplates>
-</file>
-
 <file path=customXml/itemProps1.xml><?xml version="1.0" encoding="utf-8"?>
-<ds:datastoreItem xmlns:ds="http://schemas.openxmlformats.org/officeDocument/2006/customXml" ds:itemID="{BA02BDAD-200F-4E02-BCD6-4992A8420128}">
+<ds:datastoreItem xmlns:ds="http://schemas.openxmlformats.org/officeDocument/2006/customXml" ds:itemID="{3D82DA02-32DA-42C3-BE69-3CB3E66AC522}">
   <ds:schemaRefs>
-    <ds:schemaRef ds:uri="http://schemas.microsoft.com/office/2006/metadata/contentType"/>
-    <ds:schemaRef ds:uri="http://schemas.microsoft.com/office/2006/metadata/properties/metaAttributes"/>
-    <ds:schemaRef ds:uri="http://www.w3.org/2001/XMLSchema"/>
-    <ds:schemaRef ds:uri="http://schemas.microsoft.com/office/2006/metadata/properties"/>
-    <ds:schemaRef ds:uri="bceecc29-3561-4360-8d30-62bb463a6ee4"/>
-    <ds:schemaRef ds:uri="http://schemas.microsoft.com/office/2006/documentManagement/types"/>
-    <ds:schemaRef ds:uri="http://schemas.microsoft.com/office/infopath/2007/PartnerControls"/>
-    <ds:schemaRef ds:uri="http://schemas.openxmlformats.org/package/2006/metadata/core-properties"/>
-    <ds:schemaRef ds:uri="http://purl.org/dc/elements/1.1/"/>
-    <ds:schemaRef ds:uri="http://purl.org/dc/terms/"/>
-    <ds:schemaRef ds:uri="http://schemas.microsoft.com/internal/obd"/>
+    <ds:schemaRef ds:uri="http://schemas.microsoft.com/sharepoint/v3/contenttype/forms"/>
   </ds:schemaRefs>
 </ds:datastoreItem>
 </file>
@@ -21278,9 +20450,19 @@
 </file>
 
 <file path=customXml/itemProps3.xml><?xml version="1.0" encoding="utf-8"?>
-<ds:datastoreItem xmlns:ds="http://schemas.openxmlformats.org/officeDocument/2006/customXml" ds:itemID="{3D82DA02-32DA-42C3-BE69-3CB3E66AC522}">
+<ds:datastoreItem xmlns:ds="http://schemas.openxmlformats.org/officeDocument/2006/customXml" ds:itemID="{BA02BDAD-200F-4E02-BCD6-4992A8420128}">
   <ds:schemaRefs>
-    <ds:schemaRef ds:uri="http://schemas.microsoft.com/sharepoint/v3/contenttype/forms"/>
+    <ds:schemaRef ds:uri="http://schemas.microsoft.com/office/2006/metadata/contentType"/>
+    <ds:schemaRef ds:uri="http://schemas.microsoft.com/office/2006/metadata/properties/metaAttributes"/>
+    <ds:schemaRef ds:uri="http://www.w3.org/2001/XMLSchema"/>
+    <ds:schemaRef ds:uri="http://schemas.microsoft.com/office/2006/metadata/properties"/>
+    <ds:schemaRef ds:uri="bceecc29-3561-4360-8d30-62bb463a6ee4"/>
+    <ds:schemaRef ds:uri="http://schemas.microsoft.com/office/2006/documentManagement/types"/>
+    <ds:schemaRef ds:uri="http://schemas.microsoft.com/office/infopath/2007/PartnerControls"/>
+    <ds:schemaRef ds:uri="http://schemas.openxmlformats.org/package/2006/metadata/core-properties"/>
+    <ds:schemaRef ds:uri="http://purl.org/dc/elements/1.1/"/>
+    <ds:schemaRef ds:uri="http://purl.org/dc/terms/"/>
+    <ds:schemaRef ds:uri="http://schemas.microsoft.com/internal/obd"/>
   </ds:schemaRefs>
 </ds:datastoreItem>
 </file>